--- a/tutorial/adios_api_scidac_tutorial.pptx
+++ b/tutorial/adios_api_scidac_tutorial.pptx
@@ -264,7 +264,7 @@
           <c:xMode val="edge"/>
           <c:yMode val="edge"/>
           <c:x val="0.18219487781418628"/>
-          <c:y val="4.3726235741444894E-2"/>
+          <c:y val="4.3726235741444901E-2"/>
         </c:manualLayout>
       </c:layout>
       <c:spPr>
@@ -280,10 +280,10 @@
           <c:layoutTarget val="inner"/>
           <c:xMode val="edge"/>
           <c:yMode val="edge"/>
-          <c:x val="9.358191095678263E-2"/>
+          <c:x val="9.3581910956782671E-2"/>
           <c:y val="0.14005089667974013"/>
-          <c:w val="0.87502652894194655"/>
-          <c:h val="0.80164825404429052"/>
+          <c:w val="0.87502652894194644"/>
+          <c:h val="0.80164825404429074"/>
         </c:manualLayout>
       </c:layout>
       <c:lineChart>
@@ -364,7 +364,7 @@
                     <c:v>1.7737918165270918</c:v>
                   </c:pt>
                   <c:pt idx="4">
-                    <c:v>4.4249960267891622</c:v>
+                    <c:v>4.4249960267891613</c:v>
                   </c:pt>
                 </c:numCache>
               </c:numRef>
@@ -409,10 +409,10 @@
                 <c:formatCode>General</c:formatCode>
                 <c:ptCount val="5"/>
                 <c:pt idx="0">
-                  <c:v>0.70800000000000018</c:v>
+                  <c:v>0.7080000000000003</c:v>
                 </c:pt>
                 <c:pt idx="1">
-                  <c:v>1.1640890000000004</c:v>
+                  <c:v>1.1640890000000006</c:v>
                 </c:pt>
                 <c:pt idx="2">
                   <c:v>4.2899250000000002</c:v>
@@ -478,13 +478,13 @@
                     <c:v>1.0707783852825514</c:v>
                   </c:pt>
                   <c:pt idx="1">
-                    <c:v>1.8770895611838345</c:v>
+                    <c:v>1.8770895611838347</c:v>
                   </c:pt>
                   <c:pt idx="2">
                     <c:v>1.4763311688777003</c:v>
                   </c:pt>
                   <c:pt idx="3">
-                    <c:v>2.2778163457214347</c:v>
+                    <c:v>2.2778163457214355</c:v>
                   </c:pt>
                   <c:pt idx="4">
                     <c:v>3.2392632943539574</c:v>
@@ -514,10 +514,10 @@
                   <c:v>3.642884</c:v>
                 </c:pt>
                 <c:pt idx="2">
-                  <c:v>5.8479389999999976</c:v>
+                  <c:v>5.8479389999999967</c:v>
                 </c:pt>
                 <c:pt idx="3">
-                  <c:v>10.661818</c:v>
+                  <c:v>10.661817999999998</c:v>
                 </c:pt>
                 <c:pt idx="4">
                   <c:v>23.943885000000005</c:v>
@@ -577,13 +577,13 @@
                     <c:v>0.13900006187538741</c:v>
                   </c:pt>
                   <c:pt idx="1">
-                    <c:v>0.59399468138899181</c:v>
+                    <c:v>0.59399468138899192</c:v>
                   </c:pt>
                   <c:pt idx="2">
-                    <c:v>0.22394344738602556</c:v>
+                    <c:v>0.22394344738602565</c:v>
                   </c:pt>
                   <c:pt idx="3">
-                    <c:v>1.3891887383406218</c:v>
+                    <c:v>1.3891887383406221</c:v>
                   </c:pt>
                   <c:pt idx="4">
                     <c:v>6.1668382141811273</c:v>
@@ -607,16 +607,16 @@
                 <c:formatCode>General</c:formatCode>
                 <c:ptCount val="5"/>
                 <c:pt idx="0">
-                  <c:v>9.9104000000000053E-2</c:v>
+                  <c:v>9.9104000000000081E-2</c:v>
                 </c:pt>
                 <c:pt idx="1">
-                  <c:v>0.21428600000000006</c:v>
+                  <c:v>0.21428600000000009</c:v>
                 </c:pt>
                 <c:pt idx="2">
-                  <c:v>0.47008800000000012</c:v>
+                  <c:v>0.47008800000000017</c:v>
                 </c:pt>
                 <c:pt idx="3">
-                  <c:v>0.84351199999999982</c:v>
+                  <c:v>0.84351199999999971</c:v>
                 </c:pt>
                 <c:pt idx="4">
                   <c:v>1.6610259999999999</c:v>
@@ -671,16 +671,16 @@
                   <c:formatCode>General</c:formatCode>
                   <c:ptCount val="5"/>
                   <c:pt idx="0">
-                    <c:v>3.7100375058413952</c:v>
+                    <c:v>3.7100375058413957</c:v>
                   </c:pt>
                   <c:pt idx="1">
                     <c:v>183.36547487817586</c:v>
                   </c:pt>
                   <c:pt idx="2">
-                    <c:v>12.500458366067095</c:v>
+                    <c:v>12.500458366067097</c:v>
                   </c:pt>
                   <c:pt idx="3">
-                    <c:v>156.95443975170369</c:v>
+                    <c:v>156.95443975170372</c:v>
                   </c:pt>
                   <c:pt idx="4">
                     <c:v>69.480436640903747</c:v>
@@ -707,7 +707,7 @@
                   <c:v>14.079898</c:v>
                 </c:pt>
                 <c:pt idx="1">
-                  <c:v>31.378701999999993</c:v>
+                  <c:v>31.37870199999999</c:v>
                 </c:pt>
                 <c:pt idx="2">
                   <c:v>75.383114000000006</c:v>
@@ -723,11 +723,11 @@
           </c:val>
         </c:ser>
         <c:marker val="1"/>
-        <c:axId val="85497728"/>
-        <c:axId val="85499264"/>
+        <c:axId val="76752768"/>
+        <c:axId val="76754944"/>
       </c:lineChart>
       <c:catAx>
-        <c:axId val="85497728"/>
+        <c:axId val="76752768"/>
         <c:scaling>
           <c:orientation val="minMax"/>
         </c:scaling>
@@ -759,8 +759,8 @@
             <c:manualLayout>
               <c:xMode val="edge"/>
               <c:yMode val="edge"/>
-              <c:x val="0.39627353228936146"/>
-              <c:y val="0.88783352378795155"/>
+              <c:x val="0.39627353228936152"/>
+              <c:y val="0.88783352378795144"/>
             </c:manualLayout>
           </c:layout>
           <c:spPr>
@@ -797,7 +797,7 @@
             <a:endParaRPr lang="en-US"/>
           </a:p>
         </c:txPr>
-        <c:crossAx val="85499264"/>
+        <c:crossAx val="76754944"/>
         <c:crosses val="autoZero"/>
         <c:auto val="1"/>
         <c:lblAlgn val="ctr"/>
@@ -806,7 +806,7 @@
         <c:tickMarkSkip val="2"/>
       </c:catAx>
       <c:valAx>
-        <c:axId val="85499264"/>
+        <c:axId val="76754944"/>
         <c:scaling>
           <c:logBase val="10"/>
           <c:orientation val="minMax"/>
@@ -849,8 +849,8 @@
             <c:manualLayout>
               <c:xMode val="edge"/>
               <c:yMode val="edge"/>
-              <c:x val="6.2111838916827826E-3"/>
-              <c:y val="0.28517136738371085"/>
+              <c:x val="6.2111838916827844E-3"/>
+              <c:y val="0.28517136738371091"/>
             </c:manualLayout>
           </c:layout>
           <c:spPr>
@@ -887,7 +887,7 @@
             <a:endParaRPr lang="en-US"/>
           </a:p>
         </c:txPr>
-        <c:crossAx val="85497728"/>
+        <c:crossAx val="76752768"/>
         <c:crossesAt val="1"/>
         <c:crossBetween val="between"/>
       </c:valAx>
@@ -908,7 +908,7 @@
           <c:xMode val="edge"/>
           <c:yMode val="edge"/>
           <c:x val="0.13845610024553381"/>
-          <c:y val="0.1654000379230163"/>
+          <c:y val="0.16540003792301633"/>
           <c:w val="0.41366484718607288"/>
           <c:h val="4.5627418781393682E-2"/>
         </c:manualLayout>
@@ -6038,11 +6038,7 @@
             </a:pPr>
             <a:r>
               <a:rPr lang="en-US" sz="1700" dirty="0" smtClean="0"/>
-              <a:t>C </a:t>
-            </a:r>
-            <a:r>
-              <a:rPr lang="en-US" sz="1700" dirty="0" smtClean="0"/>
-              <a:t>compiler</a:t>
+              <a:t>C compiler</a:t>
             </a:r>
           </a:p>
           <a:p>
@@ -6066,7 +6062,6 @@
               <a:rPr lang="en-US" sz="1700" dirty="0" smtClean="0"/>
               <a:t>python.</a:t>
             </a:r>
-            <a:endParaRPr lang="en-US" sz="1700" dirty="0" smtClean="0"/>
           </a:p>
           <a:p>
             <a:pPr lvl="1">
@@ -6175,13 +6170,8 @@
             </a:r>
             <a:r>
               <a:rPr lang="en-US" dirty="0" smtClean="0"/>
-              <a:t> </a:t>
-            </a:r>
-            <a:r>
-              <a:rPr lang="en-US" dirty="0" smtClean="0"/>
-              <a:t>P will be fully supported.</a:t>
-            </a:r>
-            <a:endParaRPr lang="en-US" dirty="0" smtClean="0"/>
+              <a:t> P will be fully supported.</a:t>
+            </a:r>
           </a:p>
           <a:p>
             <a:pPr>
@@ -6252,11 +6242,7 @@
             </a:pPr>
             <a:r>
               <a:rPr lang="en-US" dirty="0" smtClean="0"/>
-              <a:t>Integration </a:t>
-            </a:r>
-            <a:r>
-              <a:rPr lang="en-US" dirty="0" smtClean="0"/>
-              <a:t>into Kepler for</a:t>
+              <a:t>Integration into Kepler for</a:t>
             </a:r>
             <a:br>
               <a:rPr lang="en-US" dirty="0" smtClean="0"/>
@@ -6265,7 +6251,6 @@
               <a:rPr lang="en-US" dirty="0" smtClean="0"/>
               <a:t>metadata capture.</a:t>
             </a:r>
-            <a:endParaRPr lang="en-US" dirty="0" smtClean="0"/>
           </a:p>
           <a:p>
             <a:pPr>
@@ -6287,11 +6272,7 @@
             </a:br>
             <a:r>
               <a:rPr lang="en-US" dirty="0" smtClean="0"/>
-              <a:t>such as data </a:t>
-            </a:r>
-            <a:r>
-              <a:rPr lang="en-US" dirty="0" smtClean="0"/>
-              <a:t>re-arrangement and in situ</a:t>
+              <a:t>such as data re-arrangement and in situ</a:t>
             </a:r>
             <a:br>
               <a:rPr lang="en-US" dirty="0" smtClean="0"/>
@@ -6300,7 +6281,6 @@
               <a:rPr lang="en-US" dirty="0" smtClean="0"/>
               <a:t>visualization.</a:t>
             </a:r>
-            <a:endParaRPr lang="en-US" dirty="0" smtClean="0"/>
           </a:p>
           <a:p>
             <a:pPr>
@@ -13052,7 +13032,7 @@
       </p:sp>
       <p:pic>
         <p:nvPicPr>
-          <p:cNvPr id="58370" name="Picture 6" descr="u0010.png"/>
+          <p:cNvPr id="4" name="Picture 3" descr="heat.jpg"/>
           <p:cNvPicPr>
             <a:picLocks noChangeAspect="1"/>
           </p:cNvPicPr>
@@ -13060,26 +13040,18 @@
         </p:nvPicPr>
         <p:blipFill>
           <a:blip r:embed="rId2"/>
-          <a:srcRect/>
           <a:stretch>
             <a:fillRect/>
           </a:stretch>
         </p:blipFill>
-        <p:spPr bwMode="auto">
+        <p:spPr>
           <a:xfrm>
-            <a:off x="2209800" y="1524000"/>
-            <a:ext cx="4800600" cy="4273550"/>
+            <a:off x="2057400" y="990600"/>
+            <a:ext cx="5334000" cy="5334000"/>
           </a:xfrm>
           <a:prstGeom prst="rect">
             <a:avLst/>
           </a:prstGeom>
-          <a:noFill/>
-          <a:ln w="9525">
-            <a:noFill/>
-            <a:miter lim="800000"/>
-            <a:headEnd/>
-            <a:tailEnd/>
-          </a:ln>
         </p:spPr>
       </p:pic>
     </p:spTree>

--- a/tutorial/adios_api_scidac_tutorial.pptx
+++ b/tutorial/adios_api_scidac_tutorial.pptx
@@ -377,7 +377,7 @@
                     <c:v>1.773791816527092</c:v>
                   </c:pt>
                   <c:pt idx="4">
-                    <c:v>4.42499602678916</c:v>
+                    <c:v>4.424996026789159</c:v>
                   </c:pt>
                 </c:numCache>
               </c:numRef>
@@ -527,7 +527,7 @@
                   <c:v>3.642884</c:v>
                 </c:pt>
                 <c:pt idx="2">
-                  <c:v>5.847938999999996</c:v>
+                  <c:v>5.847938999999995</c:v>
                 </c:pt>
                 <c:pt idx="3">
                   <c:v>10.661818</c:v>
@@ -687,7 +687,7 @@
                     <c:v>3.710037505841396</c:v>
                   </c:pt>
                   <c:pt idx="1">
-                    <c:v>183.3654748781759</c:v>
+                    <c:v>183.365474878176</c:v>
                   </c:pt>
                   <c:pt idx="2">
                     <c:v>12.5004583660671</c:v>
@@ -736,11 +736,11 @@
           </c:val>
         </c:ser>
         <c:marker val="1"/>
-        <c:axId val="698111432"/>
-        <c:axId val="684640984"/>
+        <c:axId val="659027176"/>
+        <c:axId val="79601224"/>
       </c:lineChart>
       <c:catAx>
-        <c:axId val="698111432"/>
+        <c:axId val="659027176"/>
         <c:scaling>
           <c:orientation val="minMax"/>
         </c:scaling>
@@ -810,7 +810,7 @@
             <a:endParaRPr lang="en-US"/>
           </a:p>
         </c:txPr>
-        <c:crossAx val="684640984"/>
+        <c:crossAx val="79601224"/>
         <c:crosses val="autoZero"/>
         <c:auto val="1"/>
         <c:lblAlgn val="ctr"/>
@@ -819,7 +819,7 @@
         <c:tickMarkSkip val="2"/>
       </c:catAx>
       <c:valAx>
-        <c:axId val="684640984"/>
+        <c:axId val="79601224"/>
         <c:scaling>
           <c:logBase val="10.0"/>
           <c:orientation val="minMax"/>
@@ -900,7 +900,7 @@
             <a:endParaRPr lang="en-US"/>
           </a:p>
         </c:txPr>
-        <c:crossAx val="698111432"/>
+        <c:crossAx val="659027176"/>
         <c:crossesAt val="1.0"/>
         <c:crossBetween val="between"/>
       </c:valAx>
@@ -1523,11 +1523,7 @@
             </a:r>
             <a:r>
               <a:rPr lang="en-US" dirty="0" smtClean="0"/>
-              <a:t>: retrieve the buffer</a:t>
-            </a:r>
-            <a:r>
-              <a:rPr lang="en-US" dirty="0" smtClean="0"/>
-              <a:t> </a:t>
+              <a:t>: retrieve the buffer </a:t>
             </a:r>
             <a:r>
               <a:rPr lang="en-US" dirty="0" err="1" smtClean="0"/>
@@ -1535,11 +1531,7 @@
             </a:r>
             <a:r>
               <a:rPr lang="en-US" dirty="0" smtClean="0"/>
-              <a:t> </a:t>
-            </a:r>
-            <a:r>
-              <a:rPr lang="en-US" dirty="0" smtClean="0"/>
-              <a:t>for</a:t>
+              <a:t> for</a:t>
             </a:r>
             <a:r>
               <a:rPr lang="en-US" baseline="0" dirty="0" smtClean="0"/>
@@ -10581,11 +10573,11 @@
         <p:spPr>
           <a:xfrm>
             <a:off x="120650" y="925513"/>
-            <a:ext cx="8229600" cy="5246687"/>
+            <a:ext cx="8229600" cy="5399087"/>
           </a:xfrm>
         </p:spPr>
         <p:txBody>
-          <a:bodyPr/>
+          <a:bodyPr anchor="t"/>
           <a:lstStyle/>
           <a:p>
             <a:pPr>
@@ -10594,7 +10586,7 @@
               </a:lnSpc>
             </a:pPr>
             <a:r>
-              <a:rPr lang="en-US" b="1" smtClean="0"/>
+              <a:rPr lang="en-US" b="1" dirty="0" smtClean="0"/>
               <a:t>Attributes</a:t>
             </a:r>
           </a:p>
@@ -10605,11 +10597,11 @@
               </a:lnSpc>
             </a:pPr>
             <a:r>
-              <a:rPr lang="en-US" b="1" smtClean="0"/>
+              <a:rPr lang="en-US" b="1" dirty="0" smtClean="0"/>
               <a:t>&lt;</a:t>
             </a:r>
             <a:r>
-              <a:rPr lang="en-US" b="1" smtClean="0">
+              <a:rPr lang="en-US" b="1" dirty="0" smtClean="0">
                 <a:solidFill>
                   <a:srgbClr val="DB4415"/>
                 </a:solidFill>
@@ -10617,11 +10609,11 @@
               <a:t>attribute</a:t>
             </a:r>
             <a:r>
-              <a:rPr lang="en-US" b="1" smtClean="0"/>
+              <a:rPr lang="en-US" b="1" dirty="0" smtClean="0"/>
               <a:t> </a:t>
             </a:r>
             <a:r>
-              <a:rPr lang="en-US" b="1" smtClean="0">
+              <a:rPr lang="en-US" b="1" dirty="0" smtClean="0">
                 <a:solidFill>
                   <a:srgbClr val="008C53"/>
                 </a:solidFill>
@@ -10629,11 +10621,11 @@
               <a:t>name</a:t>
             </a:r>
             <a:r>
-              <a:rPr lang="en-US" b="1" smtClean="0"/>
+              <a:rPr lang="en-US" b="1" dirty="0" smtClean="0"/>
               <a:t>=“</a:t>
             </a:r>
             <a:r>
-              <a:rPr lang="en-US" b="1" smtClean="0">
+              <a:rPr lang="en-US" b="1" dirty="0" err="1" smtClean="0">
                 <a:solidFill>
                   <a:srgbClr val="000080"/>
                 </a:solidFill>
@@ -10641,11 +10633,11 @@
               <a:t>n</a:t>
             </a:r>
             <a:r>
-              <a:rPr lang="en-US" b="1" smtClean="0"/>
+              <a:rPr lang="en-US" b="1" dirty="0" smtClean="0"/>
               <a:t>” </a:t>
             </a:r>
             <a:r>
-              <a:rPr lang="en-US" b="1" smtClean="0">
+              <a:rPr lang="en-US" b="1" dirty="0" smtClean="0">
                 <a:solidFill>
                   <a:srgbClr val="008C53"/>
                 </a:solidFill>
@@ -10653,11 +10645,11 @@
               <a:t>path</a:t>
             </a:r>
             <a:r>
-              <a:rPr lang="en-US" b="1" smtClean="0"/>
+              <a:rPr lang="en-US" b="1" dirty="0" smtClean="0"/>
               <a:t>=“</a:t>
             </a:r>
             <a:r>
-              <a:rPr lang="en-US" b="1" smtClean="0">
+              <a:rPr lang="en-US" b="1" dirty="0" err="1" smtClean="0">
                 <a:solidFill>
                   <a:srgbClr val="000080"/>
                 </a:solidFill>
@@ -10665,11 +10657,11 @@
               <a:t>p</a:t>
             </a:r>
             <a:r>
-              <a:rPr lang="en-US" b="1" smtClean="0"/>
+              <a:rPr lang="en-US" b="1" dirty="0" smtClean="0"/>
               <a:t>” </a:t>
             </a:r>
             <a:r>
-              <a:rPr lang="en-US" b="1" smtClean="0">
+              <a:rPr lang="en-US" b="1" dirty="0" smtClean="0">
                 <a:solidFill>
                   <a:srgbClr val="008C53"/>
                 </a:solidFill>
@@ -10677,11 +10669,11 @@
               <a:t>value</a:t>
             </a:r>
             <a:r>
-              <a:rPr lang="en-US" b="1" smtClean="0"/>
+              <a:rPr lang="en-US" b="1" dirty="0" smtClean="0"/>
               <a:t>=“</a:t>
             </a:r>
             <a:r>
-              <a:rPr lang="en-US" b="1" smtClean="0">
+              <a:rPr lang="en-US" b="1" dirty="0" err="1" smtClean="0">
                 <a:solidFill>
                   <a:srgbClr val="000080"/>
                 </a:solidFill>
@@ -10689,11 +10681,11 @@
               <a:t>val</a:t>
             </a:r>
             <a:r>
-              <a:rPr lang="en-US" b="1" smtClean="0"/>
+              <a:rPr lang="en-US" b="1" dirty="0" smtClean="0"/>
               <a:t>” </a:t>
             </a:r>
             <a:r>
-              <a:rPr lang="en-US" b="1" smtClean="0">
+              <a:rPr lang="en-US" b="1" dirty="0" smtClean="0">
                 <a:solidFill>
                   <a:srgbClr val="008C53"/>
                 </a:solidFill>
@@ -10701,11 +10693,11 @@
               <a:t>type</a:t>
             </a:r>
             <a:r>
-              <a:rPr lang="en-US" b="1" smtClean="0"/>
+              <a:rPr lang="en-US" b="1" dirty="0" smtClean="0"/>
               <a:t>=“</a:t>
             </a:r>
             <a:r>
-              <a:rPr lang="en-US" b="1" smtClean="0">
+              <a:rPr lang="en-US" b="1" dirty="0" err="1" smtClean="0">
                 <a:solidFill>
                   <a:srgbClr val="000080"/>
                 </a:solidFill>
@@ -10713,11 +10705,11 @@
               <a:t>t</a:t>
             </a:r>
             <a:r>
-              <a:rPr lang="en-US" b="1" smtClean="0"/>
+              <a:rPr lang="en-US" b="1" dirty="0" smtClean="0"/>
               <a:t>” </a:t>
             </a:r>
             <a:r>
-              <a:rPr lang="en-US" b="1" smtClean="0">
+              <a:rPr lang="en-US" b="1" dirty="0" err="1" smtClean="0">
                 <a:solidFill>
                   <a:srgbClr val="008C53"/>
                 </a:solidFill>
@@ -10725,11 +10717,11 @@
               <a:t>var</a:t>
             </a:r>
             <a:r>
-              <a:rPr lang="en-US" b="1" smtClean="0"/>
+              <a:rPr lang="en-US" b="1" dirty="0" smtClean="0"/>
               <a:t>=“</a:t>
             </a:r>
             <a:r>
-              <a:rPr lang="en-US" b="1" smtClean="0">
+              <a:rPr lang="en-US" b="1" dirty="0" err="1" smtClean="0">
                 <a:solidFill>
                   <a:srgbClr val="000080"/>
                 </a:solidFill>
@@ -10737,8 +10729,36 @@
               <a:t>var</a:t>
             </a:r>
             <a:r>
-              <a:rPr lang="en-US" b="1" smtClean="0"/>
-              <a:t>”/&gt;</a:t>
+              <a:rPr lang="en-US" b="1" dirty="0" smtClean="0"/>
+              <a:t>” </a:t>
+            </a:r>
+            <a:r>
+              <a:rPr lang="en-US" b="1" dirty="0" err="1" smtClean="0">
+                <a:solidFill>
+                  <a:srgbClr val="008C53"/>
+                </a:solidFill>
+              </a:rPr>
+              <a:t>gname</a:t>
+            </a:r>
+            <a:r>
+              <a:rPr lang="en-US" b="1" dirty="0" smtClean="0"/>
+              <a:t>=“</a:t>
+            </a:r>
+            <a:r>
+              <a:rPr lang="en-US" b="1" dirty="0" err="1" smtClean="0">
+                <a:solidFill>
+                  <a:srgbClr val="000080"/>
+                </a:solidFill>
+              </a:rPr>
+              <a:t>gn</a:t>
+            </a:r>
+            <a:r>
+              <a:rPr lang="en-US" b="1" dirty="0" smtClean="0"/>
+              <a:t>”/</a:t>
+            </a:r>
+            <a:r>
+              <a:rPr lang="en-US" b="1" dirty="0" smtClean="0"/>
+              <a:t>&gt;</a:t>
             </a:r>
           </a:p>
           <a:p>
@@ -10748,7 +10768,7 @@
               </a:lnSpc>
             </a:pPr>
             <a:r>
-              <a:rPr lang="en-US" b="1" smtClean="0">
+              <a:rPr lang="en-US" b="1" dirty="0" smtClean="0">
                 <a:solidFill>
                   <a:srgbClr val="008C53"/>
                 </a:solidFill>
@@ -10756,7 +10776,7 @@
               <a:t>name</a:t>
             </a:r>
             <a:r>
-              <a:rPr lang="en-US" b="1" smtClean="0"/>
+              <a:rPr lang="en-US" b="1" dirty="0" smtClean="0"/>
               <a:t> of the attribute</a:t>
             </a:r>
           </a:p>
@@ -10767,7 +10787,7 @@
               </a:lnSpc>
             </a:pPr>
             <a:r>
-              <a:rPr lang="en-US" b="1" smtClean="0">
+              <a:rPr lang="en-US" b="1" dirty="0" smtClean="0">
                 <a:solidFill>
                   <a:srgbClr val="008C53"/>
                 </a:solidFill>
@@ -10775,7 +10795,7 @@
               <a:t>path</a:t>
             </a:r>
             <a:r>
-              <a:rPr lang="en-US" b="1" smtClean="0"/>
+              <a:rPr lang="en-US" b="1" dirty="0" smtClean="0"/>
               <a:t> for HDF-5 style hierarchy</a:t>
             </a:r>
           </a:p>
@@ -10786,11 +10806,11 @@
               </a:lnSpc>
             </a:pPr>
             <a:r>
-              <a:rPr lang="en-US" b="1" smtClean="0"/>
+              <a:rPr lang="en-US" b="1" dirty="0" smtClean="0"/>
               <a:t>works like the </a:t>
             </a:r>
             <a:r>
-              <a:rPr lang="en-US" b="1" smtClean="0">
+              <a:rPr lang="en-US" b="1" dirty="0" smtClean="0">
                 <a:solidFill>
                   <a:srgbClr val="008C53"/>
                 </a:solidFill>
@@ -10798,17 +10818,22 @@
               <a:t>path</a:t>
             </a:r>
             <a:r>
-              <a:rPr lang="en-US" b="1" smtClean="0"/>
+              <a:rPr lang="en-US" b="1" dirty="0" smtClean="0"/>
               <a:t> in a </a:t>
             </a:r>
             <a:r>
-              <a:rPr lang="en-US" b="1" smtClean="0">
+              <a:rPr lang="en-US" b="1" dirty="0" err="1" smtClean="0">
                 <a:solidFill>
                   <a:srgbClr val="DB4415"/>
                 </a:solidFill>
               </a:rPr>
               <a:t>var</a:t>
             </a:r>
+            <a:endParaRPr lang="en-US" b="1" dirty="0" smtClean="0">
+              <a:solidFill>
+                <a:srgbClr val="DB4415"/>
+              </a:solidFill>
+            </a:endParaRPr>
           </a:p>
           <a:p>
             <a:pPr lvl="3">
@@ -10817,7 +10842,7 @@
               </a:lnSpc>
             </a:pPr>
             <a:r>
-              <a:rPr lang="en-US" b="1" smtClean="0"/>
+              <a:rPr lang="en-US" b="1" dirty="0" smtClean="0"/>
               <a:t>for either a group or data item</a:t>
             </a:r>
           </a:p>
@@ -10828,8 +10853,16 @@
               </a:lnSpc>
             </a:pPr>
             <a:r>
-              <a:rPr lang="en-US" b="1" smtClean="0"/>
-              <a:t>Group: if the last character is a ‘/’ or not a var name</a:t>
+              <a:rPr lang="en-US" b="1" dirty="0" smtClean="0"/>
+              <a:t>Group: if the last character is a ‘/’ or not a </a:t>
+            </a:r>
+            <a:r>
+              <a:rPr lang="en-US" b="1" dirty="0" err="1" smtClean="0"/>
+              <a:t>var</a:t>
+            </a:r>
+            <a:r>
+              <a:rPr lang="en-US" b="1" dirty="0" smtClean="0"/>
+              <a:t> name</a:t>
             </a:r>
           </a:p>
           <a:p>
@@ -10839,8 +10872,16 @@
               </a:lnSpc>
             </a:pPr>
             <a:r>
-              <a:rPr lang="en-US" b="1" smtClean="0"/>
-              <a:t>Data Item: if the last piece names a var (but no trailing ‘/’)</a:t>
+              <a:rPr lang="en-US" b="1" dirty="0" smtClean="0"/>
+              <a:t>Data Item: if the last piece names a </a:t>
+            </a:r>
+            <a:r>
+              <a:rPr lang="en-US" b="1" dirty="0" err="1" smtClean="0"/>
+              <a:t>var</a:t>
+            </a:r>
+            <a:r>
+              <a:rPr lang="en-US" b="1" dirty="0" smtClean="0"/>
+              <a:t> (but no trailing ‘/’)</a:t>
             </a:r>
           </a:p>
           <a:p>
@@ -10850,11 +10891,11 @@
               </a:lnSpc>
             </a:pPr>
             <a:r>
-              <a:rPr lang="en-US" b="1" smtClean="0"/>
+              <a:rPr lang="en-US" b="1" dirty="0" smtClean="0"/>
               <a:t>Must provide EITHER </a:t>
             </a:r>
             <a:r>
-              <a:rPr lang="en-US" b="1" smtClean="0">
+              <a:rPr lang="en-US" b="1" dirty="0" smtClean="0">
                 <a:solidFill>
                   <a:srgbClr val="008C53"/>
                 </a:solidFill>
@@ -10862,11 +10903,11 @@
               <a:t>value</a:t>
             </a:r>
             <a:r>
-              <a:rPr lang="en-US" b="1" smtClean="0"/>
+              <a:rPr lang="en-US" b="1" dirty="0" smtClean="0"/>
               <a:t> OR </a:t>
             </a:r>
             <a:r>
-              <a:rPr lang="en-US" b="1" smtClean="0">
+              <a:rPr lang="en-US" b="1" dirty="0" err="1" smtClean="0">
                 <a:solidFill>
                   <a:srgbClr val="008C53"/>
                 </a:solidFill>
@@ -10874,11 +10915,11 @@
               <a:t>var</a:t>
             </a:r>
             <a:r>
-              <a:rPr lang="en-US" b="1" smtClean="0"/>
+              <a:rPr lang="en-US" b="1" dirty="0" smtClean="0"/>
               <a:t> and </a:t>
             </a:r>
             <a:r>
-              <a:rPr lang="en-US" b="1" smtClean="0">
+              <a:rPr lang="en-US" b="1" dirty="0" smtClean="0">
                 <a:solidFill>
                   <a:srgbClr val="008C53"/>
                 </a:solidFill>
@@ -10893,7 +10934,7 @@
               </a:lnSpc>
             </a:pPr>
             <a:r>
-              <a:rPr lang="en-US" b="1" smtClean="0">
+              <a:rPr lang="en-US" b="1" dirty="0" smtClean="0">
                 <a:solidFill>
                   <a:srgbClr val="008C53"/>
                 </a:solidFill>
@@ -10901,7 +10942,7 @@
               <a:t>value</a:t>
             </a:r>
             <a:r>
-              <a:rPr lang="en-US" b="1" smtClean="0"/>
+              <a:rPr lang="en-US" b="1" dirty="0" smtClean="0"/>
               <a:t> is a fixed value for the attribute</a:t>
             </a:r>
           </a:p>
@@ -10912,7 +10953,7 @@
               </a:lnSpc>
             </a:pPr>
             <a:r>
-              <a:rPr lang="en-US" b="1" smtClean="0">
+              <a:rPr lang="en-US" b="1" dirty="0" err="1" smtClean="0">
                 <a:solidFill>
                   <a:srgbClr val="008C53"/>
                 </a:solidFill>
@@ -10920,8 +10961,24 @@
               <a:t>var</a:t>
             </a:r>
             <a:r>
-              <a:rPr lang="en-US" b="1" smtClean="0"/>
-              <a:t> is the name of a var so that adios_write can supply the value at runtime</a:t>
+              <a:rPr lang="en-US" b="1" dirty="0" smtClean="0"/>
+              <a:t> is the name of a </a:t>
+            </a:r>
+            <a:r>
+              <a:rPr lang="en-US" b="1" dirty="0" err="1" smtClean="0"/>
+              <a:t>var</a:t>
+            </a:r>
+            <a:r>
+              <a:rPr lang="en-US" b="1" dirty="0" smtClean="0"/>
+              <a:t> so that </a:t>
+            </a:r>
+            <a:r>
+              <a:rPr lang="en-US" b="1" dirty="0" err="1" smtClean="0"/>
+              <a:t>adios_write</a:t>
+            </a:r>
+            <a:r>
+              <a:rPr lang="en-US" b="1" dirty="0" smtClean="0"/>
+              <a:t> can supply the value at runtime</a:t>
             </a:r>
           </a:p>
           <a:p>
@@ -10931,49 +10988,162 @@
               </a:lnSpc>
             </a:pPr>
             <a:r>
+              <a:rPr lang="en-US" b="1" dirty="0" smtClean="0">
+                <a:solidFill>
+                  <a:srgbClr val="008C53"/>
+                </a:solidFill>
+              </a:rPr>
+              <a:t>type</a:t>
+            </a:r>
+            <a:r>
+              <a:rPr lang="en-US" b="1" dirty="0" smtClean="0"/>
+              <a:t> works like </a:t>
+            </a:r>
+            <a:r>
+              <a:rPr lang="en-US" b="1" dirty="0" err="1" smtClean="0">
+                <a:solidFill>
+                  <a:srgbClr val="DB4415"/>
+                </a:solidFill>
+              </a:rPr>
+              <a:t>var</a:t>
+            </a:r>
+            <a:r>
+              <a:rPr lang="en-US" b="1" dirty="0" smtClean="0"/>
+              <a:t> element </a:t>
+            </a:r>
+            <a:r>
+              <a:rPr lang="en-US" b="1" dirty="0" smtClean="0">
+                <a:solidFill>
+                  <a:srgbClr val="008C53"/>
+                </a:solidFill>
+              </a:rPr>
+              <a:t>type</a:t>
+            </a:r>
+            <a:r>
+              <a:rPr lang="en-US" b="1" dirty="0" smtClean="0"/>
+              <a:t>, used for the </a:t>
+            </a:r>
+            <a:r>
+              <a:rPr lang="en-US" b="1" dirty="0" err="1" smtClean="0">
+                <a:solidFill>
+                  <a:srgbClr val="008C53"/>
+                </a:solidFill>
+              </a:rPr>
+              <a:t>var</a:t>
+            </a:r>
+            <a:endParaRPr lang="en-US" b="1" dirty="0" smtClean="0">
+              <a:solidFill>
+                <a:srgbClr val="008C53"/>
+              </a:solidFill>
+            </a:endParaRPr>
+          </a:p>
+          <a:p>
+            <a:pPr lvl="2">
+              <a:lnSpc>
+                <a:spcPct val="80000"/>
+              </a:lnSpc>
+            </a:pPr>
+            <a:r>
+              <a:rPr lang="en-US" b="1" dirty="0" err="1" smtClean="0">
+                <a:solidFill>
+                  <a:srgbClr val="008C53"/>
+                </a:solidFill>
+              </a:rPr>
+              <a:t>g</a:t>
+            </a:r>
+            <a:r>
+              <a:rPr lang="en-US" b="1" dirty="0" err="1" smtClean="0">
+                <a:solidFill>
+                  <a:srgbClr val="008C53"/>
+                </a:solidFill>
+              </a:rPr>
+              <a:t>name</a:t>
+            </a:r>
+            <a:r>
+              <a:rPr lang="en-US" b="1" dirty="0" smtClean="0">
+                <a:solidFill>
+                  <a:srgbClr val="008C53"/>
+                </a:solidFill>
+              </a:rPr>
+              <a:t> </a:t>
+            </a:r>
+            <a:r>
+              <a:rPr lang="en-US" b="1" dirty="0" smtClean="0">
+                <a:solidFill>
+                  <a:schemeClr val="bg2"/>
+                </a:solidFill>
+              </a:rPr>
+              <a:t>work like </a:t>
+            </a:r>
+            <a:r>
+              <a:rPr lang="en-US" b="1" dirty="0" err="1" smtClean="0">
+                <a:solidFill>
+                  <a:schemeClr val="bg2"/>
+                </a:solidFill>
+              </a:rPr>
+              <a:t>var</a:t>
+            </a:r>
+            <a:r>
+              <a:rPr lang="en-US" b="1" dirty="0" smtClean="0">
+                <a:solidFill>
+                  <a:schemeClr val="bg2"/>
+                </a:solidFill>
+              </a:rPr>
+              <a:t> </a:t>
+            </a:r>
+            <a:r>
+              <a:rPr lang="en-US" b="1" dirty="0" err="1" smtClean="0">
+                <a:solidFill>
+                  <a:schemeClr val="bg2"/>
+                </a:solidFill>
+              </a:rPr>
+              <a:t>elment</a:t>
+            </a:r>
+            <a:r>
+              <a:rPr lang="en-US" b="1" dirty="0" smtClean="0">
+                <a:solidFill>
+                  <a:schemeClr val="bg2"/>
+                </a:solidFill>
+              </a:rPr>
+              <a:t> </a:t>
+            </a:r>
+            <a:r>
               <a:rPr lang="en-US" b="1" smtClean="0">
                 <a:solidFill>
                   <a:srgbClr val="008C53"/>
                 </a:solidFill>
               </a:rPr>
-              <a:t>type</a:t>
-            </a:r>
-            <a:r>
-              <a:rPr lang="en-US" b="1" smtClean="0"/>
-              <a:t> works like </a:t>
+              <a:t>gname</a:t>
             </a:r>
             <a:r>
               <a:rPr lang="en-US" b="1" smtClean="0">
                 <a:solidFill>
-                  <a:srgbClr val="DB4415"/>
+                  <a:schemeClr val="bg2"/>
+                </a:solidFill>
+              </a:rPr>
+              <a:t>, </a:t>
+            </a:r>
+            <a:r>
+              <a:rPr lang="en-US" b="1" dirty="0" smtClean="0">
+                <a:solidFill>
+                  <a:schemeClr val="bg2"/>
+                </a:solidFill>
+              </a:rPr>
+              <a:t>used for the </a:t>
+            </a:r>
+            <a:r>
+              <a:rPr lang="en-US" b="1" dirty="0" err="1" smtClean="0">
+                <a:solidFill>
+                  <a:srgbClr val="008C53"/>
                 </a:solidFill>
               </a:rPr>
               <a:t>var</a:t>
             </a:r>
-            <a:r>
-              <a:rPr lang="en-US" b="1" smtClean="0"/>
-              <a:t> element </a:t>
-            </a:r>
-            <a:r>
-              <a:rPr lang="en-US" b="1" smtClean="0">
-                <a:solidFill>
-                  <a:srgbClr val="008C53"/>
-                </a:solidFill>
-              </a:rPr>
-              <a:t>type</a:t>
-            </a:r>
-            <a:r>
-              <a:rPr lang="en-US" b="1" smtClean="0"/>
-              <a:t>, used for the </a:t>
-            </a:r>
-            <a:r>
-              <a:rPr lang="en-US" b="1" smtClean="0">
-                <a:solidFill>
-                  <a:srgbClr val="008C53"/>
-                </a:solidFill>
-              </a:rPr>
-              <a:t>var</a:t>
-            </a:r>
+            <a:endParaRPr lang="en-US" b="1" dirty="0" smtClean="0">
+              <a:solidFill>
+                <a:srgbClr val="008C53"/>
+              </a:solidFill>
+            </a:endParaRPr>
           </a:p>
         </p:txBody>
       </p:sp>
@@ -15777,79 +15947,145 @@
                 <a:latin typeface="Courier New" pitchFamily="49" charset="0"/>
                 <a:cs typeface="Courier New" pitchFamily="49" charset="0"/>
               </a:rPr>
-              <a:t> </a:t>
+              <a:t> (float *</a:t>
+            </a:r>
+            <a:r>
+              <a:rPr lang="en-US" sz="1800" dirty="0" err="1" smtClean="0">
+                <a:latin typeface="Courier New" pitchFamily="49" charset="0"/>
+                <a:cs typeface="Courier New" pitchFamily="49" charset="0"/>
+              </a:rPr>
+              <a:t>u</a:t>
             </a:r>
             <a:r>
               <a:rPr lang="en-US" sz="1800" dirty="0" smtClean="0">
                 <a:latin typeface="Courier New" pitchFamily="49" charset="0"/>
                 <a:cs typeface="Courier New" pitchFamily="49" charset="0"/>
               </a:rPr>
-              <a:t>(float </a:t>
-            </a:r>
+              <a:t>, </a:t>
+            </a:r>
+          </a:p>
+          <a:p>
+            <a:pPr>
+              <a:buNone/>
+            </a:pPr>
             <a:r>
               <a:rPr lang="en-US" sz="1800" dirty="0" smtClean="0">
                 <a:latin typeface="Courier New" pitchFamily="49" charset="0"/>
                 <a:cs typeface="Courier New" pitchFamily="49" charset="0"/>
               </a:rPr>
-              <a:t>*</a:t>
+              <a:t>             char *fn){</a:t>
+            </a:r>
+          </a:p>
+          <a:p>
+            <a:pPr>
+              <a:buNone/>
+            </a:pPr>
+            <a:r>
+              <a:rPr lang="en-US" sz="1800" dirty="0" smtClean="0">
+                <a:latin typeface="Courier New" pitchFamily="49" charset="0"/>
+                <a:cs typeface="Courier New" pitchFamily="49" charset="0"/>
+              </a:rPr>
+              <a:t>  </a:t>
             </a:r>
             <a:r>
               <a:rPr lang="en-US" sz="1800" dirty="0" err="1" smtClean="0">
                 <a:latin typeface="Courier New" pitchFamily="49" charset="0"/>
                 <a:cs typeface="Courier New" pitchFamily="49" charset="0"/>
               </a:rPr>
-              <a:t>u</a:t>
+              <a:t>int</a:t>
             </a:r>
             <a:r>
               <a:rPr lang="en-US" sz="1800" dirty="0" smtClean="0">
                 <a:latin typeface="Courier New" pitchFamily="49" charset="0"/>
                 <a:cs typeface="Courier New" pitchFamily="49" charset="0"/>
               </a:rPr>
-              <a:t>, </a:t>
-            </a:r>
-          </a:p>
-          <a:p>
-            <a:pPr>
-              <a:buNone/>
-            </a:pPr>
+              <a:t> ix, </a:t>
+            </a:r>
+            <a:r>
+              <a:rPr lang="en-US" sz="1800" dirty="0" err="1" smtClean="0">
+                <a:latin typeface="Courier New" pitchFamily="49" charset="0"/>
+                <a:cs typeface="Courier New" pitchFamily="49" charset="0"/>
+              </a:rPr>
+              <a:t>iy</a:t>
+            </a:r>
             <a:r>
               <a:rPr lang="en-US" sz="1800" dirty="0" smtClean="0">
                 <a:latin typeface="Courier New" pitchFamily="49" charset="0"/>
                 <a:cs typeface="Courier New" pitchFamily="49" charset="0"/>
               </a:rPr>
-              <a:t>             </a:t>
+              <a:t>; FILE *</a:t>
+            </a:r>
+            <a:r>
+              <a:rPr lang="en-US" sz="1800" dirty="0" err="1" smtClean="0">
+                <a:latin typeface="Courier New" pitchFamily="49" charset="0"/>
+                <a:cs typeface="Courier New" pitchFamily="49" charset="0"/>
+              </a:rPr>
+              <a:t>fp</a:t>
             </a:r>
             <a:r>
               <a:rPr lang="en-US" sz="1800" dirty="0" smtClean="0">
                 <a:latin typeface="Courier New" pitchFamily="49" charset="0"/>
                 <a:cs typeface="Courier New" pitchFamily="49" charset="0"/>
               </a:rPr>
-              <a:t>char </a:t>
-            </a:r>
+              <a:t>;</a:t>
+            </a:r>
+          </a:p>
+          <a:p>
+            <a:pPr>
+              <a:buNone/>
+            </a:pPr>
             <a:r>
               <a:rPr lang="en-US" sz="1800" dirty="0" smtClean="0">
                 <a:latin typeface="Courier New" pitchFamily="49" charset="0"/>
                 <a:cs typeface="Courier New" pitchFamily="49" charset="0"/>
               </a:rPr>
-              <a:t>*</a:t>
+              <a:t>  </a:t>
+            </a:r>
+            <a:r>
+              <a:rPr lang="en-US" sz="1800" dirty="0" err="1" smtClean="0">
+                <a:latin typeface="Courier New" pitchFamily="49" charset="0"/>
+                <a:cs typeface="Courier New" pitchFamily="49" charset="0"/>
+              </a:rPr>
+              <a:t>fp</a:t>
             </a:r>
             <a:r>
               <a:rPr lang="en-US" sz="1800" dirty="0" smtClean="0">
                 <a:latin typeface="Courier New" pitchFamily="49" charset="0"/>
                 <a:cs typeface="Courier New" pitchFamily="49" charset="0"/>
               </a:rPr>
-              <a:t>fn){</a:t>
-            </a:r>
-          </a:p>
-          <a:p>
-            <a:pPr>
-              <a:buNone/>
-            </a:pPr>
+              <a:t>=</a:t>
+            </a:r>
+            <a:r>
+              <a:rPr lang="en-US" sz="1800" b="1" dirty="0" err="1" smtClean="0">
+                <a:latin typeface="Courier New" pitchFamily="49" charset="0"/>
+                <a:cs typeface="Courier New" pitchFamily="49" charset="0"/>
+              </a:rPr>
+              <a:t>fopen</a:t>
+            </a:r>
+            <a:r>
+              <a:rPr lang="en-US" sz="1800" dirty="0" err="1" smtClean="0">
+                <a:latin typeface="Courier New" pitchFamily="49" charset="0"/>
+                <a:cs typeface="Courier New" pitchFamily="49" charset="0"/>
+              </a:rPr>
+              <a:t>(fn</a:t>
+            </a:r>
             <a:r>
               <a:rPr lang="en-US" sz="1800" dirty="0" smtClean="0">
                 <a:latin typeface="Courier New" pitchFamily="49" charset="0"/>
                 <a:cs typeface="Courier New" pitchFamily="49" charset="0"/>
               </a:rPr>
+              <a:t>, "w");</a:t>
+            </a:r>
+          </a:p>
+          <a:p>
+            <a:pPr>
+              <a:buNone/>
+            </a:pPr>
+            <a:r>
+              <a:rPr lang="en-US" sz="1800" dirty="0" smtClean="0">
+                <a:latin typeface="Courier New" pitchFamily="49" charset="0"/>
+                <a:cs typeface="Courier New" pitchFamily="49" charset="0"/>
+              </a:rPr>
               <a:t>  </a:t>
             </a:r>
             <a:r>
@@ -15857,35 +16093,66 @@
                 <a:latin typeface="Courier New" pitchFamily="49" charset="0"/>
                 <a:cs typeface="Courier New" pitchFamily="49" charset="0"/>
               </a:rPr>
-              <a:t>int</a:t>
+              <a:t>for(ix</a:t>
             </a:r>
             <a:r>
               <a:rPr lang="en-US" sz="1800" dirty="0" smtClean="0">
                 <a:latin typeface="Courier New" pitchFamily="49" charset="0"/>
                 <a:cs typeface="Courier New" pitchFamily="49" charset="0"/>
               </a:rPr>
-              <a:t> </a:t>
-            </a:r>
+              <a:t>=0;ix&lt;=nx-1;ix++){</a:t>
+            </a:r>
+          </a:p>
+          <a:p>
+            <a:pPr>
+              <a:buNone/>
+            </a:pPr>
             <a:r>
               <a:rPr lang="en-US" sz="1800" dirty="0" smtClean="0">
                 <a:latin typeface="Courier New" pitchFamily="49" charset="0"/>
                 <a:cs typeface="Courier New" pitchFamily="49" charset="0"/>
               </a:rPr>
-              <a:t>ix, </a:t>
+              <a:t>    </a:t>
             </a:r>
             <a:r>
               <a:rPr lang="en-US" sz="1800" dirty="0" err="1" smtClean="0">
                 <a:latin typeface="Courier New" pitchFamily="49" charset="0"/>
                 <a:cs typeface="Courier New" pitchFamily="49" charset="0"/>
               </a:rPr>
-              <a:t>iy</a:t>
+              <a:t>for(iy</a:t>
             </a:r>
             <a:r>
               <a:rPr lang="en-US" sz="1800" dirty="0" smtClean="0">
                 <a:latin typeface="Courier New" pitchFamily="49" charset="0"/>
                 <a:cs typeface="Courier New" pitchFamily="49" charset="0"/>
               </a:rPr>
-              <a:t>; FILE *</a:t>
+              <a:t>=0;iy&lt;=ny-1;iy++){</a:t>
+            </a:r>
+          </a:p>
+          <a:p>
+            <a:pPr>
+              <a:buNone/>
+            </a:pPr>
+            <a:r>
+              <a:rPr lang="en-US" sz="1800" b="1" dirty="0" smtClean="0">
+                <a:latin typeface="Courier New" pitchFamily="49" charset="0"/>
+                <a:cs typeface="Courier New" pitchFamily="49" charset="0"/>
+              </a:rPr>
+              <a:t>         </a:t>
+            </a:r>
+            <a:r>
+              <a:rPr lang="en-US" sz="1800" b="1" dirty="0" err="1" smtClean="0">
+                <a:latin typeface="Courier New" pitchFamily="49" charset="0"/>
+                <a:cs typeface="Courier New" pitchFamily="49" charset="0"/>
+              </a:rPr>
+              <a:t>fprintf</a:t>
+            </a:r>
+            <a:r>
+              <a:rPr lang="en-US" sz="1800" dirty="0" smtClean="0">
+                <a:latin typeface="Courier New" pitchFamily="49" charset="0"/>
+                <a:cs typeface="Courier New" pitchFamily="49" charset="0"/>
+              </a:rPr>
+              <a:t> (</a:t>
             </a:r>
             <a:r>
               <a:rPr lang="en-US" sz="1800" dirty="0" err="1" smtClean="0">
@@ -15899,12 +16166,8 @@
                 <a:latin typeface="Courier New" pitchFamily="49" charset="0"/>
                 <a:cs typeface="Courier New" pitchFamily="49" charset="0"/>
               </a:rPr>
-              <a:t>;</a:t>
-            </a:r>
-            <a:endParaRPr lang="en-US" sz="1800" dirty="0" smtClean="0">
-              <a:latin typeface="Courier New" pitchFamily="49" charset="0"/>
-              <a:cs typeface="Courier New" pitchFamily="49" charset="0"/>
-            </a:endParaRPr>
+              <a:t>," %8.6f",</a:t>
+            </a:r>
           </a:p>
           <a:p>
             <a:pPr>
@@ -15915,374 +16178,94 @@
                 <a:latin typeface="Courier New" pitchFamily="49" charset="0"/>
                 <a:cs typeface="Courier New" pitchFamily="49" charset="0"/>
               </a:rPr>
-              <a:t>  </a:t>
+              <a:t>         </a:t>
             </a:r>
             <a:r>
               <a:rPr lang="en-US" sz="1800" dirty="0" err="1" smtClean="0">
                 <a:latin typeface="Courier New" pitchFamily="49" charset="0"/>
                 <a:cs typeface="Courier New" pitchFamily="49" charset="0"/>
               </a:rPr>
-              <a:t>fp</a:t>
+              <a:t>ix,iy</a:t>
             </a:r>
             <a:r>
               <a:rPr lang="en-US" sz="1800" dirty="0" smtClean="0">
                 <a:latin typeface="Courier New" pitchFamily="49" charset="0"/>
                 <a:cs typeface="Courier New" pitchFamily="49" charset="0"/>
               </a:rPr>
-              <a:t>=</a:t>
+              <a:t>,*(u1+ix*</a:t>
+            </a:r>
+            <a:r>
+              <a:rPr lang="en-US" sz="1800" dirty="0" err="1" smtClean="0">
+                <a:latin typeface="Courier New" pitchFamily="49" charset="0"/>
+                <a:cs typeface="Courier New" pitchFamily="49" charset="0"/>
+              </a:rPr>
+              <a:t>ny+iy</a:t>
+            </a:r>
+            <a:r>
+              <a:rPr lang="en-US" sz="1800" dirty="0" smtClean="0">
+                <a:latin typeface="Courier New" pitchFamily="49" charset="0"/>
+                <a:cs typeface="Courier New" pitchFamily="49" charset="0"/>
+              </a:rPr>
+              <a:t>));</a:t>
+            </a:r>
+          </a:p>
+          <a:p>
+            <a:pPr>
+              <a:buNone/>
+            </a:pPr>
+            <a:r>
+              <a:rPr lang="en-US" sz="1800" dirty="0" smtClean="0">
+                <a:latin typeface="Courier New" pitchFamily="49" charset="0"/>
+                <a:cs typeface="Courier New" pitchFamily="49" charset="0"/>
+              </a:rPr>
+              <a:t>    if (</a:t>
+            </a:r>
+            <a:r>
+              <a:rPr lang="en-US" sz="1800" dirty="0" err="1" smtClean="0">
+                <a:latin typeface="Courier New" pitchFamily="49" charset="0"/>
+                <a:cs typeface="Courier New" pitchFamily="49" charset="0"/>
+              </a:rPr>
+              <a:t>iy</a:t>
+            </a:r>
+            <a:r>
+              <a:rPr lang="en-US" sz="1800" dirty="0" smtClean="0">
+                <a:latin typeface="Courier New" pitchFamily="49" charset="0"/>
+                <a:cs typeface="Courier New" pitchFamily="49" charset="0"/>
+              </a:rPr>
+              <a:t>==ny-1)</a:t>
+            </a:r>
+          </a:p>
+          <a:p>
+            <a:pPr>
+              <a:buNone/>
+            </a:pPr>
+            <a:r>
+              <a:rPr lang="en-US" sz="1800" dirty="0" smtClean="0">
+                <a:latin typeface="Courier New" pitchFamily="49" charset="0"/>
+                <a:cs typeface="Courier New" pitchFamily="49" charset="0"/>
+              </a:rPr>
+              <a:t>        </a:t>
             </a:r>
             <a:r>
               <a:rPr lang="en-US" sz="1800" b="1" dirty="0" err="1" smtClean="0">
                 <a:latin typeface="Courier New" pitchFamily="49" charset="0"/>
                 <a:cs typeface="Courier New" pitchFamily="49" charset="0"/>
               </a:rPr>
-              <a:t>fopen</a:t>
+              <a:t>fprintf</a:t>
             </a:r>
             <a:r>
               <a:rPr lang="en-US" sz="1800" dirty="0" err="1" smtClean="0">
                 <a:latin typeface="Courier New" pitchFamily="49" charset="0"/>
                 <a:cs typeface="Courier New" pitchFamily="49" charset="0"/>
               </a:rPr>
-              <a:t>(fn</a:t>
+              <a:t>(fp</a:t>
             </a:r>
             <a:r>
               <a:rPr lang="en-US" sz="1800" dirty="0" smtClean="0">
                 <a:latin typeface="Courier New" pitchFamily="49" charset="0"/>
                 <a:cs typeface="Courier New" pitchFamily="49" charset="0"/>
               </a:rPr>
-              <a:t>, </a:t>
-            </a:r>
-            <a:r>
-              <a:rPr lang="en-US" sz="1800" dirty="0" smtClean="0">
-                <a:latin typeface="Courier New" pitchFamily="49" charset="0"/>
-                <a:cs typeface="Courier New" pitchFamily="49" charset="0"/>
-              </a:rPr>
-              <a:t>"w");</a:t>
-            </a:r>
-            <a:endParaRPr lang="en-US" sz="1800" dirty="0" smtClean="0">
-              <a:latin typeface="Courier New" pitchFamily="49" charset="0"/>
-              <a:cs typeface="Courier New" pitchFamily="49" charset="0"/>
-            </a:endParaRPr>
-          </a:p>
-          <a:p>
-            <a:pPr>
-              <a:buNone/>
-            </a:pPr>
-            <a:r>
-              <a:rPr lang="en-US" sz="1800" dirty="0" smtClean="0">
-                <a:latin typeface="Courier New" pitchFamily="49" charset="0"/>
-                <a:cs typeface="Courier New" pitchFamily="49" charset="0"/>
-              </a:rPr>
-              <a:t>  </a:t>
-            </a:r>
-            <a:r>
-              <a:rPr lang="en-US" sz="1800" dirty="0" err="1" smtClean="0">
-                <a:latin typeface="Courier New" pitchFamily="49" charset="0"/>
-                <a:cs typeface="Courier New" pitchFamily="49" charset="0"/>
-              </a:rPr>
-              <a:t>for(ix</a:t>
-            </a:r>
-            <a:r>
-              <a:rPr lang="en-US" sz="1800" dirty="0" smtClean="0">
-                <a:latin typeface="Courier New" pitchFamily="49" charset="0"/>
-                <a:cs typeface="Courier New" pitchFamily="49" charset="0"/>
-              </a:rPr>
-              <a:t>=0;ix&lt;=nx</a:t>
-            </a:r>
-            <a:r>
-              <a:rPr lang="en-US" sz="1800" dirty="0" smtClean="0">
-                <a:latin typeface="Courier New" pitchFamily="49" charset="0"/>
-                <a:cs typeface="Courier New" pitchFamily="49" charset="0"/>
-              </a:rPr>
-              <a:t>-1</a:t>
-            </a:r>
-            <a:r>
-              <a:rPr lang="en-US" sz="1800" dirty="0" smtClean="0">
-                <a:latin typeface="Courier New" pitchFamily="49" charset="0"/>
-                <a:cs typeface="Courier New" pitchFamily="49" charset="0"/>
-              </a:rPr>
-              <a:t>;ix</a:t>
-            </a:r>
-            <a:r>
-              <a:rPr lang="en-US" sz="1800" dirty="0" smtClean="0">
-                <a:latin typeface="Courier New" pitchFamily="49" charset="0"/>
-                <a:cs typeface="Courier New" pitchFamily="49" charset="0"/>
-              </a:rPr>
-              <a:t>++</a:t>
-            </a:r>
-            <a:r>
-              <a:rPr lang="en-US" sz="1800" dirty="0" smtClean="0">
-                <a:latin typeface="Courier New" pitchFamily="49" charset="0"/>
-                <a:cs typeface="Courier New" pitchFamily="49" charset="0"/>
-              </a:rPr>
-              <a:t>){</a:t>
-            </a:r>
-            <a:endParaRPr lang="en-US" sz="1800" dirty="0" smtClean="0">
-              <a:latin typeface="Courier New" pitchFamily="49" charset="0"/>
-              <a:cs typeface="Courier New" pitchFamily="49" charset="0"/>
-            </a:endParaRPr>
-          </a:p>
-          <a:p>
-            <a:pPr>
-              <a:buNone/>
-            </a:pPr>
-            <a:r>
-              <a:rPr lang="en-US" sz="1800" dirty="0" smtClean="0">
-                <a:latin typeface="Courier New" pitchFamily="49" charset="0"/>
-                <a:cs typeface="Courier New" pitchFamily="49" charset="0"/>
-              </a:rPr>
-              <a:t>    </a:t>
-            </a:r>
-            <a:r>
-              <a:rPr lang="en-US" sz="1800" dirty="0" err="1" smtClean="0">
-                <a:latin typeface="Courier New" pitchFamily="49" charset="0"/>
-                <a:cs typeface="Courier New" pitchFamily="49" charset="0"/>
-              </a:rPr>
-              <a:t>for(iy</a:t>
-            </a:r>
-            <a:r>
-              <a:rPr lang="en-US" sz="1800" dirty="0" smtClean="0">
-                <a:latin typeface="Courier New" pitchFamily="49" charset="0"/>
-                <a:cs typeface="Courier New" pitchFamily="49" charset="0"/>
-              </a:rPr>
-              <a:t>=0;iy&lt;</a:t>
-            </a:r>
-            <a:r>
-              <a:rPr lang="en-US" sz="1800" dirty="0" smtClean="0">
-                <a:latin typeface="Courier New" pitchFamily="49" charset="0"/>
-                <a:cs typeface="Courier New" pitchFamily="49" charset="0"/>
-              </a:rPr>
-              <a:t>=ny-1</a:t>
-            </a:r>
-            <a:r>
-              <a:rPr lang="en-US" sz="1800" dirty="0" smtClean="0">
-                <a:latin typeface="Courier New" pitchFamily="49" charset="0"/>
-                <a:cs typeface="Courier New" pitchFamily="49" charset="0"/>
-              </a:rPr>
-              <a:t>;iy</a:t>
-            </a:r>
-            <a:r>
-              <a:rPr lang="en-US" sz="1800" dirty="0" smtClean="0">
-                <a:latin typeface="Courier New" pitchFamily="49" charset="0"/>
-                <a:cs typeface="Courier New" pitchFamily="49" charset="0"/>
-              </a:rPr>
-              <a:t>+</a:t>
-            </a:r>
-            <a:r>
-              <a:rPr lang="en-US" sz="1800" dirty="0" smtClean="0">
-                <a:latin typeface="Courier New" pitchFamily="49" charset="0"/>
-                <a:cs typeface="Courier New" pitchFamily="49" charset="0"/>
-              </a:rPr>
-              <a:t>+</a:t>
-            </a:r>
-            <a:r>
-              <a:rPr lang="en-US" sz="1800" dirty="0" smtClean="0">
-                <a:latin typeface="Courier New" pitchFamily="49" charset="0"/>
-                <a:cs typeface="Courier New" pitchFamily="49" charset="0"/>
-              </a:rPr>
-              <a:t>)</a:t>
-            </a:r>
-            <a:r>
-              <a:rPr lang="en-US" sz="1800" dirty="0" smtClean="0">
-                <a:latin typeface="Courier New" pitchFamily="49" charset="0"/>
-                <a:cs typeface="Courier New" pitchFamily="49" charset="0"/>
-              </a:rPr>
-              <a:t>{</a:t>
-            </a:r>
-          </a:p>
-          <a:p>
-            <a:pPr>
-              <a:buNone/>
-            </a:pPr>
-            <a:r>
-              <a:rPr lang="en-US" sz="1800" b="1" dirty="0" smtClean="0">
-                <a:latin typeface="Courier New" pitchFamily="49" charset="0"/>
-                <a:cs typeface="Courier New" pitchFamily="49" charset="0"/>
-              </a:rPr>
-              <a:t>         </a:t>
-            </a:r>
-            <a:r>
-              <a:rPr lang="en-US" sz="1800" b="1" dirty="0" err="1" smtClean="0">
-                <a:latin typeface="Courier New" pitchFamily="49" charset="0"/>
-                <a:cs typeface="Courier New" pitchFamily="49" charset="0"/>
-              </a:rPr>
-              <a:t>fprintf</a:t>
-            </a:r>
-            <a:r>
-              <a:rPr lang="en-US" sz="1800" dirty="0" smtClean="0">
-                <a:latin typeface="Courier New" pitchFamily="49" charset="0"/>
-                <a:cs typeface="Courier New" pitchFamily="49" charset="0"/>
-              </a:rPr>
-              <a:t> </a:t>
-            </a:r>
-            <a:r>
-              <a:rPr lang="en-US" sz="1800" dirty="0" smtClean="0">
-                <a:latin typeface="Courier New" pitchFamily="49" charset="0"/>
-                <a:cs typeface="Courier New" pitchFamily="49" charset="0"/>
-              </a:rPr>
-              <a:t>(</a:t>
-            </a:r>
-            <a:r>
-              <a:rPr lang="en-US" sz="1800" dirty="0" err="1" smtClean="0">
-                <a:latin typeface="Courier New" pitchFamily="49" charset="0"/>
-                <a:cs typeface="Courier New" pitchFamily="49" charset="0"/>
-              </a:rPr>
-              <a:t>fp</a:t>
-            </a:r>
-            <a:r>
-              <a:rPr lang="en-US" sz="1800" dirty="0" smtClean="0">
-                <a:latin typeface="Courier New" pitchFamily="49" charset="0"/>
-                <a:cs typeface="Courier New" pitchFamily="49" charset="0"/>
-              </a:rPr>
-              <a:t>," </a:t>
-            </a:r>
-            <a:r>
-              <a:rPr lang="en-US" sz="1800" dirty="0" smtClean="0">
-                <a:latin typeface="Courier New" pitchFamily="49" charset="0"/>
-                <a:cs typeface="Courier New" pitchFamily="49" charset="0"/>
-              </a:rPr>
-              <a:t>%8.6f"</a:t>
-            </a:r>
-            <a:r>
-              <a:rPr lang="en-US" sz="1800" dirty="0" smtClean="0">
-                <a:latin typeface="Courier New" pitchFamily="49" charset="0"/>
-                <a:cs typeface="Courier New" pitchFamily="49" charset="0"/>
-              </a:rPr>
-              <a:t>,</a:t>
-            </a:r>
-          </a:p>
-          <a:p>
-            <a:pPr>
-              <a:buNone/>
-            </a:pPr>
-            <a:r>
-              <a:rPr lang="en-US" sz="1800" dirty="0" smtClean="0">
-                <a:latin typeface="Courier New" pitchFamily="49" charset="0"/>
-                <a:cs typeface="Courier New" pitchFamily="49" charset="0"/>
-              </a:rPr>
-              <a:t>        </a:t>
-            </a:r>
-            <a:r>
-              <a:rPr lang="en-US" sz="1800" dirty="0" smtClean="0">
-                <a:latin typeface="Courier New" pitchFamily="49" charset="0"/>
-                <a:cs typeface="Courier New" pitchFamily="49" charset="0"/>
-              </a:rPr>
-              <a:t> </a:t>
-            </a:r>
-            <a:r>
-              <a:rPr lang="en-US" sz="1800" dirty="0" err="1" smtClean="0">
-                <a:latin typeface="Courier New" pitchFamily="49" charset="0"/>
-                <a:cs typeface="Courier New" pitchFamily="49" charset="0"/>
-              </a:rPr>
-              <a:t>ix</a:t>
-            </a:r>
-            <a:r>
-              <a:rPr lang="en-US" sz="1800" dirty="0" err="1" smtClean="0">
-                <a:latin typeface="Courier New" pitchFamily="49" charset="0"/>
-                <a:cs typeface="Courier New" pitchFamily="49" charset="0"/>
-              </a:rPr>
-              <a:t>,iy</a:t>
-            </a:r>
-            <a:r>
-              <a:rPr lang="en-US" sz="1800" dirty="0" smtClean="0">
-                <a:latin typeface="Courier New" pitchFamily="49" charset="0"/>
-                <a:cs typeface="Courier New" pitchFamily="49" charset="0"/>
-              </a:rPr>
-              <a:t>,*(u1+ix*</a:t>
-            </a:r>
-            <a:r>
-              <a:rPr lang="en-US" sz="1800" dirty="0" err="1" smtClean="0">
-                <a:latin typeface="Courier New" pitchFamily="49" charset="0"/>
-                <a:cs typeface="Courier New" pitchFamily="49" charset="0"/>
-              </a:rPr>
-              <a:t>ny+iy</a:t>
-            </a:r>
-            <a:r>
-              <a:rPr lang="en-US" sz="1800" dirty="0" smtClean="0">
-                <a:latin typeface="Courier New" pitchFamily="49" charset="0"/>
-                <a:cs typeface="Courier New" pitchFamily="49" charset="0"/>
-              </a:rPr>
-              <a:t>));</a:t>
-            </a:r>
-          </a:p>
-          <a:p>
-            <a:pPr>
-              <a:buNone/>
-            </a:pPr>
-            <a:r>
-              <a:rPr lang="en-US" sz="1800" dirty="0" smtClean="0">
-                <a:latin typeface="Courier New" pitchFamily="49" charset="0"/>
-                <a:cs typeface="Courier New" pitchFamily="49" charset="0"/>
-              </a:rPr>
-              <a:t>    if (</a:t>
-            </a:r>
-            <a:r>
-              <a:rPr lang="en-US" sz="1800" dirty="0" err="1" smtClean="0">
-                <a:latin typeface="Courier New" pitchFamily="49" charset="0"/>
-                <a:cs typeface="Courier New" pitchFamily="49" charset="0"/>
-              </a:rPr>
-              <a:t>iy</a:t>
-            </a:r>
-            <a:r>
-              <a:rPr lang="en-US" sz="1800" dirty="0" smtClean="0">
-                <a:latin typeface="Courier New" pitchFamily="49" charset="0"/>
-                <a:cs typeface="Courier New" pitchFamily="49" charset="0"/>
-              </a:rPr>
-              <a:t>==ny</a:t>
-            </a:r>
-            <a:r>
-              <a:rPr lang="en-US" sz="1800" dirty="0" smtClean="0">
-                <a:latin typeface="Courier New" pitchFamily="49" charset="0"/>
-                <a:cs typeface="Courier New" pitchFamily="49" charset="0"/>
-              </a:rPr>
-              <a:t>-1)</a:t>
-            </a:r>
-          </a:p>
-          <a:p>
-            <a:pPr>
-              <a:buNone/>
-            </a:pPr>
-            <a:r>
-              <a:rPr lang="en-US" sz="1800" dirty="0" smtClean="0">
-                <a:latin typeface="Courier New" pitchFamily="49" charset="0"/>
-                <a:cs typeface="Courier New" pitchFamily="49" charset="0"/>
-              </a:rPr>
-              <a:t>        </a:t>
-            </a:r>
-            <a:r>
-              <a:rPr lang="en-US" sz="1800" b="1" dirty="0" err="1" smtClean="0">
-                <a:latin typeface="Courier New" pitchFamily="49" charset="0"/>
-                <a:cs typeface="Courier New" pitchFamily="49" charset="0"/>
-              </a:rPr>
-              <a:t>fprintf</a:t>
-            </a:r>
-            <a:r>
-              <a:rPr lang="en-US" sz="1800" dirty="0" err="1" smtClean="0">
-                <a:latin typeface="Courier New" pitchFamily="49" charset="0"/>
-                <a:cs typeface="Courier New" pitchFamily="49" charset="0"/>
-              </a:rPr>
-              <a:t>(</a:t>
-            </a:r>
-            <a:r>
-              <a:rPr lang="en-US" sz="1800" dirty="0" err="1" smtClean="0">
-                <a:latin typeface="Courier New" pitchFamily="49" charset="0"/>
-                <a:cs typeface="Courier New" pitchFamily="49" charset="0"/>
-              </a:rPr>
-              <a:t>fp</a:t>
-            </a:r>
-            <a:r>
-              <a:rPr lang="en-US" sz="1800" dirty="0" smtClean="0">
-                <a:latin typeface="Courier New" pitchFamily="49" charset="0"/>
-                <a:cs typeface="Courier New" pitchFamily="49" charset="0"/>
-              </a:rPr>
-              <a:t>, "\n"</a:t>
-            </a:r>
-            <a:r>
-              <a:rPr lang="en-US" sz="1800" dirty="0" smtClean="0">
-                <a:latin typeface="Courier New" pitchFamily="49" charset="0"/>
-                <a:cs typeface="Courier New" pitchFamily="49" charset="0"/>
-              </a:rPr>
-              <a:t>);</a:t>
+              <a:t>, "\n");</a:t>
             </a:r>
             <a:br>
               <a:rPr lang="en-US" sz="1800" dirty="0" smtClean="0">
@@ -16307,51 +16290,33 @@
                 <a:latin typeface="Courier New" pitchFamily="49" charset="0"/>
                 <a:cs typeface="Courier New" pitchFamily="49" charset="0"/>
               </a:rPr>
+              <a:t>  }</a:t>
+            </a:r>
+          </a:p>
+          <a:p>
+            <a:pPr>
+              <a:buNone/>
+            </a:pPr>
+            <a:r>
+              <a:rPr lang="en-US" sz="1800" b="1" dirty="0" smtClean="0">
+                <a:latin typeface="Courier New" pitchFamily="49" charset="0"/>
+                <a:cs typeface="Courier New" pitchFamily="49" charset="0"/>
+              </a:rPr>
               <a:t>  </a:t>
+            </a:r>
+            <a:r>
+              <a:rPr lang="en-US" sz="1800" b="1" dirty="0" err="1" smtClean="0">
+                <a:latin typeface="Courier New" pitchFamily="49" charset="0"/>
+                <a:cs typeface="Courier New" pitchFamily="49" charset="0"/>
+              </a:rPr>
+              <a:t>fclose</a:t>
             </a:r>
             <a:r>
               <a:rPr lang="en-US" sz="1800" dirty="0" smtClean="0">
                 <a:latin typeface="Courier New" pitchFamily="49" charset="0"/>
                 <a:cs typeface="Courier New" pitchFamily="49" charset="0"/>
               </a:rPr>
-              <a:t>}</a:t>
-            </a:r>
-            <a:endParaRPr lang="en-US" sz="1800" dirty="0" smtClean="0">
-              <a:latin typeface="Courier New" pitchFamily="49" charset="0"/>
-              <a:cs typeface="Courier New" pitchFamily="49" charset="0"/>
-            </a:endParaRPr>
-          </a:p>
-          <a:p>
-            <a:pPr>
-              <a:buNone/>
-            </a:pPr>
-            <a:r>
-              <a:rPr lang="en-US" sz="1800" b="1" dirty="0" smtClean="0">
-                <a:latin typeface="Courier New" pitchFamily="49" charset="0"/>
-                <a:cs typeface="Courier New" pitchFamily="49" charset="0"/>
-              </a:rPr>
-              <a:t>  </a:t>
-            </a:r>
-            <a:r>
-              <a:rPr lang="en-US" sz="1800" b="1" dirty="0" err="1" smtClean="0">
-                <a:latin typeface="Courier New" pitchFamily="49" charset="0"/>
-                <a:cs typeface="Courier New" pitchFamily="49" charset="0"/>
-              </a:rPr>
-              <a:t>fclose</a:t>
-            </a:r>
-            <a:r>
-              <a:rPr lang="en-US" sz="1800" dirty="0" smtClean="0">
-                <a:latin typeface="Courier New" pitchFamily="49" charset="0"/>
-                <a:cs typeface="Courier New" pitchFamily="49" charset="0"/>
-              </a:rPr>
-              <a:t> </a:t>
-            </a:r>
-            <a:r>
-              <a:rPr lang="en-US" sz="1800" dirty="0" smtClean="0">
-                <a:latin typeface="Courier New" pitchFamily="49" charset="0"/>
-                <a:cs typeface="Courier New" pitchFamily="49" charset="0"/>
-              </a:rPr>
-              <a:t>(</a:t>
+              <a:t> (</a:t>
             </a:r>
             <a:r>
               <a:rPr lang="en-US" sz="1800" dirty="0" err="1" smtClean="0">
@@ -18011,24 +17976,7 @@
                   <a:ea typeface="+mn-ea"/>
                   <a:cs typeface="+mn-cs"/>
                 </a:rPr>
-                <a:t>name</a:t>
-              </a:r>
-              <a:r>
-                <a:rPr kumimoji="0" lang="en-US" sz="2300" b="0" i="0" u="none" strike="noStrike" kern="1200" cap="none" spc="0" normalizeH="0" baseline="0" noProof="0" dirty="0" smtClean="0">
-                  <a:ln>
-                    <a:noFill/>
-                  </a:ln>
-                  <a:solidFill>
-                    <a:schemeClr val="tx1"/>
-                  </a:solidFill>
-                  <a:effectLst/>
-                  <a:uLnTx/>
-                  <a:uFillTx/>
-                  <a:latin typeface="+mn-lt"/>
-                  <a:ea typeface="+mn-ea"/>
-                  <a:cs typeface="+mn-cs"/>
-                </a:rPr>
-                <a:t>="NX" type="integer"/&gt;</a:t>
+                <a:t>name="NX" type="integer"/&gt;</a:t>
               </a:r>
             </a:p>
             <a:p>
@@ -18115,58 +18063,7 @@
                   <a:ea typeface="+mn-ea"/>
                   <a:cs typeface="+mn-cs"/>
                 </a:rPr>
-                <a:t>name=“NY” </a:t>
-              </a:r>
-              <a:r>
-                <a:rPr kumimoji="0" lang="en-US" sz="2300" b="0" i="0" u="none" strike="noStrike" kern="1200" cap="none" spc="0" normalizeH="0" baseline="0" noProof="0" dirty="0" smtClean="0">
-                  <a:ln>
-                    <a:noFill/>
-                  </a:ln>
-                  <a:solidFill>
-                    <a:schemeClr val="tx1"/>
-                  </a:solidFill>
-                  <a:effectLst/>
-                  <a:uLnTx/>
-                  <a:uFillTx/>
-                  <a:latin typeface="+mn-lt"/>
-                  <a:ea typeface="+mn-ea"/>
-                  <a:cs typeface="+mn-cs"/>
-                </a:rPr>
-                <a:t>type</a:t>
-              </a:r>
-              <a:r>
-                <a:rPr kumimoji="0" lang="en-US" sz="2300" b="0" i="0" u="none" strike="noStrike" kern="1200" cap="none" spc="0" normalizeH="0" baseline="0" noProof="0" dirty="0" smtClean="0">
-                  <a:ln>
-                    <a:noFill/>
-                  </a:ln>
-                  <a:solidFill>
-                    <a:schemeClr val="tx1"/>
-                  </a:solidFill>
-                  <a:effectLst/>
-                  <a:uLnTx/>
-                  <a:uFillTx/>
-                  <a:latin typeface="+mn-lt"/>
-                  <a:ea typeface="+mn-ea"/>
-                  <a:cs typeface="+mn-cs"/>
-                </a:rPr>
-                <a:t>=“integer”/</a:t>
-              </a:r>
-              <a:r>
-                <a:rPr kumimoji="0" lang="en-US" sz="2300" b="0" i="0" u="none" strike="noStrike" kern="1200" cap="none" spc="0" normalizeH="0" baseline="0" noProof="0" dirty="0" smtClean="0">
-                  <a:ln>
-                    <a:noFill/>
-                  </a:ln>
-                  <a:solidFill>
-                    <a:schemeClr val="tx1"/>
-                  </a:solidFill>
-                  <a:effectLst/>
-                  <a:uLnTx/>
-                  <a:uFillTx/>
-                  <a:latin typeface="+mn-lt"/>
-                  <a:ea typeface="+mn-ea"/>
-                  <a:cs typeface="+mn-cs"/>
-                </a:rPr>
-                <a:t>&gt;</a:t>
+                <a:t>name=“NY” type=“integer”/&gt;</a:t>
               </a:r>
             </a:p>
             <a:p>
@@ -18253,24 +18150,7 @@
                   <a:ea typeface="+mn-ea"/>
                   <a:cs typeface="+mn-cs"/>
                 </a:rPr>
-                <a:t>name</a:t>
-              </a:r>
-              <a:r>
-                <a:rPr kumimoji="0" lang="en-US" sz="2300" b="0" i="0" u="none" strike="noStrike" kern="1200" cap="none" spc="0" normalizeH="0" baseline="0" noProof="0" dirty="0" smtClean="0">
-                  <a:ln>
-                    <a:noFill/>
-                  </a:ln>
-                  <a:solidFill>
-                    <a:schemeClr val="tx1"/>
-                  </a:solidFill>
-                  <a:effectLst/>
-                  <a:uLnTx/>
-                  <a:uFillTx/>
-                  <a:latin typeface="+mn-lt"/>
-                  <a:ea typeface="+mn-ea"/>
-                  <a:cs typeface="+mn-cs"/>
-                </a:rPr>
-                <a:t>="data" </a:t>
+                <a:t>name="data" </a:t>
               </a:r>
               <a:r>
                 <a:rPr kumimoji="0" lang="en-US" sz="2300" b="0" i="0" u="none" strike="noStrike" kern="1200" cap="none" spc="0" normalizeH="0" baseline="0" noProof="0" dirty="0" err="1" smtClean="0">
@@ -18338,41 +18218,7 @@
                   <a:ea typeface="+mn-ea"/>
                   <a:cs typeface="+mn-cs"/>
                 </a:rPr>
-                <a:t>” type</a:t>
-              </a:r>
-              <a:r>
-                <a:rPr kumimoji="0" lang="en-US" sz="2300" b="0" i="0" u="none" strike="noStrike" kern="1200" cap="none" spc="0" normalizeH="0" baseline="0" noProof="0" dirty="0" smtClean="0">
-                  <a:ln>
-                    <a:noFill/>
-                  </a:ln>
-                  <a:solidFill>
-                    <a:schemeClr val="tx1"/>
-                  </a:solidFill>
-                  <a:effectLst/>
-                  <a:uLnTx/>
-                  <a:uFillTx/>
-                  <a:latin typeface="+mn-lt"/>
-                  <a:ea typeface="+mn-ea"/>
-                  <a:cs typeface="+mn-cs"/>
-                </a:rPr>
-                <a:t>=”float" </a:t>
-              </a:r>
-              <a:r>
-                <a:rPr kumimoji="0" lang="en-US" sz="2300" b="0" i="0" u="none" strike="noStrike" kern="1200" cap="none" spc="0" normalizeH="0" baseline="0" noProof="0" dirty="0" smtClean="0">
-                  <a:ln>
-                    <a:noFill/>
-                  </a:ln>
-                  <a:solidFill>
-                    <a:schemeClr val="tx1"/>
-                  </a:solidFill>
-                  <a:effectLst/>
-                  <a:uLnTx/>
-                  <a:uFillTx/>
-                  <a:latin typeface="+mn-lt"/>
-                  <a:ea typeface="+mn-ea"/>
-                  <a:cs typeface="+mn-cs"/>
-                </a:rPr>
-                <a:t>dimensions="NX,NY"/&gt;</a:t>
+                <a:t>” type=”float" dimensions="NX,NY"/&gt;</a:t>
               </a:r>
             </a:p>
             <a:p>
@@ -20529,11 +20375,7 @@
             </a:r>
             <a:r>
               <a:rPr lang="en-US" dirty="0" smtClean="0"/>
-              <a:t>]] &lt;filename</a:t>
-            </a:r>
-            <a:r>
-              <a:rPr lang="en-US" dirty="0" smtClean="0"/>
-              <a:t>&gt;</a:t>
+              <a:t>]] &lt;filename&gt;</a:t>
             </a:r>
           </a:p>
           <a:p>
@@ -20627,21 +20469,8 @@
           <a:p>
             <a:r>
               <a:rPr lang="en-US" sz="2200" dirty="0" smtClean="0"/>
-              <a:t>        Value:</a:t>
-            </a:r>
-            <a:r>
-              <a:rPr lang="en-US" sz="2200" dirty="0" smtClean="0"/>
-              <a:t> </a:t>
-            </a:r>
-            <a:r>
-              <a:rPr lang="en-US" sz="2200" dirty="0" smtClean="0"/>
-              <a:t>4</a:t>
-            </a:r>
-            <a:r>
-              <a:rPr lang="en-US" sz="2200" dirty="0" smtClean="0"/>
-              <a:t>00</a:t>
-            </a:r>
-            <a:endParaRPr lang="en-US" sz="2200" dirty="0" smtClean="0"/>
+              <a:t>        Value: 400</a:t>
+            </a:r>
           </a:p>
         </p:txBody>
       </p:sp>
@@ -20815,11 +20644,7 @@
             </a:r>
             <a:r>
               <a:rPr lang="en-US" sz="2200" dirty="0" smtClean="0"/>
-              <a:t> final.</a:t>
-            </a:r>
-            <a:r>
-              <a:rPr lang="en-US" sz="2200" dirty="0" smtClean="0"/>
-              <a:t>h5</a:t>
+              <a:t> final.h5</a:t>
             </a:r>
           </a:p>
           <a:p>
@@ -21380,7 +21205,6 @@
               <a:rPr lang="en-US" dirty="0" smtClean="0"/>
               <a:t>Only need maintain xml file</a:t>
             </a:r>
-            <a:endParaRPr lang="en-US" dirty="0" smtClean="0"/>
           </a:p>
           <a:p>
             <a:r>
@@ -21392,11 +21216,7 @@
             <a:pPr lvl="1"/>
             <a:r>
               <a:rPr lang="en-US" dirty="0" smtClean="0"/>
-              <a:t>Source </a:t>
-            </a:r>
-            <a:r>
-              <a:rPr lang="en-US" dirty="0" smtClean="0"/>
-              <a:t>code</a:t>
+              <a:t>Source code</a:t>
             </a:r>
           </a:p>
           <a:p>
@@ -21426,11 +21246,7 @@
             </a:r>
             <a:r>
               <a:rPr lang="en-US" dirty="0" err="1" smtClean="0"/>
-              <a:t>gwrite.</a:t>
-            </a:r>
-            <a:r>
-              <a:rPr lang="en-US" dirty="0" err="1" smtClean="0"/>
-              <a:t>py</a:t>
+              <a:t>gwrite.py</a:t>
             </a:r>
             <a:r>
               <a:rPr lang="en-US" dirty="0" smtClean="0"/>
@@ -21527,15 +21343,7 @@
           <a:p>
             <a:r>
               <a:rPr lang="en-US" dirty="0" smtClean="0"/>
-              <a:t>Show, Compile</a:t>
-            </a:r>
-            <a:r>
-              <a:rPr lang="en-US" dirty="0" smtClean="0"/>
-              <a:t>/</a:t>
-            </a:r>
-            <a:r>
-              <a:rPr lang="en-US" dirty="0" smtClean="0"/>
-              <a:t>Run </a:t>
+              <a:t>Show, Compile/Run </a:t>
             </a:r>
             <a:r>
               <a:rPr lang="en-US" dirty="0" err="1" smtClean="0"/>
@@ -21797,7 +21605,6 @@
               <a:rPr lang="en-US" dirty="0" smtClean="0"/>
               <a:t>&lt;adios-group name="output”&gt;</a:t>
             </a:r>
-            <a:endParaRPr lang="en-US" dirty="0" smtClean="0"/>
           </a:p>
           <a:p>
             <a:pPr>
@@ -21815,7 +21622,6 @@
               <a:rPr lang="en-US" dirty="0" smtClean="0"/>
               <a:t> name="NX" type="integer"/&gt;</a:t>
             </a:r>
-            <a:endParaRPr lang="en-US" dirty="0" smtClean="0"/>
           </a:p>
           <a:p>
             <a:pPr>
@@ -21831,11 +21637,7 @@
             </a:r>
             <a:r>
               <a:rPr lang="en-US" dirty="0" smtClean="0"/>
-              <a:t> name="NY" type="integer"/</a:t>
-            </a:r>
-            <a:r>
-              <a:rPr lang="en-US" dirty="0" smtClean="0"/>
-              <a:t>&gt; </a:t>
+              <a:t> name="NY" type="integer"/&gt; </a:t>
             </a:r>
           </a:p>
           <a:p>
@@ -21852,11 +21654,7 @@
             </a:r>
             <a:r>
               <a:rPr lang="en-US" dirty="0" smtClean="0"/>
-              <a:t> name</a:t>
-            </a:r>
-            <a:r>
-              <a:rPr lang="en-US" dirty="0" smtClean="0"/>
-              <a:t>=”temperature" </a:t>
+              <a:t> name=”temperature" </a:t>
             </a:r>
             <a:r>
               <a:rPr lang="en-US" dirty="0" err="1" smtClean="0"/>
@@ -21872,40 +21670,108 @@
             </a:r>
             <a:r>
               <a:rPr lang="en-US" dirty="0" smtClean="0"/>
-              <a:t>”  type=</a:t>
+              <a:t>”  type="</a:t>
+            </a:r>
+            <a:r>
+              <a:rPr lang="en-US" dirty="0" smtClean="0">
+                <a:solidFill>
+                  <a:schemeClr val="tx1"/>
+                </a:solidFill>
+              </a:rPr>
+              <a:t>float</a:t>
             </a:r>
             <a:r>
               <a:rPr lang="en-US" dirty="0" smtClean="0"/>
-              <a:t>"</a:t>
-            </a:r>
+              <a:t>" dimensions="NX,NY"/&gt;</a:t>
+            </a:r>
+          </a:p>
+          <a:p>
+            <a:pPr>
+              <a:buNone/>
+            </a:pPr>
             <a:r>
               <a:rPr lang="en-US" dirty="0" smtClean="0">
                 <a:solidFill>
-                  <a:schemeClr val="tx1"/>
-                </a:solidFill>
-              </a:rPr>
-              <a:t>float</a:t>
-            </a:r>
-            <a:r>
-              <a:rPr lang="en-US" dirty="0" smtClean="0"/>
+                  <a:srgbClr val="0000FF"/>
+                </a:solidFill>
+              </a:rPr>
+              <a:t>  &lt;</a:t>
+            </a:r>
+            <a:r>
+              <a:rPr lang="en-US" dirty="0" err="1" smtClean="0">
+                <a:solidFill>
+                  <a:srgbClr val="0000FF"/>
+                </a:solidFill>
+              </a:rPr>
+              <a:t>var</a:t>
+            </a:r>
+            <a:r>
+              <a:rPr lang="en-US" dirty="0" smtClean="0">
+                <a:solidFill>
+                  <a:srgbClr val="0000FF"/>
+                </a:solidFill>
+              </a:rPr>
+              <a:t> name="</a:t>
+            </a:r>
+            <a:r>
+              <a:rPr lang="en-US" dirty="0" err="1" smtClean="0">
+                <a:solidFill>
+                  <a:srgbClr val="0000FF"/>
+                </a:solidFill>
+              </a:rPr>
+              <a:t>cos_temp</a:t>
+            </a:r>
+            <a:r>
+              <a:rPr lang="en-US" dirty="0" smtClean="0">
+                <a:solidFill>
+                  <a:srgbClr val="0000FF"/>
+                </a:solidFill>
+              </a:rPr>
               <a:t>" </a:t>
             </a:r>
             <a:r>
-              <a:rPr lang="en-US" dirty="0" smtClean="0"/>
-              <a:t>dimensions="NX,NY"/&gt;</a:t>
-            </a:r>
-            <a:endParaRPr lang="en-US" dirty="0" smtClean="0"/>
-          </a:p>
-          <a:p>
-            <a:pPr>
-              <a:buNone/>
-            </a:pPr>
+              <a:rPr lang="en-US" dirty="0" err="1" smtClean="0">
+                <a:solidFill>
+                  <a:srgbClr val="0000FF"/>
+                </a:solidFill>
+              </a:rPr>
+              <a:t>gname</a:t>
+            </a:r>
             <a:r>
               <a:rPr lang="en-US" dirty="0" smtClean="0">
                 <a:solidFill>
                   <a:srgbClr val="0000FF"/>
                 </a:solidFill>
               </a:rPr>
+              <a:t>="</a:t>
+            </a:r>
+            <a:r>
+              <a:rPr lang="en-US" dirty="0" err="1" smtClean="0">
+                <a:solidFill>
+                  <a:srgbClr val="0000FF"/>
+                </a:solidFill>
+              </a:rPr>
+              <a:t>cos_u</a:t>
+            </a:r>
+            <a:r>
+              <a:rPr lang="en-US" dirty="0" smtClean="0">
+                <a:solidFill>
+                  <a:srgbClr val="0000FF"/>
+                </a:solidFill>
+              </a:rPr>
+              <a:t>” type=”float" dimensions="NX,NY"/&gt;</a:t>
+            </a:r>
+          </a:p>
+          <a:p>
+            <a:pPr>
+              <a:buNone/>
+            </a:pPr>
+            <a:r>
+              <a:rPr lang="en-US" dirty="0" smtClean="0">
+                <a:solidFill>
+                  <a:srgbClr val="0000FF"/>
+                </a:solidFill>
+              </a:rPr>
               <a:t>  &lt;</a:t>
             </a:r>
             <a:r>
@@ -21930,7 +21796,7 @@
                   <a:srgbClr val="0000FF"/>
                 </a:solidFill>
               </a:rPr>
-              <a:t>cos_temp</a:t>
+              <a:t>sin_temp</a:t>
             </a:r>
             <a:r>
               <a:rPr lang="en-US" dirty="0" smtClean="0">
@@ -21962,7 +21828,7 @@
                   <a:srgbClr val="0000FF"/>
                 </a:solidFill>
               </a:rPr>
-              <a:t>cos_u</a:t>
+              <a:t>sin_u</a:t>
             </a:r>
             <a:r>
               <a:rPr lang="en-US" dirty="0" smtClean="0">
@@ -21970,15 +21836,28 @@
                   <a:srgbClr val="0000FF"/>
                 </a:solidFill>
               </a:rPr>
-              <a:t>” type</a:t>
-            </a:r>
+              <a:t>” type="float" dimensions="NX,NY"/&gt;</a:t>
+            </a:r>
+          </a:p>
+          <a:p>
+            <a:pPr>
+              <a:buNone/>
+            </a:pPr>
             <a:r>
               <a:rPr lang="en-US" dirty="0" smtClean="0">
                 <a:solidFill>
                   <a:srgbClr val="0000FF"/>
                 </a:solidFill>
               </a:rPr>
-              <a:t>=”float" </a:t>
+              <a:t>  &lt;</a:t>
+            </a:r>
+            <a:r>
+              <a:rPr lang="en-US" dirty="0" err="1" smtClean="0">
+                <a:solidFill>
+                  <a:srgbClr val="0000FF"/>
+                </a:solidFill>
+              </a:rPr>
+              <a:t>var</a:t>
             </a:r>
             <a:r>
               <a:rPr lang="en-US" dirty="0" smtClean="0">
@@ -21986,25 +21865,23 @@
                   <a:srgbClr val="0000FF"/>
                 </a:solidFill>
               </a:rPr>
-              <a:t>dimensions="NX,NY"/&gt;</a:t>
-            </a:r>
-            <a:endParaRPr lang="en-US" dirty="0" smtClean="0">
-              <a:solidFill>
-                <a:srgbClr val="0000FF"/>
-              </a:solidFill>
-            </a:endParaRPr>
-          </a:p>
-          <a:p>
-            <a:pPr>
-              <a:buNone/>
-            </a:pPr>
+              <a:t> name="</a:t>
+            </a:r>
+            <a:r>
+              <a:rPr lang="en-US" dirty="0" err="1" smtClean="0">
+                <a:solidFill>
+                  <a:srgbClr val="0000FF"/>
+                </a:solidFill>
+              </a:rPr>
+              <a:t>tan_temp</a:t>
+            </a:r>
             <a:r>
               <a:rPr lang="en-US" dirty="0" smtClean="0">
                 <a:solidFill>
                   <a:srgbClr val="0000FF"/>
                 </a:solidFill>
               </a:rPr>
-              <a:t>  &lt;</a:t>
+              <a:t>" </a:t>
             </a:r>
             <a:r>
               <a:rPr lang="en-US" dirty="0" err="1" smtClean="0">
@@ -22012,7 +21889,7 @@
                   <a:srgbClr val="0000FF"/>
                 </a:solidFill>
               </a:rPr>
-              <a:t>var</a:t>
+              <a:t>gname</a:t>
             </a:r>
             <a:r>
               <a:rPr lang="en-US" dirty="0" smtClean="0">
@@ -22020,7 +21897,7 @@
                   <a:srgbClr val="0000FF"/>
                 </a:solidFill>
               </a:rPr>
-              <a:t> name="</a:t>
+              <a:t>="</a:t>
             </a:r>
             <a:r>
               <a:rPr lang="en-US" dirty="0" err="1" smtClean="0">
@@ -22028,169 +21905,15 @@
                   <a:srgbClr val="0000FF"/>
                 </a:solidFill>
               </a:rPr>
-              <a:t>sin_te</a:t>
-            </a:r>
-            <a:r>
-              <a:rPr lang="en-US" dirty="0" err="1" smtClean="0">
+              <a:t>tan_u</a:t>
+            </a:r>
+            <a:r>
+              <a:rPr lang="en-US" dirty="0" smtClean="0">
                 <a:solidFill>
                   <a:srgbClr val="0000FF"/>
                 </a:solidFill>
               </a:rPr>
-              <a:t>mp</a:t>
-            </a:r>
-            <a:r>
-              <a:rPr lang="en-US" dirty="0" smtClean="0">
-                <a:solidFill>
-                  <a:srgbClr val="0000FF"/>
-                </a:solidFill>
-              </a:rPr>
-              <a:t>" </a:t>
-            </a:r>
-            <a:r>
-              <a:rPr lang="en-US" dirty="0" err="1" smtClean="0">
-                <a:solidFill>
-                  <a:srgbClr val="0000FF"/>
-                </a:solidFill>
-              </a:rPr>
-              <a:t>gname</a:t>
-            </a:r>
-            <a:r>
-              <a:rPr lang="en-US" dirty="0" smtClean="0">
-                <a:solidFill>
-                  <a:srgbClr val="0000FF"/>
-                </a:solidFill>
-              </a:rPr>
-              <a:t>="</a:t>
-            </a:r>
-            <a:r>
-              <a:rPr lang="en-US" dirty="0" err="1" smtClean="0">
-                <a:solidFill>
-                  <a:srgbClr val="0000FF"/>
-                </a:solidFill>
-              </a:rPr>
-              <a:t>sin_u</a:t>
-            </a:r>
-            <a:r>
-              <a:rPr lang="en-US" dirty="0" smtClean="0">
-                <a:solidFill>
-                  <a:srgbClr val="0000FF"/>
-                </a:solidFill>
-              </a:rPr>
-              <a:t>” type=</a:t>
-            </a:r>
-            <a:r>
-              <a:rPr lang="en-US" dirty="0" smtClean="0">
-                <a:solidFill>
-                  <a:srgbClr val="0000FF"/>
-                </a:solidFill>
-              </a:rPr>
-              <a:t>"float" </a:t>
-            </a:r>
-            <a:r>
-              <a:rPr lang="en-US" dirty="0" smtClean="0">
-                <a:solidFill>
-                  <a:srgbClr val="0000FF"/>
-                </a:solidFill>
-              </a:rPr>
-              <a:t>dimensions="NX,NY"/&gt;</a:t>
-            </a:r>
-            <a:endParaRPr lang="en-US" dirty="0" smtClean="0">
-              <a:solidFill>
-                <a:srgbClr val="0000FF"/>
-              </a:solidFill>
-            </a:endParaRPr>
-          </a:p>
-          <a:p>
-            <a:pPr>
-              <a:buNone/>
-            </a:pPr>
-            <a:r>
-              <a:rPr lang="en-US" dirty="0" smtClean="0">
-                <a:solidFill>
-                  <a:srgbClr val="0000FF"/>
-                </a:solidFill>
-              </a:rPr>
-              <a:t>  &lt;</a:t>
-            </a:r>
-            <a:r>
-              <a:rPr lang="en-US" dirty="0" err="1" smtClean="0">
-                <a:solidFill>
-                  <a:srgbClr val="0000FF"/>
-                </a:solidFill>
-              </a:rPr>
-              <a:t>var</a:t>
-            </a:r>
-            <a:r>
-              <a:rPr lang="en-US" dirty="0" smtClean="0">
-                <a:solidFill>
-                  <a:srgbClr val="0000FF"/>
-                </a:solidFill>
-              </a:rPr>
-              <a:t> name="</a:t>
-            </a:r>
-            <a:r>
-              <a:rPr lang="en-US" dirty="0" err="1" smtClean="0">
-                <a:solidFill>
-                  <a:srgbClr val="0000FF"/>
-                </a:solidFill>
-              </a:rPr>
-              <a:t>tan_temp</a:t>
-            </a:r>
-            <a:r>
-              <a:rPr lang="en-US" dirty="0" smtClean="0">
-                <a:solidFill>
-                  <a:srgbClr val="0000FF"/>
-                </a:solidFill>
-              </a:rPr>
-              <a:t>" </a:t>
-            </a:r>
-            <a:r>
-              <a:rPr lang="en-US" dirty="0" err="1" smtClean="0">
-                <a:solidFill>
-                  <a:srgbClr val="0000FF"/>
-                </a:solidFill>
-              </a:rPr>
-              <a:t>gname</a:t>
-            </a:r>
-            <a:r>
-              <a:rPr lang="en-US" dirty="0" smtClean="0">
-                <a:solidFill>
-                  <a:srgbClr val="0000FF"/>
-                </a:solidFill>
-              </a:rPr>
-              <a:t>="</a:t>
-            </a:r>
-            <a:r>
-              <a:rPr lang="en-US" dirty="0" err="1" smtClean="0">
-                <a:solidFill>
-                  <a:srgbClr val="0000FF"/>
-                </a:solidFill>
-              </a:rPr>
-              <a:t>tan_u</a:t>
-            </a:r>
-            <a:r>
-              <a:rPr lang="en-US" dirty="0" smtClean="0">
-                <a:solidFill>
-                  <a:srgbClr val="0000FF"/>
-                </a:solidFill>
-              </a:rPr>
-              <a:t>”  type=</a:t>
-            </a:r>
-            <a:r>
-              <a:rPr lang="en-US" dirty="0" smtClean="0">
-                <a:solidFill>
-                  <a:srgbClr val="0000FF"/>
-                </a:solidFill>
-              </a:rPr>
-              <a:t>"float" </a:t>
-            </a:r>
-            <a:r>
-              <a:rPr lang="en-US" dirty="0" smtClean="0">
-                <a:solidFill>
-                  <a:srgbClr val="0000FF"/>
-                </a:solidFill>
-              </a:rPr>
-              <a:t>dimensions="NX,NY"/&gt;</a:t>
+              <a:t>”  type="float" dimensions="NX,NY"/&gt;</a:t>
             </a:r>
           </a:p>
           <a:p>
@@ -22226,19 +21949,11 @@
           <a:p>
             <a:r>
               <a:rPr lang="en-US" dirty="0" err="1" smtClean="0"/>
-              <a:t>g</a:t>
-            </a:r>
-            <a:r>
-              <a:rPr lang="en-US" dirty="0" err="1" smtClean="0"/>
-              <a:t>name</a:t>
+              <a:t>gname</a:t>
             </a:r>
             <a:r>
               <a:rPr lang="en-US" dirty="0" smtClean="0"/>
-              <a:t> </a:t>
-            </a:r>
-            <a:r>
-              <a:rPr lang="en-US" dirty="0" smtClean="0"/>
-              <a:t>:actual variable name/expression in the source code</a:t>
+              <a:t> :actual variable name/expression in the source code</a:t>
             </a:r>
           </a:p>
           <a:p>
@@ -25164,11 +24879,7 @@
             </a:r>
             <a:r>
               <a:rPr lang="en-US" sz="2000" dirty="0" smtClean="0"/>
-              <a:t>”</a:t>
-            </a:r>
-            <a:r>
-              <a:rPr lang="en-US" sz="2000" dirty="0" smtClean="0"/>
-              <a:t> </a:t>
+              <a:t>” </a:t>
             </a:r>
             <a:r>
               <a:rPr lang="en-US" sz="2000" b="1" dirty="0" smtClean="0">
@@ -25223,45 +24934,20 @@
             </a:r>
             <a:r>
               <a:rPr lang="en-US" sz="1800" dirty="0" smtClean="0"/>
-              <a:t>name</a:t>
+              <a:t>name=”</a:t>
+            </a:r>
+            <a:r>
+              <a:rPr lang="en-US" sz="1800" b="1" dirty="0" err="1" smtClean="0">
+                <a:solidFill>
+                  <a:srgbClr val="008000"/>
+                </a:solidFill>
+              </a:rPr>
+              <a:t>group_comm</a:t>
             </a:r>
             <a:r>
               <a:rPr lang="en-US" sz="1800" dirty="0" smtClean="0"/>
-              <a:t>=”</a:t>
-            </a:r>
-            <a:r>
-              <a:rPr lang="en-US" sz="1800" b="1" dirty="0" err="1" smtClean="0">
-                <a:solidFill>
-                  <a:srgbClr val="008000"/>
-                </a:solidFill>
-              </a:rPr>
-              <a:t>group_comm</a:t>
-            </a:r>
-            <a:r>
-              <a:rPr lang="en-US" sz="1800" dirty="0" smtClean="0"/>
-              <a:t>” </a:t>
-            </a:r>
-            <a:r>
-              <a:rPr lang="en-US" sz="1800" dirty="0" smtClean="0"/>
-              <a:t>type</a:t>
-            </a:r>
-            <a:r>
-              <a:rPr lang="en-US" sz="1800" dirty="0" smtClean="0"/>
-              <a:t>=“integer</a:t>
-            </a:r>
-            <a:r>
-              <a:rPr lang="en-US" sz="1800" dirty="0" smtClean="0"/>
-              <a:t>*</a:t>
-            </a:r>
-            <a:r>
-              <a:rPr lang="en-US" sz="1800" dirty="0" smtClean="0"/>
-              <a:t>8”/</a:t>
-            </a:r>
-            <a:r>
-              <a:rPr lang="en-US" sz="1800" dirty="0" smtClean="0"/>
-              <a:t>&gt;</a:t>
-            </a:r>
-            <a:endParaRPr lang="en-US" sz="1800" dirty="0" smtClean="0"/>
+              <a:t>” type=“integer*8”/&gt;</a:t>
+            </a:r>
           </a:p>
           <a:p>
             <a:pPr>
@@ -25281,13 +24967,8 @@
             </a:r>
             <a:r>
               <a:rPr lang="en-US" sz="1800" dirty="0" smtClean="0"/>
-              <a:t>name</a:t>
-            </a:r>
-            <a:r>
-              <a:rPr lang="en-US" sz="1800" dirty="0" smtClean="0"/>
-              <a:t>="NX" type="integer"/&gt;</a:t>
-            </a:r>
-            <a:endParaRPr lang="en-US" sz="1800" dirty="0" smtClean="0"/>
+              <a:t>name="NX" type="integer"/&gt;</a:t>
+            </a:r>
           </a:p>
           <a:p>
             <a:pPr>
@@ -25307,15 +24988,7 @@
             </a:r>
             <a:r>
               <a:rPr lang="en-US" sz="1800" dirty="0" smtClean="0"/>
-              <a:t>name</a:t>
-            </a:r>
-            <a:r>
-              <a:rPr lang="en-US" sz="1800" dirty="0" smtClean="0"/>
-              <a:t>="NY" type="integer"/</a:t>
-            </a:r>
-            <a:r>
-              <a:rPr lang="en-US" sz="1800" dirty="0" smtClean="0"/>
-              <a:t>&gt;</a:t>
+              <a:t>name="NY" type="integer"/&gt;</a:t>
             </a:r>
           </a:p>
           <a:p>
@@ -25348,13 +25021,8 @@
             </a:r>
             <a:r>
               <a:rPr lang="en-US" sz="1800" dirty="0" smtClean="0"/>
-              <a:t>" </a:t>
-            </a:r>
-            <a:r>
-              <a:rPr lang="en-US" sz="1800" dirty="0" smtClean="0"/>
-              <a:t>type="integer"/&gt;</a:t>
-            </a:r>
-            <a:endParaRPr lang="en-US" sz="1800" dirty="0" smtClean="0"/>
+              <a:t>" type="integer"/&gt;</a:t>
+            </a:r>
           </a:p>
           <a:p>
             <a:pPr>
@@ -25386,17 +25054,8 @@
             </a:r>
             <a:r>
               <a:rPr lang="en-US" sz="1800" dirty="0" smtClean="0"/>
-              <a:t>" </a:t>
-            </a:r>
-            <a:r>
-              <a:rPr lang="en-US" sz="1800" dirty="0" smtClean="0"/>
-              <a:t>type="integer"/</a:t>
-            </a:r>
-            <a:r>
-              <a:rPr lang="en-US" sz="1800" dirty="0" smtClean="0"/>
-              <a:t>&gt;</a:t>
-            </a:r>
-            <a:endParaRPr lang="en-US" sz="1800" dirty="0" smtClean="0"/>
+              <a:t>" type="integer"/&gt;</a:t>
+            </a:r>
           </a:p>
           <a:p>
             <a:pPr>
@@ -25504,11 +25163,27 @@
             </a:r>
             <a:r>
               <a:rPr lang="en-US" sz="1800" dirty="0" smtClean="0"/>
-              <a:t>=</a:t>
+              <a:t>="</a:t>
+            </a:r>
+            <a:r>
+              <a:rPr lang="en-US" sz="1800" b="1" dirty="0" err="1" smtClean="0">
+                <a:solidFill>
+                  <a:srgbClr val="0000FF"/>
+                </a:solidFill>
+              </a:rPr>
+              <a:t>cos_u[offset</a:t>
+            </a:r>
+            <a:r>
+              <a:rPr lang="en-US" sz="1800" b="1" dirty="0" smtClean="0">
+                <a:solidFill>
+                  <a:srgbClr val="0000FF"/>
+                </a:solidFill>
+              </a:rPr>
+              <a:t>]</a:t>
             </a:r>
             <a:r>
               <a:rPr lang="en-US" sz="1800" dirty="0" smtClean="0"/>
-              <a:t>"</a:t>
+              <a:t>” type=”float" dimensions="</a:t>
             </a:r>
             <a:r>
               <a:rPr lang="en-US" sz="1800" b="1" dirty="0" err="1" smtClean="0">
@@ -25516,43 +25191,11 @@
                   <a:srgbClr val="0000FF"/>
                 </a:solidFill>
               </a:rPr>
-              <a:t>cos_u[offset</a:t>
-            </a:r>
-            <a:r>
-              <a:rPr lang="en-US" sz="1800" b="1" dirty="0" smtClean="0">
-                <a:solidFill>
-                  <a:srgbClr val="0000FF"/>
-                </a:solidFill>
-              </a:rPr>
-              <a:t>]</a:t>
+              <a:t>size,NY</a:t>
             </a:r>
             <a:r>
               <a:rPr lang="en-US" sz="1800" dirty="0" smtClean="0"/>
-              <a:t>” </a:t>
-            </a:r>
-            <a:r>
-              <a:rPr lang="en-US" sz="1800" dirty="0" smtClean="0"/>
-              <a:t>type=”float" dimensions=</a:t>
-            </a:r>
-            <a:r>
-              <a:rPr lang="en-US" sz="1800" dirty="0" smtClean="0"/>
-              <a:t>"</a:t>
-            </a:r>
-            <a:r>
-              <a:rPr lang="en-US" sz="1800" b="1" dirty="0" err="1" smtClean="0">
-                <a:solidFill>
-                  <a:srgbClr val="0000FF"/>
-                </a:solidFill>
-              </a:rPr>
-              <a:t>size,NY</a:t>
-            </a:r>
-            <a:r>
-              <a:rPr lang="en-US" sz="1800" dirty="0" smtClean="0"/>
-              <a:t>"</a:t>
-            </a:r>
-            <a:r>
-              <a:rPr lang="en-US" sz="1800" dirty="0" smtClean="0"/>
-              <a:t>/&gt;</a:t>
+              <a:t>"/&gt;</a:t>
             </a:r>
           </a:p>
           <a:p>
@@ -25597,7 +25240,27 @@
                   <a:srgbClr val="0000FF"/>
                 </a:solidFill>
               </a:rPr>
-              <a:t>sin_u[</a:t>
+              <a:t>sin_u[offset</a:t>
+            </a:r>
+            <a:r>
+              <a:rPr lang="en-US" sz="1800" b="1" dirty="0" smtClean="0">
+                <a:solidFill>
+                  <a:srgbClr val="0000FF"/>
+                </a:solidFill>
+              </a:rPr>
+              <a:t>]</a:t>
+            </a:r>
+            <a:r>
+              <a:rPr lang="en-US" sz="1800" dirty="0" smtClean="0"/>
+              <a:t>” type="float" dimensions=”</a:t>
+            </a:r>
+            <a:r>
+              <a:rPr lang="en-US" sz="1800" b="1" dirty="0" smtClean="0">
+                <a:solidFill>
+                  <a:srgbClr val="0000FF"/>
+                </a:solidFill>
+              </a:rPr>
+              <a:t> </a:t>
             </a:r>
             <a:r>
               <a:rPr lang="en-US" sz="1800" b="1" dirty="0" err="1" smtClean="0">
@@ -25605,51 +25268,11 @@
                   <a:srgbClr val="0000FF"/>
                 </a:solidFill>
               </a:rPr>
-              <a:t>offset</a:t>
-            </a:r>
-            <a:r>
-              <a:rPr lang="en-US" sz="1800" b="1" dirty="0" smtClean="0">
-                <a:solidFill>
-                  <a:srgbClr val="0000FF"/>
-                </a:solidFill>
-              </a:rPr>
-              <a:t>]</a:t>
+              <a:t>size,NY</a:t>
             </a:r>
             <a:r>
               <a:rPr lang="en-US" sz="1800" dirty="0" smtClean="0"/>
-              <a:t>” </a:t>
-            </a:r>
-            <a:r>
-              <a:rPr lang="en-US" sz="1800" dirty="0" smtClean="0"/>
-              <a:t>type="float" dimensions</a:t>
-            </a:r>
-            <a:r>
-              <a:rPr lang="en-US" sz="1800" dirty="0" smtClean="0"/>
-              <a:t>=”</a:t>
-            </a:r>
-            <a:r>
-              <a:rPr lang="en-US" sz="1800" b="1" dirty="0" smtClean="0">
-                <a:solidFill>
-                  <a:srgbClr val="0000FF"/>
-                </a:solidFill>
-              </a:rPr>
-              <a:t> </a:t>
-            </a:r>
-            <a:r>
-              <a:rPr lang="en-US" sz="1800" b="1" dirty="0" err="1" smtClean="0">
-                <a:solidFill>
-                  <a:srgbClr val="0000FF"/>
-                </a:solidFill>
-              </a:rPr>
-              <a:t>size,NY</a:t>
-            </a:r>
-            <a:r>
-              <a:rPr lang="en-US" sz="1800" dirty="0" smtClean="0"/>
-              <a:t>"</a:t>
-            </a:r>
-            <a:r>
-              <a:rPr lang="en-US" sz="1800" dirty="0" smtClean="0"/>
-              <a:t>/&gt;</a:t>
+              <a:t>"/&gt;</a:t>
             </a:r>
           </a:p>
           <a:p>
@@ -25694,7 +25317,19 @@
                   <a:srgbClr val="0000FF"/>
                 </a:solidFill>
               </a:rPr>
-              <a:t>tan_u</a:t>
+              <a:t>tan_u[offset</a:t>
+            </a:r>
+            <a:r>
+              <a:rPr lang="en-US" sz="1800" b="1" dirty="0" smtClean="0">
+                <a:solidFill>
+                  <a:srgbClr val="0000FF"/>
+                </a:solidFill>
+              </a:rPr>
+              <a:t>]</a:t>
+            </a:r>
+            <a:r>
+              <a:rPr lang="en-US" sz="1800" dirty="0" smtClean="0"/>
+              <a:t>”  type="float" dimensions=“</a:t>
             </a:r>
             <a:r>
               <a:rPr lang="en-US" sz="1800" b="1" dirty="0" err="1" smtClean="0">
@@ -25702,45 +25337,12 @@
                   <a:srgbClr val="0000FF"/>
                 </a:solidFill>
               </a:rPr>
-              <a:t>[offset</a:t>
-            </a:r>
-            <a:r>
-              <a:rPr lang="en-US" sz="1800" b="1" dirty="0" smtClean="0">
-                <a:solidFill>
-                  <a:srgbClr val="0000FF"/>
-                </a:solidFill>
-              </a:rPr>
-              <a:t>]</a:t>
+              <a:t>size,NY</a:t>
             </a:r>
             <a:r>
               <a:rPr lang="en-US" sz="1800" dirty="0" smtClean="0"/>
-              <a:t>”  </a:t>
-            </a:r>
-            <a:r>
-              <a:rPr lang="en-US" sz="1800" dirty="0" smtClean="0"/>
-              <a:t>type="float" dimensions</a:t>
-            </a:r>
-            <a:r>
-              <a:rPr lang="en-US" sz="1800" dirty="0" smtClean="0"/>
-              <a:t>=“</a:t>
-            </a:r>
-            <a:r>
-              <a:rPr lang="en-US" sz="1800" b="1" dirty="0" err="1" smtClean="0">
-                <a:solidFill>
-                  <a:srgbClr val="0000FF"/>
-                </a:solidFill>
-              </a:rPr>
-              <a:t>size,NY</a:t>
-            </a:r>
-            <a:r>
-              <a:rPr lang="en-US" sz="1800" dirty="0" smtClean="0"/>
-              <a:t>"</a:t>
-            </a:r>
-            <a:r>
-              <a:rPr lang="en-US" sz="1800" dirty="0" smtClean="0"/>
-              <a:t>/&gt;</a:t>
-            </a:r>
-            <a:endParaRPr lang="en-US" sz="1800" dirty="0" smtClean="0"/>
+              <a:t>"/&gt;</a:t>
+            </a:r>
           </a:p>
           <a:p>
             <a:pPr>
@@ -25748,11 +25350,7 @@
             </a:pPr>
             <a:r>
               <a:rPr lang="en-US" sz="2000" dirty="0" smtClean="0"/>
-              <a:t>&lt;</a:t>
-            </a:r>
-            <a:r>
-              <a:rPr lang="en-US" sz="2000" dirty="0" smtClean="0"/>
-              <a:t>/</a:t>
+              <a:t>&lt;/</a:t>
             </a:r>
             <a:r>
               <a:rPr lang="en-US" sz="2000" b="1" dirty="0" smtClean="0"/>
@@ -25806,11 +25404,7 @@
             </a:r>
             <a:r>
               <a:rPr lang="en-US" sz="2200" dirty="0" smtClean="0"/>
-              <a:t>"/</a:t>
-            </a:r>
-            <a:r>
-              <a:rPr lang="en-US" sz="2200" dirty="0" smtClean="0"/>
-              <a:t>&gt;</a:t>
+              <a:t>"/&gt;</a:t>
             </a:r>
           </a:p>
         </p:txBody>
@@ -26218,11 +25812,6 @@
               </a:rPr>
               <a:t>"offset,0"&gt;</a:t>
             </a:r>
-            <a:endParaRPr lang="en-US" sz="2400" b="1" dirty="0" smtClean="0">
-              <a:solidFill>
-                <a:srgbClr val="0000FF"/>
-              </a:solidFill>
-            </a:endParaRPr>
           </a:p>
           <a:p>
             <a:pPr>
@@ -26253,7 +25842,15 @@
                   <a:srgbClr val="000000"/>
                 </a:solidFill>
               </a:rPr>
-              <a:t> name</a:t>
+              <a:t> name=”temperature" </a:t>
+            </a:r>
+            <a:r>
+              <a:rPr lang="en-US" sz="1800" dirty="0" err="1" smtClean="0">
+                <a:solidFill>
+                  <a:srgbClr val="000000"/>
+                </a:solidFill>
+              </a:rPr>
+              <a:t>gname</a:t>
             </a:r>
             <a:r>
               <a:rPr lang="en-US" sz="1800" dirty="0" smtClean="0">
@@ -26261,7 +25858,7 @@
                   <a:srgbClr val="000000"/>
                 </a:solidFill>
               </a:rPr>
-              <a:t>=”temperature" </a:t>
+              <a:t>="</a:t>
             </a:r>
             <a:r>
               <a:rPr lang="en-US" sz="1800" dirty="0" err="1" smtClean="0">
@@ -26269,7 +25866,7 @@
                   <a:srgbClr val="000000"/>
                 </a:solidFill>
               </a:rPr>
-              <a:t>gname</a:t>
+              <a:t>u+offset</a:t>
             </a:r>
             <a:r>
               <a:rPr lang="en-US" sz="1800" dirty="0" smtClean="0">
@@ -26277,31 +25874,7 @@
                   <a:srgbClr val="000000"/>
                 </a:solidFill>
               </a:rPr>
-              <a:t>="</a:t>
-            </a:r>
-            <a:r>
-              <a:rPr lang="en-US" sz="1800" dirty="0" err="1" smtClean="0">
-                <a:solidFill>
-                  <a:srgbClr val="000000"/>
-                </a:solidFill>
-              </a:rPr>
-              <a:t>u+offset</a:t>
-            </a:r>
-            <a:r>
-              <a:rPr lang="en-US" sz="1800" dirty="0" smtClean="0">
-                <a:solidFill>
-                  <a:srgbClr val="000000"/>
-                </a:solidFill>
-              </a:rPr>
-              <a:t>*NY” type=</a:t>
-            </a:r>
-            <a:r>
-              <a:rPr lang="en-US" sz="1800" dirty="0" smtClean="0">
-                <a:solidFill>
-                  <a:srgbClr val="000000"/>
-                </a:solidFill>
-              </a:rPr>
-              <a:t>"float" </a:t>
+              <a:t>*NY” type="float" </a:t>
             </a:r>
             <a:r>
               <a:rPr lang="en-US" sz="1800" dirty="0" smtClean="0"/>
@@ -26339,11 +25912,6 @@
               </a:rPr>
               <a:t>/&gt;</a:t>
             </a:r>
-            <a:endParaRPr lang="en-US" sz="1800" dirty="0" smtClean="0">
-              <a:solidFill>
-                <a:srgbClr val="000000"/>
-              </a:solidFill>
-            </a:endParaRPr>
           </a:p>
           <a:p>
             <a:pPr>
@@ -26386,15 +25954,7 @@
             </a:r>
             <a:r>
               <a:rPr lang="en-US" sz="1800" dirty="0" smtClean="0"/>
-              <a:t>]" type=</a:t>
-            </a:r>
-            <a:r>
-              <a:rPr lang="en-US" sz="1800" dirty="0" smtClean="0"/>
-              <a:t>"float" </a:t>
-            </a:r>
-            <a:r>
-              <a:rPr lang="en-US" sz="1800" dirty="0" smtClean="0"/>
-              <a:t>dimensions</a:t>
+              <a:t>]" type="float" dimensions</a:t>
             </a:r>
             <a:r>
               <a:rPr lang="en-US" sz="1800" b="1" dirty="0" smtClean="0">
@@ -26424,7 +25984,6 @@
               <a:rPr lang="en-US" sz="1800" dirty="0" smtClean="0"/>
               <a:t>/&gt;</a:t>
             </a:r>
-            <a:endParaRPr lang="en-US" sz="1800" dirty="0" smtClean="0"/>
           </a:p>
           <a:p>
             <a:pPr>
@@ -26467,49 +26026,36 @@
             </a:r>
             <a:r>
               <a:rPr lang="en-US" sz="1800" dirty="0" smtClean="0"/>
-              <a:t>]” type=</a:t>
+              <a:t>]” type="float" dimensions</a:t>
+            </a:r>
+            <a:r>
+              <a:rPr lang="en-US" sz="1800" b="1" dirty="0" smtClean="0">
+                <a:solidFill>
+                  <a:srgbClr val="0000FF"/>
+                </a:solidFill>
+              </a:rPr>
+              <a:t>="</a:t>
+            </a:r>
+            <a:r>
+              <a:rPr lang="en-US" sz="1800" b="1" dirty="0" err="1" smtClean="0">
+                <a:solidFill>
+                  <a:srgbClr val="0000FF"/>
+                </a:solidFill>
+              </a:rPr>
+              <a:t>size,NY</a:t>
+            </a:r>
+            <a:r>
+              <a:rPr lang="en-US" sz="1800" b="1" dirty="0" smtClean="0">
+                <a:solidFill>
+                  <a:srgbClr val="0000FF"/>
+                </a:solidFill>
+              </a:rPr>
+              <a:t>"</a:t>
             </a:r>
             <a:r>
               <a:rPr lang="en-US" sz="1800" dirty="0" smtClean="0"/>
-              <a:t>"float" </a:t>
-            </a:r>
-            <a:r>
-              <a:rPr lang="en-US" sz="1800" dirty="0" smtClean="0"/>
-              <a:t>dimensions</a:t>
-            </a:r>
-            <a:r>
-              <a:rPr lang="en-US" sz="1800" b="1" dirty="0" smtClean="0">
-                <a:solidFill>
-                  <a:srgbClr val="0000FF"/>
-                </a:solidFill>
-              </a:rPr>
-              <a:t>="</a:t>
-            </a:r>
-            <a:r>
-              <a:rPr lang="en-US" sz="1800" b="1" dirty="0" err="1" smtClean="0">
-                <a:solidFill>
-                  <a:srgbClr val="0000FF"/>
-                </a:solidFill>
-              </a:rPr>
-              <a:t>size,NY</a:t>
-            </a:r>
-            <a:r>
-              <a:rPr lang="en-US" sz="1800" b="1" dirty="0" smtClean="0">
-                <a:solidFill>
-                  <a:srgbClr val="0000FF"/>
-                </a:solidFill>
-              </a:rPr>
-              <a:t>"</a:t>
-            </a:r>
-            <a:r>
-              <a:rPr lang="en-US" sz="1800" dirty="0" smtClean="0"/>
-              <a:t>/</a:t>
-            </a:r>
-            <a:r>
-              <a:rPr lang="en-US" sz="1800" dirty="0" smtClean="0"/>
-              <a:t>&gt;</a:t>
-            </a:r>
-            <a:endParaRPr lang="en-US" sz="1800" dirty="0" smtClean="0"/>
+              <a:t>/&gt;</a:t>
+            </a:r>
           </a:p>
           <a:p>
             <a:pPr>
@@ -26552,15 +26098,7 @@
             </a:r>
             <a:r>
               <a:rPr lang="en-US" sz="1800" dirty="0" smtClean="0"/>
-              <a:t>]” type=</a:t>
-            </a:r>
-            <a:r>
-              <a:rPr lang="en-US" sz="1800" dirty="0" smtClean="0"/>
-              <a:t>"float" </a:t>
-            </a:r>
-            <a:r>
-              <a:rPr lang="en-US" sz="1800" dirty="0" smtClean="0"/>
-              <a:t>dimensions</a:t>
+              <a:t>]” type="float" dimensions</a:t>
             </a:r>
             <a:r>
               <a:rPr lang="en-US" sz="1800" b="1" dirty="0" smtClean="0">
@@ -27463,7 +27001,6 @@
               <a:rPr lang="en-US" sz="2200" dirty="0" smtClean="0"/>
               <a:t>"&gt;</a:t>
             </a:r>
-            <a:endParaRPr lang="en-US" sz="2200" dirty="0" smtClean="0"/>
           </a:p>
           <a:p>
             <a:pPr>
@@ -27493,7 +27030,6 @@
               <a:rPr lang="en-US" sz="2000" dirty="0" smtClean="0"/>
               <a:t>" type="integer*8"/&gt;</a:t>
             </a:r>
-            <a:endParaRPr lang="en-US" sz="2000" dirty="0" smtClean="0"/>
           </a:p>
           <a:p>
             <a:pPr>
@@ -27519,7 +27055,6 @@
               <a:rPr lang="en-US" sz="2000" dirty="0" smtClean="0"/>
               <a:t>" type="integer"/&gt;</a:t>
             </a:r>
-            <a:endParaRPr lang="en-US" sz="2000" dirty="0" smtClean="0"/>
           </a:p>
           <a:p>
             <a:pPr>
@@ -27545,7 +27080,6 @@
               <a:rPr lang="en-US" sz="2000" dirty="0" smtClean="0"/>
               <a:t>" type="double"/&gt;</a:t>
             </a:r>
-            <a:endParaRPr lang="en-US" sz="2000" dirty="0" smtClean="0"/>
           </a:p>
           <a:p>
             <a:pPr>
@@ -27587,7 +27121,6 @@
               <a:rPr lang="en-US" sz="2000" dirty="0" smtClean="0"/>
               <a:t>" type="integer"/&gt;</a:t>
             </a:r>
-            <a:endParaRPr lang="en-US" sz="2000" dirty="0" smtClean="0"/>
           </a:p>
           <a:p>
             <a:pPr>
@@ -27629,7 +27162,6 @@
               <a:rPr lang="en-US" sz="2000" dirty="0" smtClean="0"/>
               <a:t>" type="integer"/&gt;</a:t>
             </a:r>
-            <a:endParaRPr lang="en-US" sz="2000" dirty="0" smtClean="0"/>
           </a:p>
           <a:p>
             <a:pPr>
@@ -27671,7 +27203,6 @@
               <a:rPr lang="en-US" sz="2000" dirty="0" smtClean="0"/>
               <a:t>" type="integer"  /&gt;</a:t>
             </a:r>
-            <a:endParaRPr lang="en-US" sz="2000" dirty="0" smtClean="0"/>
           </a:p>
           <a:p>
             <a:pPr>
@@ -27713,7 +27244,6 @@
               <a:rPr lang="en-US" sz="2000" dirty="0" smtClean="0"/>
               <a:t>" type="integer"/&gt;</a:t>
             </a:r>
-            <a:endParaRPr lang="en-US" sz="2000" dirty="0" smtClean="0"/>
           </a:p>
           <a:p>
             <a:pPr>
@@ -27763,7 +27293,6 @@
               <a:rPr lang="en-US" sz="2000" dirty="0" smtClean="0"/>
               <a:t>"/&gt;</a:t>
             </a:r>
-            <a:endParaRPr lang="en-US" sz="2000" dirty="0" smtClean="0"/>
           </a:p>
           <a:p>
             <a:pPr>
@@ -27811,11 +27340,7 @@
             </a:r>
             <a:r>
               <a:rPr lang="en-US" sz="2000" dirty="0" smtClean="0"/>
-              <a:t>"/</a:t>
-            </a:r>
-            <a:r>
-              <a:rPr lang="en-US" sz="2000" dirty="0" smtClean="0"/>
-              <a:t>&gt;</a:t>
+              <a:t>"/&gt;</a:t>
             </a:r>
           </a:p>
           <a:p>
@@ -29560,11 +29085,7 @@
             </a:pPr>
             <a:r>
               <a:rPr lang="en-US" sz="2400" dirty="0" smtClean="0"/>
-              <a:t> </a:t>
-            </a:r>
-            <a:r>
-              <a:rPr lang="en-US" sz="2400" dirty="0" smtClean="0"/>
-              <a:t>write(filename,'("restart.",i4.4,".bp")') </a:t>
+              <a:t> write(filename,'("restart.",i4.4,".bp")') </a:t>
             </a:r>
             <a:r>
               <a:rPr lang="en-US" sz="2400" dirty="0" err="1" smtClean="0"/>
@@ -29590,23 +29111,11 @@
             </a:r>
             <a:r>
               <a:rPr lang="en-US" sz="2400" dirty="0" err="1" smtClean="0"/>
-              <a:t>(buf,’restart’,</a:t>
-            </a:r>
-            <a:r>
-              <a:rPr lang="en-US" sz="2400" dirty="0" err="1" smtClean="0"/>
-              <a:t>filename</a:t>
-            </a:r>
-            <a:r>
-              <a:rPr lang="en-US" sz="2400" dirty="0" err="1" smtClean="0"/>
-              <a:t>,’w</a:t>
+              <a:t>(buf,’restart’,filename,’w</a:t>
             </a:r>
             <a:r>
               <a:rPr lang="en-US" sz="2400" dirty="0" smtClean="0"/>
-              <a:t>’</a:t>
-            </a:r>
-            <a:r>
-              <a:rPr lang="en-US" sz="2400" dirty="0" smtClean="0"/>
-              <a:t>)</a:t>
+              <a:t>’)</a:t>
             </a:r>
           </a:p>
           <a:p>
@@ -29627,21 +29136,12 @@
             </a:r>
             <a:r>
               <a:rPr lang="en-US" sz="2400" dirty="0" err="1" smtClean="0"/>
-              <a:t>(</a:t>
-            </a:r>
-            <a:r>
-              <a:rPr lang="en-US" sz="2400" dirty="0" err="1" smtClean="0"/>
-              <a:t>buf,’restart</a:t>
+              <a:t>(buf,’restart</a:t>
             </a:r>
             <a:r>
               <a:rPr lang="en-US" sz="2400" dirty="0" smtClean="0"/>
-              <a:t>’</a:t>
-            </a:r>
-            <a:r>
-              <a:rPr lang="en-US" sz="2400" dirty="0" smtClean="0"/>
-              <a:t>)</a:t>
-            </a:r>
-            <a:endParaRPr lang="en-US" sz="2400" dirty="0" smtClean="0"/>
+              <a:t>’)</a:t>
+            </a:r>
           </a:p>
           <a:p>
             <a:pPr>
@@ -29661,11 +29161,7 @@
             </a:r>
             <a:r>
               <a:rPr lang="en-US" sz="2400" dirty="0" err="1" smtClean="0"/>
-              <a:t>(</a:t>
-            </a:r>
-            <a:r>
-              <a:rPr lang="en-US" sz="2400" dirty="0" err="1" smtClean="0"/>
-              <a:t>buf</a:t>
+              <a:t>(buf</a:t>
             </a:r>
             <a:r>
               <a:rPr lang="en-US" sz="2400" dirty="0" smtClean="0"/>
@@ -30335,7 +29831,6 @@
               <a:rPr lang="en-US" dirty="0" smtClean="0"/>
               <a:t>ADIOS</a:t>
             </a:r>
-            <a:endParaRPr lang="en-US" dirty="0" smtClean="0"/>
           </a:p>
           <a:p>
             <a:pPr lvl="1"/>
@@ -30410,11 +29905,7 @@
           <a:p>
             <a:r>
               <a:rPr lang="en-US" dirty="0" smtClean="0"/>
-              <a:t>XML</a:t>
-            </a:r>
-            <a:r>
-              <a:rPr lang="en-US" dirty="0" smtClean="0"/>
-              <a:t>: mesh group</a:t>
+              <a:t>XML: mesh group</a:t>
             </a:r>
             <a:endParaRPr lang="en-US" dirty="0"/>
           </a:p>
@@ -30496,23 +29987,147 @@
             </a:r>
             <a:r>
               <a:rPr lang="en-US" sz="2000" dirty="0" smtClean="0"/>
-              <a:t>name</a:t>
+              <a:t>name="</a:t>
+            </a:r>
+            <a:r>
+              <a:rPr lang="en-US" sz="2000" b="1" dirty="0" err="1" smtClean="0">
+                <a:solidFill>
+                  <a:srgbClr val="FF0000"/>
+                </a:solidFill>
+              </a:rPr>
+              <a:t>n_n</a:t>
+            </a:r>
+            <a:r>
+              <a:rPr lang="en-US" sz="2000" dirty="0" smtClean="0"/>
+              <a:t>" type="integer"  /&gt;</a:t>
+            </a:r>
+          </a:p>
+          <a:p>
+            <a:pPr>
+              <a:buNone/>
+            </a:pPr>
+            <a:r>
+              <a:rPr lang="en-US" sz="2000" dirty="0" smtClean="0"/>
+              <a:t>&lt;</a:t>
+            </a:r>
+            <a:r>
+              <a:rPr lang="en-US" sz="2000" dirty="0" err="1" smtClean="0">
+                <a:solidFill>
+                  <a:srgbClr val="3366FF"/>
+                </a:solidFill>
+              </a:rPr>
+              <a:t>var</a:t>
+            </a:r>
+            <a:r>
+              <a:rPr lang="en-US" sz="2000" dirty="0" smtClean="0">
+                <a:solidFill>
+                  <a:srgbClr val="3366FF"/>
+                </a:solidFill>
+              </a:rPr>
+              <a:t> </a:t>
+            </a:r>
+            <a:r>
+              <a:rPr lang="en-US" sz="2000" dirty="0" smtClean="0"/>
+              <a:t>name="</a:t>
+            </a:r>
+            <a:r>
+              <a:rPr lang="en-US" sz="2000" dirty="0" err="1" smtClean="0"/>
+              <a:t>n_t</a:t>
+            </a:r>
+            <a:r>
+              <a:rPr lang="en-US" sz="2000" dirty="0" smtClean="0"/>
+              <a:t>" type="integer"  /&gt;</a:t>
+            </a:r>
+          </a:p>
+          <a:p>
+            <a:pPr>
+              <a:buNone/>
+            </a:pPr>
+            <a:r>
+              <a:rPr lang="en-US" sz="2000" dirty="0" smtClean="0"/>
+              <a:t>&lt;</a:t>
+            </a:r>
+            <a:r>
+              <a:rPr lang="en-US" sz="2000" dirty="0" err="1" smtClean="0">
+                <a:solidFill>
+                  <a:srgbClr val="3366FF"/>
+                </a:solidFill>
+              </a:rPr>
+              <a:t>var</a:t>
+            </a:r>
+            <a:r>
+              <a:rPr lang="en-US" sz="2000" dirty="0" smtClean="0">
+                <a:solidFill>
+                  <a:srgbClr val="3366FF"/>
+                </a:solidFill>
+              </a:rPr>
+              <a:t> </a:t>
+            </a:r>
+            <a:r>
+              <a:rPr lang="en-US" sz="2000" dirty="0" smtClean="0"/>
+              <a:t>name="</a:t>
+            </a:r>
+            <a:r>
+              <a:rPr lang="en-US" sz="2000" dirty="0" err="1" smtClean="0"/>
+              <a:t>n_psi</a:t>
+            </a:r>
+            <a:r>
+              <a:rPr lang="en-US" sz="2000" dirty="0" smtClean="0"/>
+              <a:t>" type="integer"  /&gt;</a:t>
+            </a:r>
+          </a:p>
+          <a:p>
+            <a:pPr>
+              <a:buNone/>
+            </a:pPr>
+            <a:r>
+              <a:rPr lang="en-US" sz="2000" dirty="0" smtClean="0"/>
+              <a:t>&lt;</a:t>
+            </a:r>
+            <a:r>
+              <a:rPr lang="en-US" sz="2000" dirty="0" err="1" smtClean="0">
+                <a:solidFill>
+                  <a:srgbClr val="3366FF"/>
+                </a:solidFill>
+              </a:rPr>
+              <a:t>var</a:t>
+            </a:r>
+            <a:r>
+              <a:rPr lang="en-US" sz="2000" dirty="0" smtClean="0">
+                <a:solidFill>
+                  <a:srgbClr val="3366FF"/>
+                </a:solidFill>
+              </a:rPr>
+              <a:t> </a:t>
+            </a:r>
+            <a:r>
+              <a:rPr lang="en-US" sz="2000" dirty="0" smtClean="0"/>
+              <a:t>name="values" </a:t>
+            </a:r>
+            <a:r>
+              <a:rPr lang="en-US" sz="2000" dirty="0" err="1" smtClean="0"/>
+              <a:t>gname</a:t>
             </a:r>
             <a:r>
               <a:rPr lang="en-US" sz="2000" dirty="0" smtClean="0"/>
               <a:t>="</a:t>
             </a:r>
             <a:r>
-              <a:rPr lang="en-US" sz="2000" b="1" dirty="0" err="1" smtClean="0">
-                <a:solidFill>
-                  <a:srgbClr val="FF0000"/>
-                </a:solidFill>
-              </a:rPr>
-              <a:t>n_n</a:t>
+              <a:rPr lang="en-US" sz="2000" dirty="0" err="1" smtClean="0"/>
+              <a:t>coord</a:t>
             </a:r>
             <a:r>
               <a:rPr lang="en-US" sz="2000" dirty="0" smtClean="0"/>
-              <a:t>" type="integer"  /&gt;</a:t>
+              <a:t>" type="float*8" </a:t>
+            </a:r>
+          </a:p>
+          <a:p>
+            <a:pPr>
+              <a:buNone/>
+            </a:pPr>
+            <a:r>
+              <a:rPr lang="en-US" sz="2000" dirty="0" smtClean="0"/>
+              <a:t>        path="/coordinates/" dimensions="2,n_n"/&gt;</a:t>
             </a:r>
           </a:p>
           <a:p>
@@ -30541,7 +30156,19 @@
             </a:r>
             <a:r>
               <a:rPr lang="en-US" sz="2000" dirty="0" smtClean="0"/>
-              <a:t>name</a:t>
+              <a:t>name="</a:t>
+            </a:r>
+            <a:r>
+              <a:rPr lang="en-US" sz="2000" dirty="0" err="1" smtClean="0"/>
+              <a:t>node_connect_list</a:t>
+            </a:r>
+            <a:r>
+              <a:rPr lang="en-US" sz="2000" dirty="0" smtClean="0"/>
+              <a:t>" </a:t>
+            </a:r>
+            <a:r>
+              <a:rPr lang="en-US" sz="2000" dirty="0" err="1" smtClean="0"/>
+              <a:t>gname</a:t>
             </a:r>
             <a:r>
               <a:rPr lang="en-US" sz="2000" dirty="0" smtClean="0"/>
@@ -30549,11 +30176,20 @@
             </a:r>
             <a:r>
               <a:rPr lang="en-US" sz="2000" dirty="0" err="1" smtClean="0"/>
-              <a:t>n_t</a:t>
+              <a:t>nodeid</a:t>
             </a:r>
             <a:r>
               <a:rPr lang="en-US" sz="2000" dirty="0" smtClean="0"/>
-              <a:t>" type="integer"  /&gt;</a:t>
+              <a:t>” type="integer"  </a:t>
+            </a:r>
+          </a:p>
+          <a:p>
+            <a:pPr>
+              <a:buNone/>
+            </a:pPr>
+            <a:r>
+              <a:rPr lang="en-US" sz="2000" dirty="0" smtClean="0"/>
+              <a:t>        path="cell_set[0]" dimensions="3,n_t" /&gt;</a:t>
             </a:r>
           </a:p>
           <a:p>
@@ -30582,7 +30218,19 @@
             </a:r>
             <a:r>
               <a:rPr lang="en-US" sz="2000" dirty="0" smtClean="0"/>
-              <a:t>name</a:t>
+              <a:t>name="</a:t>
+            </a:r>
+            <a:r>
+              <a:rPr lang="en-US" sz="2000" dirty="0" err="1" smtClean="0"/>
+              <a:t>nextnode</a:t>
+            </a:r>
+            <a:r>
+              <a:rPr lang="en-US" sz="2000" dirty="0" smtClean="0"/>
+              <a:t>" </a:t>
+            </a:r>
+            <a:r>
+              <a:rPr lang="en-US" sz="2000" dirty="0" err="1" smtClean="0"/>
+              <a:t>gname</a:t>
             </a:r>
             <a:r>
               <a:rPr lang="en-US" sz="2000" dirty="0" smtClean="0"/>
@@ -30590,11 +30238,28 @@
             </a:r>
             <a:r>
               <a:rPr lang="en-US" sz="2000" dirty="0" err="1" smtClean="0"/>
-              <a:t>n_psi</a:t>
+              <a:t>nextn</a:t>
             </a:r>
             <a:r>
               <a:rPr lang="en-US" sz="2000" dirty="0" smtClean="0"/>
-              <a:t>" type="integer"  /&gt;</a:t>
+              <a:t>” type="integer" </a:t>
+            </a:r>
+          </a:p>
+          <a:p>
+            <a:pPr>
+              <a:buNone/>
+            </a:pPr>
+            <a:r>
+              <a:rPr lang="en-US" sz="2000" dirty="0" smtClean="0"/>
+              <a:t>        dimensions="</a:t>
+            </a:r>
+            <a:r>
+              <a:rPr lang="en-US" sz="2000" dirty="0" err="1" smtClean="0"/>
+              <a:t>n_n</a:t>
+            </a:r>
+            <a:r>
+              <a:rPr lang="en-US" sz="2000" dirty="0" smtClean="0"/>
+              <a:t>"/&gt;</a:t>
             </a:r>
           </a:p>
           <a:p>
@@ -30623,11 +30288,7 @@
             </a:r>
             <a:r>
               <a:rPr lang="en-US" sz="2000" dirty="0" smtClean="0"/>
-              <a:t>name</a:t>
-            </a:r>
-            <a:r>
-              <a:rPr lang="en-US" sz="2000" dirty="0" smtClean="0"/>
-              <a:t>="values" </a:t>
+              <a:t>name="itheta0" </a:t>
             </a:r>
             <a:r>
               <a:rPr lang="en-US" sz="2000" dirty="0" err="1" smtClean="0"/>
@@ -30635,276 +30296,24 @@
             </a:r>
             <a:r>
               <a:rPr lang="en-US" sz="2000" dirty="0" smtClean="0"/>
-              <a:t>="</a:t>
+              <a:t>="n_itheta0" type="integer" </a:t>
+            </a:r>
+          </a:p>
+          <a:p>
+            <a:pPr>
+              <a:buNone/>
+            </a:pPr>
+            <a:r>
+              <a:rPr lang="en-US" sz="2000" dirty="0" smtClean="0"/>
+              <a:t>        dimensions="</a:t>
             </a:r>
             <a:r>
               <a:rPr lang="en-US" sz="2000" dirty="0" err="1" smtClean="0"/>
-              <a:t>coord</a:t>
-            </a:r>
-            <a:r>
-              <a:rPr lang="en-US" sz="2000" dirty="0" smtClean="0"/>
-              <a:t>"</a:t>
-            </a:r>
-            <a:r>
-              <a:rPr lang="en-US" sz="2000" dirty="0" smtClean="0"/>
-              <a:t> type="float*8" </a:t>
-            </a:r>
-          </a:p>
-          <a:p>
-            <a:pPr>
-              <a:buNone/>
-            </a:pPr>
-            <a:r>
-              <a:rPr lang="en-US" sz="2000" dirty="0" smtClean="0"/>
-              <a:t>        </a:t>
-            </a:r>
-            <a:r>
-              <a:rPr lang="en-US" sz="2000" dirty="0" smtClean="0"/>
-              <a:t>path</a:t>
-            </a:r>
-            <a:r>
-              <a:rPr lang="en-US" sz="2000" dirty="0" smtClean="0"/>
-              <a:t>="/coordinates/"</a:t>
-            </a:r>
-            <a:r>
-              <a:rPr lang="en-US" sz="2000" dirty="0" smtClean="0"/>
-              <a:t> dimensions</a:t>
-            </a:r>
-            <a:r>
-              <a:rPr lang="en-US" sz="2000" dirty="0" smtClean="0"/>
-              <a:t>="2,n_n"/&gt;</a:t>
-            </a:r>
-          </a:p>
-          <a:p>
-            <a:pPr>
-              <a:buNone/>
-            </a:pPr>
-            <a:r>
-              <a:rPr lang="en-US" sz="2000" dirty="0" smtClean="0"/>
-              <a:t>&lt;</a:t>
-            </a:r>
-            <a:r>
-              <a:rPr lang="en-US" sz="2000" dirty="0" err="1" smtClean="0">
-                <a:solidFill>
-                  <a:srgbClr val="3366FF"/>
-                </a:solidFill>
-              </a:rPr>
-              <a:t>var</a:t>
-            </a:r>
-            <a:r>
-              <a:rPr lang="en-US" sz="2000" dirty="0" smtClean="0">
-                <a:solidFill>
-                  <a:srgbClr val="3366FF"/>
-                </a:solidFill>
-              </a:rPr>
-              <a:t> </a:t>
-            </a:r>
-            <a:r>
-              <a:rPr lang="en-US" sz="2000" dirty="0" smtClean="0"/>
-              <a:t>name</a:t>
-            </a:r>
-            <a:r>
-              <a:rPr lang="en-US" sz="2000" dirty="0" smtClean="0"/>
-              <a:t>="</a:t>
-            </a:r>
-            <a:r>
-              <a:rPr lang="en-US" sz="2000" dirty="0" err="1" smtClean="0"/>
-              <a:t>node_connect_list</a:t>
-            </a:r>
-            <a:r>
-              <a:rPr lang="en-US" sz="2000" dirty="0" smtClean="0"/>
-              <a:t>" </a:t>
-            </a:r>
-            <a:r>
-              <a:rPr lang="en-US" sz="2000" dirty="0" err="1" smtClean="0"/>
-              <a:t>gname</a:t>
-            </a:r>
-            <a:r>
-              <a:rPr lang="en-US" sz="2000" dirty="0" smtClean="0"/>
-              <a:t>="</a:t>
-            </a:r>
-            <a:r>
-              <a:rPr lang="en-US" sz="2000" dirty="0" err="1" smtClean="0"/>
-              <a:t>nodeid</a:t>
-            </a:r>
-            <a:r>
-              <a:rPr lang="en-US" sz="2000" dirty="0" smtClean="0"/>
-              <a:t>” type="integer"  </a:t>
-            </a:r>
-            <a:endParaRPr lang="en-US" sz="2000" dirty="0" smtClean="0"/>
-          </a:p>
-          <a:p>
-            <a:pPr>
-              <a:buNone/>
-            </a:pPr>
-            <a:r>
-              <a:rPr lang="en-US" sz="2000" dirty="0" smtClean="0"/>
-              <a:t>        </a:t>
-            </a:r>
-            <a:r>
-              <a:rPr lang="en-US" sz="2000" dirty="0" smtClean="0"/>
-              <a:t>path</a:t>
-            </a:r>
-            <a:r>
-              <a:rPr lang="en-US" sz="2000" dirty="0" smtClean="0"/>
-              <a:t>="cell_set[0]"</a:t>
-            </a:r>
-            <a:r>
-              <a:rPr lang="en-US" sz="2000" dirty="0" smtClean="0"/>
-              <a:t> dimensions</a:t>
-            </a:r>
-            <a:r>
-              <a:rPr lang="en-US" sz="2000" dirty="0" smtClean="0"/>
-              <a:t>="3,n_t" /&gt;</a:t>
-            </a:r>
-          </a:p>
-          <a:p>
-            <a:pPr>
-              <a:buNone/>
-            </a:pPr>
-            <a:r>
-              <a:rPr lang="en-US" sz="2000" dirty="0" smtClean="0"/>
-              <a:t>&lt;</a:t>
-            </a:r>
-            <a:r>
-              <a:rPr lang="en-US" sz="2000" dirty="0" err="1" smtClean="0">
-                <a:solidFill>
-                  <a:srgbClr val="3366FF"/>
-                </a:solidFill>
-              </a:rPr>
-              <a:t>var</a:t>
-            </a:r>
-            <a:r>
-              <a:rPr lang="en-US" sz="2000" dirty="0" smtClean="0">
-                <a:solidFill>
-                  <a:srgbClr val="3366FF"/>
-                </a:solidFill>
-              </a:rPr>
-              <a:t> </a:t>
-            </a:r>
-            <a:r>
-              <a:rPr lang="en-US" sz="2000" dirty="0" smtClean="0"/>
-              <a:t>name</a:t>
-            </a:r>
-            <a:r>
-              <a:rPr lang="en-US" sz="2000" dirty="0" smtClean="0"/>
-              <a:t>="</a:t>
-            </a:r>
-            <a:r>
-              <a:rPr lang="en-US" sz="2000" dirty="0" err="1" smtClean="0"/>
-              <a:t>nextnode</a:t>
-            </a:r>
-            <a:r>
-              <a:rPr lang="en-US" sz="2000" dirty="0" smtClean="0"/>
-              <a:t>" </a:t>
-            </a:r>
-            <a:r>
-              <a:rPr lang="en-US" sz="2000" dirty="0" err="1" smtClean="0"/>
-              <a:t>gname</a:t>
-            </a:r>
-            <a:r>
-              <a:rPr lang="en-US" sz="2000" dirty="0" smtClean="0"/>
-              <a:t>="</a:t>
-            </a:r>
-            <a:r>
-              <a:rPr lang="en-US" sz="2000" dirty="0" err="1" smtClean="0"/>
-              <a:t>nextn</a:t>
-            </a:r>
-            <a:r>
-              <a:rPr lang="en-US" sz="2000" dirty="0" smtClean="0"/>
-              <a:t>” type="integer" </a:t>
-            </a:r>
-          </a:p>
-          <a:p>
-            <a:pPr>
-              <a:buNone/>
-            </a:pPr>
-            <a:r>
-              <a:rPr lang="en-US" sz="2000" dirty="0" smtClean="0"/>
-              <a:t>        dimensions</a:t>
-            </a:r>
-            <a:r>
-              <a:rPr lang="en-US" sz="2000" dirty="0" smtClean="0"/>
-              <a:t>="</a:t>
-            </a:r>
-            <a:r>
-              <a:rPr lang="en-US" sz="2000" dirty="0" err="1" smtClean="0"/>
-              <a:t>n_n</a:t>
+              <a:t>n_psi</a:t>
             </a:r>
             <a:r>
               <a:rPr lang="en-US" sz="2000" dirty="0" smtClean="0"/>
               <a:t>"/&gt;</a:t>
-            </a:r>
-          </a:p>
-          <a:p>
-            <a:pPr>
-              <a:buNone/>
-            </a:pPr>
-            <a:r>
-              <a:rPr lang="en-US" sz="2000" dirty="0" smtClean="0"/>
-              <a:t>&lt;</a:t>
-            </a:r>
-            <a:r>
-              <a:rPr lang="en-US" sz="2000" dirty="0" err="1" smtClean="0">
-                <a:solidFill>
-                  <a:srgbClr val="3366FF"/>
-                </a:solidFill>
-              </a:rPr>
-              <a:t>var</a:t>
-            </a:r>
-            <a:r>
-              <a:rPr lang="en-US" sz="2000" dirty="0" smtClean="0">
-                <a:solidFill>
-                  <a:srgbClr val="3366FF"/>
-                </a:solidFill>
-              </a:rPr>
-              <a:t> </a:t>
-            </a:r>
-            <a:r>
-              <a:rPr lang="en-US" sz="2000" dirty="0" smtClean="0"/>
-              <a:t>name</a:t>
-            </a:r>
-            <a:r>
-              <a:rPr lang="en-US" sz="2000" dirty="0" smtClean="0"/>
-              <a:t>="itheta0" </a:t>
-            </a:r>
-            <a:r>
-              <a:rPr lang="en-US" sz="2000" dirty="0" err="1" smtClean="0"/>
-              <a:t>gname</a:t>
-            </a:r>
-            <a:r>
-              <a:rPr lang="en-US" sz="2000" dirty="0" smtClean="0"/>
-              <a:t>="n_itheta0"</a:t>
-            </a:r>
-            <a:r>
-              <a:rPr lang="en-US" sz="2000" dirty="0" smtClean="0"/>
-              <a:t> type="integer" </a:t>
-            </a:r>
-            <a:endParaRPr lang="en-US" sz="2000" dirty="0" smtClean="0"/>
-          </a:p>
-          <a:p>
-            <a:pPr>
-              <a:buNone/>
-            </a:pPr>
-            <a:r>
-              <a:rPr lang="en-US" sz="2000" dirty="0" smtClean="0"/>
-              <a:t>        dimensions</a:t>
-            </a:r>
-            <a:r>
-              <a:rPr lang="en-US" sz="2000" dirty="0" smtClean="0"/>
-              <a:t>="</a:t>
-            </a:r>
-            <a:r>
-              <a:rPr lang="en-US" sz="2000" dirty="0" err="1" smtClean="0"/>
-              <a:t>n_psi</a:t>
-            </a:r>
-            <a:r>
-              <a:rPr lang="en-US" sz="2000" dirty="0" smtClean="0"/>
-              <a:t>"/</a:t>
-            </a:r>
-            <a:r>
-              <a:rPr lang="en-US" sz="2000" dirty="0" smtClean="0"/>
-              <a:t>&gt;</a:t>
             </a:r>
           </a:p>
         </p:txBody>
@@ -30958,11 +30367,7 @@
           <a:p>
             <a:r>
               <a:rPr lang="en-US" dirty="0" smtClean="0"/>
-              <a:t>XML</a:t>
-            </a:r>
-            <a:r>
-              <a:rPr lang="en-US" dirty="0" smtClean="0"/>
-              <a:t>: mesh group</a:t>
+              <a:t>XML: mesh group</a:t>
             </a:r>
             <a:endParaRPr lang="en-US" dirty="0"/>
           </a:p>
@@ -31261,24 +30666,16 @@
             </a:pPr>
             <a:r>
               <a:rPr lang="en-US" sz="1800" dirty="0" smtClean="0"/>
-              <a:t>GROUP "</a:t>
-            </a:r>
+              <a:t>GROUP "/” </a:t>
+            </a:r>
+          </a:p>
+          <a:p>
+            <a:pPr>
+              <a:buNone/>
+            </a:pPr>
             <a:r>
               <a:rPr lang="en-US" sz="1800" dirty="0" smtClean="0"/>
-              <a:t>/” </a:t>
-            </a:r>
-          </a:p>
-          <a:p>
-            <a:pPr>
-              <a:buNone/>
-            </a:pPr>
-            <a:r>
-              <a:rPr lang="en-US" sz="1800" dirty="0" smtClean="0"/>
-              <a:t>  ATTRIBUTE </a:t>
-            </a:r>
-            <a:r>
-              <a:rPr lang="en-US" sz="1800" dirty="0" smtClean="0"/>
-              <a:t>"</a:t>
+              <a:t>  ATTRIBUTE "</a:t>
             </a:r>
             <a:r>
               <a:rPr lang="en-US" sz="1800" dirty="0" err="1" smtClean="0"/>
@@ -31303,11 +30700,7 @@
             </a:pPr>
             <a:r>
               <a:rPr lang="en-US" sz="1800" dirty="0" smtClean="0"/>
-              <a:t>  ATTRIBUTE </a:t>
-            </a:r>
-            <a:r>
-              <a:rPr lang="en-US" sz="1800" dirty="0" smtClean="0"/>
-              <a:t>"</a:t>
+              <a:t>  ATTRIBUTE "</a:t>
             </a:r>
             <a:r>
               <a:rPr lang="en-US" sz="1800" dirty="0" err="1" smtClean="0"/>
@@ -31340,11 +30733,7 @@
             </a:r>
             <a:r>
               <a:rPr lang="en-US" sz="1800" dirty="0" smtClean="0"/>
-              <a:t>” </a:t>
-            </a:r>
-            <a:r>
-              <a:rPr lang="en-US" sz="1800" dirty="0" smtClean="0"/>
-              <a:t>(</a:t>
+              <a:t>” (</a:t>
             </a:r>
             <a:r>
               <a:rPr lang="en-US" sz="1800" dirty="0" err="1" smtClean="0"/>
@@ -31354,7 +30743,6 @@
               <a:rPr lang="en-US" sz="1800" dirty="0" smtClean="0"/>
               <a:t>)</a:t>
             </a:r>
-            <a:endParaRPr lang="en-US" sz="1800" dirty="0" smtClean="0"/>
           </a:p>
           <a:p>
             <a:pPr>
@@ -31362,45 +30750,25 @@
             </a:pPr>
             <a:r>
               <a:rPr lang="en-US" sz="1800" dirty="0" smtClean="0"/>
-              <a:t>  ATTRIBUTE </a:t>
-            </a:r>
+              <a:t>  ATTRIBUTE "XP_CLASS” = “Mesh”</a:t>
+            </a:r>
+          </a:p>
+          <a:p>
+            <a:pPr>
+              <a:buNone/>
+            </a:pPr>
             <a:r>
               <a:rPr lang="en-US" sz="1800" dirty="0" smtClean="0"/>
-              <a:t>"</a:t>
-            </a:r>
+              <a:t>Group "cell_set[0]" </a:t>
+            </a:r>
+          </a:p>
+          <a:p>
+            <a:pPr>
+              <a:buNone/>
+            </a:pPr>
             <a:r>
               <a:rPr lang="en-US" sz="1800" dirty="0" smtClean="0"/>
-              <a:t>XP_CLASS” = “Mesh”</a:t>
-            </a:r>
-          </a:p>
-          <a:p>
-            <a:pPr>
-              <a:buNone/>
-            </a:pPr>
-            <a:r>
-              <a:rPr lang="en-US" sz="1800" dirty="0" smtClean="0"/>
-              <a:t>Group </a:t>
-            </a:r>
-            <a:r>
-              <a:rPr lang="en-US" sz="1800" dirty="0" smtClean="0"/>
-              <a:t>"cell_set[0]"</a:t>
-            </a:r>
-            <a:r>
-              <a:rPr lang="en-US" sz="1800" dirty="0" smtClean="0"/>
-              <a:t> </a:t>
-            </a:r>
-          </a:p>
-          <a:p>
-            <a:pPr>
-              <a:buNone/>
-            </a:pPr>
-            <a:r>
-              <a:rPr lang="en-US" sz="1800" dirty="0" smtClean="0"/>
-              <a:t>  ATTRIBUTE </a:t>
-            </a:r>
-            <a:r>
-              <a:rPr lang="en-US" sz="1800" dirty="0" smtClean="0"/>
-              <a:t>"</a:t>
+              <a:t>  ATTRIBUTE "</a:t>
             </a:r>
             <a:r>
               <a:rPr lang="en-US" sz="1800" dirty="0" err="1" smtClean="0"/>
@@ -31425,11 +30793,7 @@
             </a:pPr>
             <a:r>
               <a:rPr lang="en-US" sz="1800" dirty="0" smtClean="0"/>
-              <a:t>  ATTRIBUTE </a:t>
-            </a:r>
-            <a:r>
-              <a:rPr lang="en-US" sz="1800" dirty="0" smtClean="0"/>
-              <a:t>"</a:t>
+              <a:t>  ATTRIBUTE "</a:t>
             </a:r>
             <a:r>
               <a:rPr lang="en-US" sz="1800" dirty="0" err="1" smtClean="0"/>
@@ -31439,7 +30803,6 @@
               <a:rPr lang="en-US" sz="1800" dirty="0" smtClean="0"/>
               <a:t>” = “Tri”</a:t>
             </a:r>
-            <a:endParaRPr lang="en-US" sz="1800" dirty="0" smtClean="0"/>
           </a:p>
           <a:p>
             <a:pPr>
@@ -31447,11 +30810,7 @@
             </a:pPr>
             <a:r>
               <a:rPr lang="en-US" sz="1800" dirty="0" smtClean="0"/>
-              <a:t>  DATASET </a:t>
-            </a:r>
-            <a:r>
-              <a:rPr lang="en-US" sz="1800" dirty="0" smtClean="0"/>
-              <a:t>"</a:t>
+              <a:t>  DATASET "</a:t>
             </a:r>
             <a:r>
               <a:rPr lang="en-US" sz="1800" dirty="0" err="1" smtClean="0"/>
@@ -31476,15 +30835,7 @@
             </a:pPr>
             <a:r>
               <a:rPr lang="en-US" sz="1800" dirty="0" smtClean="0"/>
-              <a:t>GROUP </a:t>
-            </a:r>
-            <a:r>
-              <a:rPr lang="en-US" sz="1800" dirty="0" smtClean="0"/>
-              <a:t>"</a:t>
-            </a:r>
-            <a:r>
-              <a:rPr lang="en-US" sz="1800" dirty="0" smtClean="0"/>
-              <a:t>coordinates”</a:t>
+              <a:t>GROUP "coordinates”</a:t>
             </a:r>
           </a:p>
           <a:p>
@@ -31502,15 +30853,7 @@
             </a:pPr>
             <a:r>
               <a:rPr lang="en-US" sz="1800" dirty="0" smtClean="0"/>
-              <a:t>DATASET </a:t>
-            </a:r>
-            <a:r>
-              <a:rPr lang="en-US" sz="1800" dirty="0" smtClean="0"/>
-              <a:t>"</a:t>
-            </a:r>
-            <a:r>
-              <a:rPr lang="en-US" sz="1800" dirty="0" smtClean="0"/>
-              <a:t>itheta0” (</a:t>
+              <a:t>DATASET "itheta0” (</a:t>
             </a:r>
             <a:r>
               <a:rPr lang="en-US" sz="1800" dirty="0" err="1" smtClean="0"/>
@@ -31527,11 +30870,7 @@
             </a:pPr>
             <a:r>
               <a:rPr lang="en-US" sz="1800" dirty="0" smtClean="0"/>
-              <a:t>DATASET </a:t>
-            </a:r>
-            <a:r>
-              <a:rPr lang="en-US" sz="1800" dirty="0" smtClean="0"/>
-              <a:t>"</a:t>
+              <a:t>DATASET "</a:t>
             </a:r>
             <a:r>
               <a:rPr lang="en-US" sz="1800" dirty="0" err="1" smtClean="0"/>
@@ -31606,11 +30945,7 @@
             </a:r>
             <a:r>
               <a:rPr lang="en-US" dirty="0" err="1" smtClean="0"/>
-              <a:t>mesh.</a:t>
-            </a:r>
-            <a:r>
-              <a:rPr lang="en-US" dirty="0" err="1" smtClean="0"/>
-              <a:t>bp</a:t>
+              <a:t>mesh.bp</a:t>
             </a:r>
             <a:endParaRPr lang="en-US" dirty="0"/>
           </a:p>
@@ -31652,24 +30987,16 @@
             </a:pPr>
             <a:r>
               <a:rPr lang="en-US" sz="2200" dirty="0" smtClean="0"/>
-              <a:t>/</a:t>
-            </a:r>
+              <a:t>/cell_set[0]             Group</a:t>
+            </a:r>
+          </a:p>
+          <a:p>
+            <a:pPr marL="514350" indent="-514350">
+              <a:buNone/>
+            </a:pPr>
             <a:r>
               <a:rPr lang="en-US" sz="2200" dirty="0" smtClean="0"/>
-              <a:t>cell_set[0]             Group</a:t>
-            </a:r>
-          </a:p>
-          <a:p>
-            <a:pPr marL="514350" indent="-514350">
-              <a:buNone/>
-            </a:pPr>
-            <a:r>
-              <a:rPr lang="en-US" sz="2200" dirty="0" smtClean="0"/>
-              <a:t>/cell_set[0]/node_connect_list </a:t>
-            </a:r>
-            <a:r>
-              <a:rPr lang="en-US" sz="2200" dirty="0" smtClean="0"/>
-              <a:t>Dataset</a:t>
+              <a:t>/cell_set[0]/node_connect_list Dataset</a:t>
             </a:r>
           </a:p>
           <a:p>
@@ -31687,24 +31014,16 @@
             </a:pPr>
             <a:r>
               <a:rPr lang="en-US" sz="2200" dirty="0" smtClean="0"/>
-              <a:t>/coordinates/values      </a:t>
-            </a:r>
+              <a:t>/coordinates/values      Dataset</a:t>
+            </a:r>
+          </a:p>
+          <a:p>
+            <a:pPr marL="514350" indent="-514350">
+              <a:buNone/>
+            </a:pPr>
             <a:r>
               <a:rPr lang="en-US" sz="2200" dirty="0" smtClean="0"/>
-              <a:t>Dataset</a:t>
-            </a:r>
-          </a:p>
-          <a:p>
-            <a:pPr marL="514350" indent="-514350">
-              <a:buNone/>
-            </a:pPr>
-            <a:r>
-              <a:rPr lang="en-US" sz="2200" dirty="0" smtClean="0"/>
-              <a:t>/itheta0                 Dataset</a:t>
-            </a:r>
-            <a:r>
-              <a:rPr lang="en-US" sz="2200" dirty="0" smtClean="0"/>
-              <a:t> </a:t>
+              <a:t>/itheta0                 Dataset </a:t>
             </a:r>
           </a:p>
           <a:p>
@@ -31721,11 +31040,7 @@
             </a:r>
             <a:r>
               <a:rPr lang="en-US" sz="2200" dirty="0" smtClean="0"/>
-              <a:t>                     </a:t>
-            </a:r>
-            <a:r>
-              <a:rPr lang="en-US" sz="2200" dirty="0" smtClean="0"/>
-              <a:t>Dataset</a:t>
+              <a:t>                     Dataset</a:t>
             </a:r>
           </a:p>
           <a:p>
@@ -31742,11 +31057,7 @@
             </a:r>
             <a:r>
               <a:rPr lang="en-US" sz="2200" dirty="0" smtClean="0"/>
-              <a:t>                   </a:t>
-            </a:r>
-            <a:r>
-              <a:rPr lang="en-US" sz="2200" dirty="0" smtClean="0"/>
-              <a:t>Dataset</a:t>
+              <a:t>                   Dataset</a:t>
             </a:r>
           </a:p>
           <a:p>
@@ -31763,11 +31074,7 @@
             </a:r>
             <a:r>
               <a:rPr lang="en-US" sz="2200" dirty="0" smtClean="0"/>
-              <a:t>                     </a:t>
-            </a:r>
-            <a:r>
-              <a:rPr lang="en-US" sz="2200" dirty="0" smtClean="0"/>
-              <a:t>Dataset</a:t>
+              <a:t>                     Dataset</a:t>
             </a:r>
           </a:p>
           <a:p>
@@ -31784,11 +31091,7 @@
             </a:r>
             <a:r>
               <a:rPr lang="en-US" sz="2200" dirty="0" smtClean="0"/>
-              <a:t>                Dataset</a:t>
-            </a:r>
-            <a:r>
-              <a:rPr lang="en-US" sz="2200" dirty="0" smtClean="0"/>
-              <a:t> </a:t>
+              <a:t>                Dataset </a:t>
             </a:r>
             <a:endParaRPr lang="en-US" sz="2200" dirty="0"/>
           </a:p>
@@ -31867,11 +31170,7 @@
             </a:pPr>
             <a:r>
               <a:rPr lang="en-US" sz="1800" dirty="0" smtClean="0"/>
-              <a:t>GROUP "</a:t>
-            </a:r>
-            <a:r>
-              <a:rPr lang="en-US" sz="1800" dirty="0" smtClean="0"/>
-              <a:t>/” </a:t>
+              <a:t>GROUP "/” </a:t>
             </a:r>
           </a:p>
           <a:p>
@@ -31898,7 +31197,6 @@
               <a:rPr lang="en-US" sz="1800" dirty="0" smtClean="0"/>
               <a:t>)}</a:t>
             </a:r>
-            <a:endParaRPr lang="en-US" sz="1800" dirty="0" smtClean="0"/>
           </a:p>
           <a:p>
             <a:pPr>
@@ -31956,23 +31254,11 @@
             </a:pPr>
             <a:r>
               <a:rPr lang="en-US" sz="1800" dirty="0" smtClean="0"/>
-              <a:t>   ATTRIBUTE </a:t>
-            </a:r>
-            <a:r>
-              <a:rPr lang="en-US" sz="1800" dirty="0" smtClean="0"/>
-              <a:t>"</a:t>
-            </a:r>
-            <a:r>
-              <a:rPr lang="en-US" sz="1800" dirty="0" smtClean="0"/>
-              <a:t>XP_CLASS = “</a:t>
+              <a:t>   ATTRIBUTE "XP_CLASS = “</a:t>
             </a:r>
             <a:r>
               <a:rPr lang="en-US" sz="1800" dirty="0" err="1" smtClean="0"/>
-              <a:t>N</a:t>
-            </a:r>
-            <a:r>
-              <a:rPr lang="en-US" sz="1800" dirty="0" err="1" smtClean="0"/>
-              <a:t>ode_data</a:t>
+              <a:t>Node_data</a:t>
             </a:r>
             <a:r>
               <a:rPr lang="en-US" sz="1800" dirty="0" smtClean="0"/>
@@ -31985,11 +31271,7 @@
             </a:pPr>
             <a:r>
               <a:rPr lang="en-US" sz="1800" dirty="0" smtClean="0"/>
-              <a:t>GROUP </a:t>
-            </a:r>
-            <a:r>
-              <a:rPr lang="en-US" sz="1800" dirty="0" smtClean="0"/>
-              <a:t>"node_data[0]" {</a:t>
+              <a:t>GROUP "node_data[0]" {</a:t>
             </a:r>
           </a:p>
           <a:p>
@@ -32023,11 +31305,7 @@
             </a:pPr>
             <a:r>
               <a:rPr lang="en-US" sz="1800" dirty="0" smtClean="0"/>
-              <a:t>      ATTRIBUTE "</a:t>
-            </a:r>
-            <a:r>
-              <a:rPr lang="en-US" sz="1800" dirty="0" smtClean="0"/>
-              <a:t>labels” = “</a:t>
+              <a:t>      ATTRIBUTE "labels” = “</a:t>
             </a:r>
             <a:r>
               <a:rPr lang="en-US" sz="1800" dirty="0" err="1" smtClean="0"/>
@@ -32044,15 +31322,7 @@
             </a:pPr>
             <a:r>
               <a:rPr lang="en-US" sz="1800" dirty="0" smtClean="0"/>
-              <a:t>      ATTRIBUTE </a:t>
-            </a:r>
-            <a:r>
-              <a:rPr lang="en-US" sz="1800" dirty="0" smtClean="0"/>
-              <a:t>"</a:t>
-            </a:r>
-            <a:r>
-              <a:rPr lang="en-US" sz="1800" dirty="0" smtClean="0"/>
-              <a:t>unit” = “</a:t>
+              <a:t>      ATTRIBUTE "unit” = “</a:t>
             </a:r>
             <a:r>
               <a:rPr lang="en-US" sz="1800" dirty="0" err="1" smtClean="0"/>
@@ -32069,32 +31339,16 @@
             </a:pPr>
             <a:r>
               <a:rPr lang="en-US" sz="1800" dirty="0" smtClean="0"/>
-              <a:t>      DATASET "</a:t>
-            </a:r>
+              <a:t>      DATASET "values” (double[][])</a:t>
+            </a:r>
+          </a:p>
+          <a:p>
+            <a:pPr>
+              <a:buNone/>
+            </a:pPr>
             <a:r>
               <a:rPr lang="en-US" sz="1800" dirty="0" smtClean="0"/>
-              <a:t>values” (double[][])</a:t>
-            </a:r>
-          </a:p>
-          <a:p>
-            <a:pPr>
-              <a:buNone/>
-            </a:pPr>
-            <a:r>
-              <a:rPr lang="en-US" sz="1800" dirty="0" smtClean="0"/>
-              <a:t>GROUP "node_data</a:t>
-            </a:r>
-            <a:r>
-              <a:rPr lang="en-US" sz="1800" dirty="0" smtClean="0"/>
-              <a:t>[</a:t>
-            </a:r>
-            <a:r>
-              <a:rPr lang="en-US" sz="1800" dirty="0" smtClean="0"/>
-              <a:t>1</a:t>
-            </a:r>
-            <a:r>
-              <a:rPr lang="en-US" sz="1800" dirty="0" smtClean="0"/>
-              <a:t>]" {</a:t>
+              <a:t>GROUP "node_data[1]" {</a:t>
             </a:r>
           </a:p>
           <a:p>
@@ -32145,11 +31399,7 @@
             </a:pPr>
             <a:r>
               <a:rPr lang="en-US" sz="1800" dirty="0" smtClean="0"/>
-              <a:t>      </a:t>
-            </a:r>
-            <a:r>
-              <a:rPr lang="en-US" sz="1800" dirty="0" smtClean="0"/>
-              <a:t>ATTRIBUTE "unit=“Tm^2”</a:t>
+              <a:t>      ATTRIBUTE "unit=“Tm^2”</a:t>
             </a:r>
           </a:p>
           <a:p>
@@ -32237,15 +31487,7 @@
             </a:pPr>
             <a:r>
               <a:rPr lang="en-US" sz="1800" dirty="0" smtClean="0"/>
-              <a:t>GROUP </a:t>
-            </a:r>
-            <a:r>
-              <a:rPr lang="en-US" sz="1800" dirty="0" smtClean="0"/>
-              <a:t>"</a:t>
-            </a:r>
-            <a:r>
-              <a:rPr lang="en-US" sz="1800" dirty="0" smtClean="0"/>
-              <a:t>/” </a:t>
+              <a:t>GROUP "/” </a:t>
             </a:r>
           </a:p>
           <a:p>
@@ -32279,11 +31521,7 @@
             </a:pPr>
             <a:r>
               <a:rPr lang="en-US" sz="1800" dirty="0" smtClean="0"/>
-              <a:t>   ATTRIBUTE </a:t>
-            </a:r>
-            <a:r>
-              <a:rPr lang="en-US" sz="1800" dirty="0" smtClean="0"/>
-              <a:t>"</a:t>
+              <a:t>   ATTRIBUTE "</a:t>
             </a:r>
             <a:r>
               <a:rPr lang="en-US" sz="1800" dirty="0" err="1" smtClean="0"/>
@@ -32308,11 +31546,7 @@
             </a:pPr>
             <a:r>
               <a:rPr lang="en-US" sz="1800" dirty="0" smtClean="0"/>
-              <a:t>   ATTRIBUTE </a:t>
-            </a:r>
-            <a:r>
-              <a:rPr lang="en-US" sz="1800" dirty="0" smtClean="0"/>
-              <a:t>"</a:t>
+              <a:t>   ATTRIBUTE "</a:t>
             </a:r>
             <a:r>
               <a:rPr lang="en-US" sz="1800" dirty="0" err="1" smtClean="0"/>
@@ -32337,11 +31571,7 @@
             </a:pPr>
             <a:r>
               <a:rPr lang="en-US" sz="1800" dirty="0" smtClean="0"/>
-              <a:t>   ATTRIBUTE </a:t>
-            </a:r>
-            <a:r>
-              <a:rPr lang="en-US" sz="1800" dirty="0" smtClean="0"/>
-              <a:t>"</a:t>
+              <a:t>   ATTRIBUTE "</a:t>
             </a:r>
             <a:r>
               <a:rPr lang="en-US" sz="1800" dirty="0" err="1" smtClean="0"/>
@@ -32366,15 +31596,7 @@
             </a:pPr>
             <a:r>
               <a:rPr lang="en-US" sz="1800" dirty="0" smtClean="0"/>
-              <a:t>   ATTRIBUTE </a:t>
-            </a:r>
-            <a:r>
-              <a:rPr lang="en-US" sz="1800" dirty="0" smtClean="0"/>
-              <a:t>"</a:t>
-            </a:r>
-            <a:r>
-              <a:rPr lang="en-US" sz="1800" dirty="0" smtClean="0"/>
-              <a:t>XP_CLASS” = “</a:t>
+              <a:t>   ATTRIBUTE "XP_CLASS” = “</a:t>
             </a:r>
             <a:r>
               <a:rPr lang="en-US" sz="1800" dirty="0" err="1" smtClean="0"/>
@@ -32391,15 +31613,7 @@
             </a:pPr>
             <a:r>
               <a:rPr lang="en-US" sz="1800" dirty="0" smtClean="0"/>
-              <a:t>GROUP "node_data</a:t>
-            </a:r>
-            <a:r>
-              <a:rPr lang="en-US" sz="1800" dirty="0" smtClean="0"/>
-              <a:t>[0]</a:t>
-            </a:r>
-            <a:r>
-              <a:rPr lang="en-US" sz="1800" dirty="0" smtClean="0"/>
-              <a:t>" </a:t>
+              <a:t>GROUP "node_data[0]" </a:t>
             </a:r>
           </a:p>
           <a:p>
@@ -32433,23 +31647,7 @@
             </a:pPr>
             <a:r>
               <a:rPr lang="en-US" sz="1800" dirty="0" smtClean="0"/>
-              <a:t>   ATTRIBUTE "labels”</a:t>
-            </a:r>
-            <a:r>
-              <a:rPr lang="en-US" sz="1800" dirty="0" smtClean="0"/>
-              <a:t> = “ion__density</a:t>
-            </a:r>
-            <a:r>
-              <a:rPr lang="en-US" sz="1800" dirty="0" smtClean="0"/>
-              <a:t>(</a:t>
-            </a:r>
-            <a:r>
-              <a:rPr lang="en-US" sz="1800" dirty="0" smtClean="0"/>
-              <a:t>2D)</a:t>
-            </a:r>
-            <a:r>
-              <a:rPr lang="en-US" sz="1800" dirty="0" smtClean="0"/>
-              <a:t>”</a:t>
+              <a:t>   ATTRIBUTE "labels” = “ion__density(2D)”</a:t>
             </a:r>
           </a:p>
           <a:p>
@@ -32467,11 +31665,7 @@
             </a:pPr>
             <a:r>
               <a:rPr lang="en-US" sz="1800" dirty="0" smtClean="0"/>
-              <a:t>   DATASET "values” (double[]</a:t>
-            </a:r>
-            <a:r>
-              <a:rPr lang="en-US" sz="1800" dirty="0" smtClean="0"/>
-              <a:t>)</a:t>
+              <a:t>   DATASET "values” (double[])</a:t>
             </a:r>
           </a:p>
           <a:p>
@@ -32550,19 +31744,7 @@
             </a:pPr>
             <a:r>
               <a:rPr lang="en-US" sz="1800" dirty="0" smtClean="0"/>
-              <a:t>GROUP </a:t>
-            </a:r>
-            <a:r>
-              <a:rPr lang="en-US" sz="1800" dirty="0" smtClean="0"/>
-              <a:t>"node_data</a:t>
-            </a:r>
-            <a:r>
-              <a:rPr lang="en-US" sz="1800" dirty="0" smtClean="0"/>
-              <a:t>[1]</a:t>
-            </a:r>
-            <a:r>
-              <a:rPr lang="en-US" sz="1800" dirty="0" smtClean="0"/>
-              <a:t>" </a:t>
+              <a:t>GROUP "node_data[1]" </a:t>
             </a:r>
           </a:p>
           <a:p>
@@ -32596,13 +31778,8 @@
             </a:pPr>
             <a:r>
               <a:rPr lang="en-US" sz="1800" dirty="0" smtClean="0"/>
-              <a:t>   ATTRIBUTE "labels” = “ion__v_par(2D</a:t>
-            </a:r>
-            <a:r>
-              <a:rPr lang="en-US" sz="1800" dirty="0" smtClean="0"/>
-              <a:t>)”</a:t>
-            </a:r>
-            <a:endParaRPr lang="en-US" sz="1800" dirty="0" smtClean="0"/>
+              <a:t>   ATTRIBUTE "labels” = “ion__v_par(2D)”</a:t>
+            </a:r>
           </a:p>
           <a:p>
             <a:pPr>
@@ -32642,19 +31819,7 @@
             </a:pPr>
             <a:r>
               <a:rPr lang="en-US" sz="1800" dirty="0" smtClean="0"/>
-              <a:t>GROUP </a:t>
-            </a:r>
-            <a:r>
-              <a:rPr lang="en-US" sz="1800" dirty="0" smtClean="0"/>
-              <a:t>"node_data</a:t>
-            </a:r>
-            <a:r>
-              <a:rPr lang="en-US" sz="1800" dirty="0" smtClean="0"/>
-              <a:t>[2]</a:t>
-            </a:r>
-            <a:r>
-              <a:rPr lang="en-US" sz="1800" dirty="0" smtClean="0"/>
-              <a:t>" </a:t>
+              <a:t>GROUP "node_data[2]" </a:t>
             </a:r>
           </a:p>
           <a:p>
@@ -32688,28 +31853,16 @@
             </a:pPr>
             <a:r>
               <a:rPr lang="en-US" sz="1800" dirty="0" smtClean="0"/>
-              <a:t>   ATTRIBUTE "labels” = “ion__v_ExB-Z(</a:t>
-            </a:r>
+              <a:t>   ATTRIBUTE "labels” = “ion__v_ExB-Z(2D)”</a:t>
+            </a:r>
+          </a:p>
+          <a:p>
+            <a:pPr>
+              <a:buNone/>
+            </a:pPr>
             <a:r>
               <a:rPr lang="en-US" sz="1800" dirty="0" smtClean="0"/>
-              <a:t>2D)</a:t>
-            </a:r>
-            <a:r>
-              <a:rPr lang="en-US" sz="1800" dirty="0" smtClean="0"/>
-              <a:t>”</a:t>
-            </a:r>
-          </a:p>
-          <a:p>
-            <a:pPr>
-              <a:buNone/>
-            </a:pPr>
-            <a:r>
-              <a:rPr lang="en-US" sz="1800" dirty="0" smtClean="0"/>
-              <a:t>   ATTRIBUTE "units"  = </a:t>
-            </a:r>
-            <a:r>
-              <a:rPr lang="en-US" sz="1800" dirty="0" smtClean="0"/>
-              <a:t> ”</a:t>
+              <a:t>   ATTRIBUTE "units"  =  ”</a:t>
             </a:r>
             <a:r>
               <a:rPr lang="en-US" sz="1800" dirty="0" err="1" smtClean="0"/>
@@ -32719,7 +31872,6 @@
               <a:rPr lang="en-US" sz="1800" dirty="0" smtClean="0"/>
               <a:t>"</a:t>
             </a:r>
-            <a:endParaRPr lang="en-US" sz="1800" dirty="0" smtClean="0"/>
           </a:p>
           <a:p>
             <a:pPr>
@@ -32727,11 +31879,7 @@
             </a:pPr>
             <a:r>
               <a:rPr lang="en-US" sz="1800" dirty="0" smtClean="0"/>
-              <a:t>   DATASET "values” (double[]</a:t>
-            </a:r>
-            <a:r>
-              <a:rPr lang="en-US" sz="1800" dirty="0" smtClean="0"/>
-              <a:t>)</a:t>
+              <a:t>   DATASET "values” (double[])</a:t>
             </a:r>
           </a:p>
           <a:p>
@@ -32992,19 +32140,7 @@
             </a:pPr>
             <a:r>
               <a:rPr lang="en-US" sz="1800" dirty="0" smtClean="0"/>
-              <a:t>GROUP </a:t>
-            </a:r>
-            <a:r>
-              <a:rPr lang="en-US" sz="1800" dirty="0" smtClean="0"/>
-              <a:t>"node_data</a:t>
-            </a:r>
-            <a:r>
-              <a:rPr lang="en-US" sz="1800" dirty="0" smtClean="0"/>
-              <a:t>[3]</a:t>
-            </a:r>
-            <a:r>
-              <a:rPr lang="en-US" sz="1800" dirty="0" smtClean="0"/>
-              <a:t>" </a:t>
+              <a:t>GROUP "node_data[3]" </a:t>
             </a:r>
           </a:p>
           <a:p>
@@ -33079,19 +32215,7 @@
             </a:pPr>
             <a:r>
               <a:rPr lang="en-US" sz="1800" dirty="0" smtClean="0"/>
-              <a:t>GROUP </a:t>
-            </a:r>
-            <a:r>
-              <a:rPr lang="en-US" sz="1800" dirty="0" smtClean="0"/>
-              <a:t>"node_data</a:t>
-            </a:r>
-            <a:r>
-              <a:rPr lang="en-US" sz="1800" dirty="0" smtClean="0"/>
-              <a:t>[4]</a:t>
-            </a:r>
-            <a:r>
-              <a:rPr lang="en-US" sz="1800" dirty="0" smtClean="0"/>
-              <a:t>" </a:t>
+              <a:t>GROUP "node_data[4]" </a:t>
             </a:r>
           </a:p>
           <a:p>
@@ -33151,11 +32275,7 @@
             </a:pPr>
             <a:r>
               <a:rPr lang="en-US" sz="1800" dirty="0" smtClean="0"/>
-              <a:t>   DATASET "values” (double[]</a:t>
-            </a:r>
-            <a:r>
-              <a:rPr lang="en-US" sz="1800" dirty="0" smtClean="0"/>
-              <a:t>)</a:t>
+              <a:t>   DATASET "values” (double[])</a:t>
             </a:r>
           </a:p>
           <a:p>
@@ -33405,24 +32525,16 @@
             </a:r>
             <a:r>
               <a:rPr lang="en-US" sz="2000" dirty="0" smtClean="0"/>
-              <a:t>" type="integer"  /</a:t>
-            </a:r>
+              <a:t>" type="integer"  /&gt;</a:t>
+            </a:r>
+          </a:p>
+          <a:p>
+            <a:pPr>
+              <a:buNone/>
+            </a:pPr>
             <a:r>
               <a:rPr lang="en-US" sz="2000" dirty="0" smtClean="0"/>
-              <a:t>&gt;</a:t>
-            </a:r>
-          </a:p>
-          <a:p>
-            <a:pPr>
-              <a:buNone/>
-            </a:pPr>
-            <a:r>
-              <a:rPr lang="en-US" sz="2000" dirty="0" smtClean="0"/>
-              <a:t>  </a:t>
-            </a:r>
-            <a:r>
-              <a:rPr lang="en-US" sz="2000" dirty="0" smtClean="0"/>
-              <a:t>&lt;</a:t>
+              <a:t>  &lt;</a:t>
             </a:r>
             <a:r>
               <a:rPr lang="en-US" sz="2000" dirty="0" err="1" smtClean="0"/>
@@ -33471,11 +32583,7 @@
             </a:r>
             <a:r>
               <a:rPr lang="en-US" sz="2000" dirty="0" smtClean="0"/>
-              <a:t>" path="/node_data[5]/"</a:t>
-            </a:r>
-            <a:r>
-              <a:rPr lang="en-US" sz="2000" dirty="0" smtClean="0"/>
-              <a:t> </a:t>
+              <a:t>" path="/node_data[5]/" </a:t>
             </a:r>
             <a:r>
               <a:rPr lang="en-US" sz="2000" dirty="0" err="1" smtClean="0"/>
@@ -33491,11 +32599,7 @@
             </a:r>
             <a:r>
               <a:rPr lang="en-US" sz="2000" dirty="0" smtClean="0"/>
-              <a:t>” type=“integer” /</a:t>
-            </a:r>
-            <a:r>
-              <a:rPr lang="en-US" sz="2000" dirty="0" smtClean="0"/>
-              <a:t>&gt;</a:t>
+              <a:t>” type=“integer” /&gt;</a:t>
             </a:r>
           </a:p>
           <a:p>
@@ -34908,19 +34012,11 @@
             </a:pPr>
             <a:r>
               <a:rPr lang="en-US" sz="2200" dirty="0" smtClean="0"/>
-              <a:t> filename=</a:t>
-            </a:r>
-            <a:r>
-              <a:rPr lang="en-US" sz="2200" dirty="0" smtClean="0"/>
-              <a:t>"</a:t>
+              <a:t> filename="</a:t>
             </a:r>
             <a:r>
               <a:rPr lang="en-US" sz="2200" dirty="0" err="1" smtClean="0"/>
-              <a:t>flowdiag.</a:t>
-            </a:r>
-            <a:r>
-              <a:rPr lang="en-US" sz="2200" dirty="0" err="1" smtClean="0"/>
-              <a:t>bp</a:t>
+              <a:t>flowdiag.bp</a:t>
             </a:r>
             <a:r>
               <a:rPr lang="en-US" sz="2200" dirty="0" smtClean="0"/>
@@ -34945,33 +34041,16 @@
             </a:r>
             <a:r>
               <a:rPr lang="en-US" sz="2200" dirty="0" smtClean="0"/>
-              <a:t>(buf_id,"diagnosis.</a:t>
-            </a:r>
-            <a:r>
-              <a:rPr lang="en-US" sz="2200" dirty="0" smtClean="0"/>
-              <a:t>flow</a:t>
-            </a:r>
-            <a:r>
-              <a:rPr lang="en-US" sz="2200" dirty="0" smtClean="0"/>
-              <a:t>”, </a:t>
+              <a:t>(buf_id,"diagnosis.flow”, </a:t>
             </a:r>
             <a:r>
               <a:rPr lang="en-US" sz="2200" dirty="0" err="1" smtClean="0"/>
-              <a:t>filename,</a:t>
-            </a:r>
-            <a:r>
-              <a:rPr lang="en-US" sz="2200" dirty="0" err="1" smtClean="0"/>
-              <a:t>"</a:t>
-            </a:r>
-            <a:r>
-              <a:rPr lang="en-US" sz="2200" dirty="0" err="1" smtClean="0"/>
-              <a:t>a</a:t>
+              <a:t>filename,"a</a:t>
             </a:r>
             <a:r>
               <a:rPr lang="en-US" sz="2200" dirty="0" smtClean="0"/>
               <a:t>”)</a:t>
             </a:r>
-            <a:endParaRPr lang="en-US" sz="2200" dirty="0" smtClean="0"/>
           </a:p>
           <a:p>
             <a:pPr>
@@ -35256,7 +34335,15 @@
                   <a:srgbClr val="008000"/>
                 </a:solidFill>
               </a:rPr>
-              <a:t>=</a:t>
+              <a:t>="</a:t>
+            </a:r>
+            <a:r>
+              <a:rPr lang="en-US" sz="1800" dirty="0" err="1" smtClean="0">
+                <a:solidFill>
+                  <a:srgbClr val="008000"/>
+                </a:solidFill>
+              </a:rPr>
+              <a:t>if(istep</a:t>
             </a:r>
             <a:r>
               <a:rPr lang="en-US" sz="1800" dirty="0" smtClean="0">
@@ -35264,7 +34351,7 @@
                   <a:srgbClr val="008000"/>
                 </a:solidFill>
               </a:rPr>
-              <a:t>"</a:t>
+              <a:t>==</a:t>
             </a:r>
             <a:r>
               <a:rPr lang="en-US" sz="1800" dirty="0" err="1" smtClean="0">
@@ -35272,7 +34359,7 @@
                   <a:srgbClr val="008000"/>
                 </a:solidFill>
               </a:rPr>
-              <a:t>if(istep</a:t>
+              <a:t>diag_flow_period</a:t>
             </a:r>
             <a:r>
               <a:rPr lang="en-US" sz="1800" dirty="0" smtClean="0">
@@ -35280,29 +34367,8 @@
                   <a:srgbClr val="008000"/>
                 </a:solidFill>
               </a:rPr>
-              <a:t>==</a:t>
-            </a:r>
-            <a:r>
-              <a:rPr lang="en-US" sz="1800" dirty="0" err="1" smtClean="0">
-                <a:solidFill>
-                  <a:srgbClr val="008000"/>
-                </a:solidFill>
-              </a:rPr>
-              <a:t>diag_flow_period</a:t>
-            </a:r>
-            <a:r>
-              <a:rPr lang="en-US" sz="1800" dirty="0" smtClean="0">
-                <a:solidFill>
-                  <a:srgbClr val="008000"/>
-                </a:solidFill>
-              </a:rPr>
               <a:t>) then"/&gt;</a:t>
             </a:r>
-            <a:endParaRPr lang="en-US" sz="1800" dirty="0" smtClean="0">
-              <a:solidFill>
-                <a:srgbClr val="008000"/>
-              </a:solidFill>
-            </a:endParaRPr>
           </a:p>
           <a:p>
             <a:pPr>
@@ -35371,15 +34437,7 @@
                   <a:srgbClr val="008000"/>
                 </a:solidFill>
               </a:rPr>
-              <a:t>=</a:t>
-            </a:r>
-            <a:r>
-              <a:rPr lang="en-US" sz="1800" dirty="0" smtClean="0">
-                <a:solidFill>
-                  <a:srgbClr val="008000"/>
-                </a:solidFill>
-              </a:rPr>
-              <a:t>"</a:t>
+              <a:t>="</a:t>
             </a:r>
             <a:r>
               <a:rPr lang="en-US" sz="1800" dirty="0" err="1" smtClean="0">
@@ -35680,11 +34738,7 @@
             </a:r>
             <a:r>
               <a:rPr lang="en-US" dirty="0" smtClean="0"/>
-              <a:t> Original </a:t>
-            </a:r>
-            <a:r>
-              <a:rPr lang="en-US" dirty="0" smtClean="0"/>
-              <a:t>Schema</a:t>
+              <a:t> Original Schema</a:t>
             </a:r>
             <a:endParaRPr lang="en-US" dirty="0"/>
           </a:p>
@@ -35914,13 +34968,8 @@
             </a:r>
             <a:r>
               <a:rPr lang="en-US" dirty="0" smtClean="0"/>
-              <a:t>" </a:t>
-            </a:r>
-            <a:r>
-              <a:rPr lang="en-US" dirty="0" smtClean="0"/>
-              <a:t>;</a:t>
-            </a:r>
-            <a:endParaRPr lang="en-US" dirty="0" smtClean="0"/>
+              <a:t>" ;</a:t>
+            </a:r>
           </a:p>
         </p:txBody>
       </p:sp>
@@ -36412,11 +35461,7 @@
             </a:r>
             <a:r>
               <a:rPr lang="en-US" dirty="0" smtClean="0"/>
-              <a:t> </a:t>
-            </a:r>
-            <a:r>
-              <a:rPr lang="en-US" dirty="0" smtClean="0"/>
-              <a:t>with ADIOS</a:t>
+              <a:t> with ADIOS</a:t>
             </a:r>
             <a:endParaRPr lang="en-US" dirty="0"/>
           </a:p>
@@ -36447,23 +35492,11 @@
             </a:pPr>
             <a:r>
               <a:rPr lang="en-US" sz="2200" dirty="0" smtClean="0"/>
-              <a:t> filename=</a:t>
-            </a:r>
-            <a:r>
-              <a:rPr lang="en-US" sz="2200" dirty="0" smtClean="0"/>
-              <a:t>"</a:t>
+              <a:t> filename="</a:t>
             </a:r>
             <a:r>
               <a:rPr lang="en-US" sz="2200" dirty="0" err="1" smtClean="0"/>
-              <a:t>fluxdiag</a:t>
-            </a:r>
-            <a:r>
-              <a:rPr lang="en-US" sz="2200" dirty="0" err="1" smtClean="0"/>
-              <a:t>.</a:t>
-            </a:r>
-            <a:r>
-              <a:rPr lang="en-US" sz="2200" dirty="0" err="1" smtClean="0"/>
-              <a:t>bp</a:t>
+              <a:t>fluxdiag.bp</a:t>
             </a:r>
             <a:r>
               <a:rPr lang="en-US" sz="2200" dirty="0" smtClean="0"/>
@@ -36488,25 +35521,12 @@
             </a:r>
             <a:r>
               <a:rPr lang="en-US" sz="2200" dirty="0" err="1" smtClean="0"/>
-              <a:t>(buf_id,"diagnosis.</a:t>
-            </a:r>
-            <a:r>
-              <a:rPr lang="en-US" sz="2200" dirty="0" err="1" smtClean="0"/>
-              <a:t>flux”,filename,</a:t>
-            </a:r>
-            <a:r>
-              <a:rPr lang="en-US" sz="2200" dirty="0" err="1" smtClean="0"/>
-              <a:t>"</a:t>
-            </a:r>
-            <a:r>
-              <a:rPr lang="en-US" sz="2200" dirty="0" err="1" smtClean="0"/>
-              <a:t>a</a:t>
+              <a:t>(buf_id,"diagnosis.flux”,filename,"a</a:t>
             </a:r>
             <a:r>
               <a:rPr lang="en-US" sz="2200" dirty="0" smtClean="0"/>
               <a:t>”)</a:t>
             </a:r>
-            <a:endParaRPr lang="en-US" sz="2200" dirty="0" smtClean="0"/>
           </a:p>
           <a:p>
             <a:pPr>
@@ -36526,19 +35546,11 @@
             </a:r>
             <a:r>
               <a:rPr lang="en-US" sz="2200" dirty="0" err="1" smtClean="0"/>
-              <a:t>(buf_id,"diagnosis.</a:t>
-            </a:r>
-            <a:r>
-              <a:rPr lang="en-US" sz="2200" dirty="0" err="1" smtClean="0"/>
-              <a:t>flux</a:t>
+              <a:t>(buf_id,"diagnosis.flux</a:t>
             </a:r>
             <a:r>
               <a:rPr lang="en-US" sz="2200" dirty="0" smtClean="0"/>
-              <a:t>"</a:t>
-            </a:r>
-            <a:r>
-              <a:rPr lang="en-US" sz="2200" dirty="0" smtClean="0"/>
-              <a:t>)</a:t>
+              <a:t>")</a:t>
             </a:r>
           </a:p>
           <a:p>
@@ -36740,101 +35752,93 @@
             </a:r>
             <a:r>
               <a:rPr lang="en-US" sz="1600" dirty="0" smtClean="0"/>
-              <a:t>"/</a:t>
-            </a:r>
+              <a:t>"/&gt;</a:t>
+            </a:r>
+          </a:p>
+          <a:p>
+            <a:pPr>
+              <a:buNone/>
+            </a:pPr>
+            <a:r>
+              <a:rPr lang="en-US" sz="1600" dirty="0" smtClean="0">
+                <a:solidFill>
+                  <a:srgbClr val="014D2E"/>
+                </a:solidFill>
+              </a:rPr>
+              <a:t>  &lt;</a:t>
+            </a:r>
+            <a:r>
+              <a:rPr lang="en-US" sz="1600" dirty="0" err="1" smtClean="0">
+                <a:solidFill>
+                  <a:srgbClr val="014D2E"/>
+                </a:solidFill>
+              </a:rPr>
+              <a:t>gwrite</a:t>
+            </a:r>
+            <a:r>
+              <a:rPr lang="en-US" sz="1600" dirty="0" smtClean="0">
+                <a:solidFill>
+                  <a:srgbClr val="014D2E"/>
+                </a:solidFill>
+              </a:rPr>
+              <a:t> </a:t>
+            </a:r>
+            <a:r>
+              <a:rPr lang="en-US" sz="1600" dirty="0" err="1" smtClean="0">
+                <a:solidFill>
+                  <a:srgbClr val="014D2E"/>
+                </a:solidFill>
+              </a:rPr>
+              <a:t>src</a:t>
+            </a:r>
+            <a:r>
+              <a:rPr lang="en-US" sz="1600" dirty="0" smtClean="0">
+                <a:solidFill>
+                  <a:srgbClr val="014D2E"/>
+                </a:solidFill>
+              </a:rPr>
+              <a:t>="</a:t>
+            </a:r>
+            <a:r>
+              <a:rPr lang="en-US" sz="1600" dirty="0" err="1" smtClean="0">
+                <a:solidFill>
+                  <a:srgbClr val="014D2E"/>
+                </a:solidFill>
+              </a:rPr>
+              <a:t>if(istep</a:t>
+            </a:r>
+            <a:r>
+              <a:rPr lang="en-US" sz="1600" dirty="0" smtClean="0">
+                <a:solidFill>
+                  <a:srgbClr val="014D2E"/>
+                </a:solidFill>
+              </a:rPr>
+              <a:t>==</a:t>
+            </a:r>
+            <a:r>
+              <a:rPr lang="en-US" sz="1600" dirty="0" err="1" smtClean="0">
+                <a:solidFill>
+                  <a:srgbClr val="014D2E"/>
+                </a:solidFill>
+              </a:rPr>
+              <a:t>diag_avg_outperiod</a:t>
+            </a:r>
+            <a:r>
+              <a:rPr lang="en-US" sz="1600" dirty="0" smtClean="0">
+                <a:solidFill>
+                  <a:srgbClr val="014D2E"/>
+                </a:solidFill>
+              </a:rPr>
+              <a:t>) then"/&gt;</a:t>
+            </a:r>
+          </a:p>
+          <a:p>
+            <a:pPr>
+              <a:buNone/>
+            </a:pPr>
             <a:r>
               <a:rPr lang="en-US" sz="1600" dirty="0" smtClean="0"/>
-              <a:t>&gt;</a:t>
-            </a:r>
-          </a:p>
-          <a:p>
-            <a:pPr>
-              <a:buNone/>
-            </a:pPr>
-            <a:r>
-              <a:rPr lang="en-US" sz="1600" dirty="0" smtClean="0">
-                <a:solidFill>
-                  <a:srgbClr val="014D2E"/>
-                </a:solidFill>
-              </a:rPr>
-              <a:t>  &lt;</a:t>
-            </a:r>
-            <a:r>
-              <a:rPr lang="en-US" sz="1600" dirty="0" err="1" smtClean="0">
-                <a:solidFill>
-                  <a:srgbClr val="014D2E"/>
-                </a:solidFill>
-              </a:rPr>
-              <a:t>gwrite</a:t>
-            </a:r>
-            <a:r>
-              <a:rPr lang="en-US" sz="1600" dirty="0" smtClean="0">
-                <a:solidFill>
-                  <a:srgbClr val="014D2E"/>
-                </a:solidFill>
-              </a:rPr>
-              <a:t> </a:t>
-            </a:r>
-            <a:r>
-              <a:rPr lang="en-US" sz="1600" dirty="0" err="1" smtClean="0">
-                <a:solidFill>
-                  <a:srgbClr val="014D2E"/>
-                </a:solidFill>
-              </a:rPr>
-              <a:t>src</a:t>
-            </a:r>
-            <a:r>
-              <a:rPr lang="en-US" sz="1600" dirty="0" smtClean="0">
-                <a:solidFill>
-                  <a:srgbClr val="014D2E"/>
-                </a:solidFill>
-              </a:rPr>
-              <a:t>="</a:t>
-            </a:r>
-            <a:r>
-              <a:rPr lang="en-US" sz="1600" dirty="0" err="1" smtClean="0">
-                <a:solidFill>
-                  <a:srgbClr val="014D2E"/>
-                </a:solidFill>
-              </a:rPr>
-              <a:t>if(istep</a:t>
-            </a:r>
-            <a:r>
-              <a:rPr lang="en-US" sz="1600" dirty="0" smtClean="0">
-                <a:solidFill>
-                  <a:srgbClr val="014D2E"/>
-                </a:solidFill>
-              </a:rPr>
-              <a:t>==</a:t>
-            </a:r>
-            <a:r>
-              <a:rPr lang="en-US" sz="1600" dirty="0" err="1" smtClean="0">
-                <a:solidFill>
-                  <a:srgbClr val="014D2E"/>
-                </a:solidFill>
-              </a:rPr>
-              <a:t>diag_avg_outperiod</a:t>
-            </a:r>
-            <a:r>
-              <a:rPr lang="en-US" sz="1600" dirty="0" smtClean="0">
-                <a:solidFill>
-                  <a:srgbClr val="014D2E"/>
-                </a:solidFill>
-              </a:rPr>
-              <a:t>) then"/&gt;</a:t>
-            </a:r>
-          </a:p>
-          <a:p>
-            <a:pPr>
-              <a:buNone/>
-            </a:pPr>
-            <a:r>
-              <a:rPr lang="en-US" sz="1600" dirty="0" smtClean="0"/>
-              <a:t> </a:t>
-            </a:r>
-            <a:r>
-              <a:rPr lang="en-US" sz="1600" dirty="0" smtClean="0"/>
-              <a:t>   &lt;</a:t>
+              <a:t>    &lt;</a:t>
             </a:r>
             <a:r>
               <a:rPr lang="en-US" sz="1600" dirty="0" err="1" smtClean="0"/>
@@ -36963,11 +35967,7 @@
             </a:pPr>
             <a:r>
               <a:rPr lang="en-US" sz="1600" dirty="0" smtClean="0"/>
-              <a:t>  &lt;attribute name="units"  path="time" value="transit times"/</a:t>
-            </a:r>
-            <a:r>
-              <a:rPr lang="en-US" sz="1600" dirty="0" smtClean="0"/>
-              <a:t>&gt;</a:t>
+              <a:t>  &lt;attribute name="units"  path="time" value="transit times"/&gt;</a:t>
             </a:r>
           </a:p>
           <a:p>
@@ -37025,11 +36025,7 @@
             </a:r>
             <a:r>
               <a:rPr lang="en-US" sz="1600" dirty="0" smtClean="0"/>
-              <a:t>" /</a:t>
-            </a:r>
-            <a:r>
-              <a:rPr lang="en-US" sz="1600" dirty="0" smtClean="0"/>
-              <a:t>&gt;</a:t>
+              <a:t>" /&gt;</a:t>
             </a:r>
           </a:p>
           <a:p>
@@ -37087,11 +36083,7 @@
             </a:r>
             <a:r>
               <a:rPr lang="en-US" sz="1600" dirty="0" smtClean="0"/>
-              <a:t>" /</a:t>
-            </a:r>
-            <a:r>
-              <a:rPr lang="en-US" sz="1600" dirty="0" smtClean="0"/>
-              <a:t>&gt;</a:t>
+              <a:t>" /&gt;</a:t>
             </a:r>
           </a:p>
           <a:p>
@@ -37104,15 +36096,7 @@
                 <a:ea typeface="Wingdings"/>
                 <a:cs typeface="Wingdings"/>
               </a:rPr>
-              <a:t></a:t>
-            </a:r>
-            <a:r>
-              <a:rPr lang="en-US" sz="1600" dirty="0" err="1" smtClean="0">
-                <a:latin typeface="Wingdings"/>
-                <a:ea typeface="Wingdings"/>
-                <a:cs typeface="Wingdings"/>
-              </a:rPr>
-              <a:t></a:t>
+              <a:t></a:t>
             </a:r>
             <a:endParaRPr lang="en-US" sz="1600" dirty="0"/>
           </a:p>
@@ -37178,11 +36162,7 @@
             </a:r>
             <a:r>
               <a:rPr lang="en-US" dirty="0" smtClean="0"/>
-              <a:t>: Original </a:t>
-            </a:r>
-            <a:r>
-              <a:rPr lang="en-US" dirty="0" smtClean="0"/>
-              <a:t>Schema</a:t>
+              <a:t>: Original Schema</a:t>
             </a:r>
             <a:endParaRPr lang="en-US" dirty="0"/>
           </a:p>
@@ -37315,19 +36295,11 @@
             </a:pPr>
             <a:r>
               <a:rPr lang="en-US" dirty="0" smtClean="0"/>
-              <a:t>        double</a:t>
-            </a:r>
-            <a:r>
-              <a:rPr lang="en-US" dirty="0" smtClean="0"/>
-              <a:t> </a:t>
+              <a:t>        double </a:t>
             </a:r>
             <a:r>
               <a:rPr lang="en-US" dirty="0" err="1" smtClean="0"/>
-              <a:t>ion__radial_flux(</a:t>
-            </a:r>
-            <a:r>
-              <a:rPr lang="en-US" dirty="0" err="1" smtClean="0"/>
-              <a:t>avg</a:t>
+              <a:t>ion__radial_flux(avg</a:t>
             </a:r>
             <a:r>
               <a:rPr lang="en-US" dirty="0" smtClean="0"/>
@@ -37352,19 +36324,11 @@
             </a:r>
             <a:r>
               <a:rPr lang="en-US" dirty="0" smtClean="0"/>
-              <a:t>) :</a:t>
-            </a:r>
-            <a:r>
-              <a:rPr lang="en-US" dirty="0" smtClean="0"/>
-              <a:t>units = “</a:t>
+              <a:t>) :units = “</a:t>
             </a:r>
             <a:r>
               <a:rPr lang="en-US" dirty="0" err="1" smtClean="0"/>
-              <a:t>psi</a:t>
-            </a:r>
-            <a:r>
-              <a:rPr lang="en-US" dirty="0" err="1" smtClean="0"/>
-              <a:t>/s</a:t>
+              <a:t>psi/s</a:t>
             </a:r>
             <a:r>
               <a:rPr lang="en-US" dirty="0" smtClean="0"/>
@@ -37377,15 +36341,7 @@
             </a:pPr>
             <a:r>
               <a:rPr lang="en-US" dirty="0" smtClean="0"/>
-              <a:t>        </a:t>
-            </a:r>
-            <a:r>
-              <a:rPr lang="en-US" dirty="0" smtClean="0"/>
-              <a:t>double</a:t>
-            </a:r>
-            <a:r>
-              <a:rPr lang="en-US" dirty="0" smtClean="0"/>
-              <a:t> </a:t>
+              <a:t>        double </a:t>
             </a:r>
             <a:r>
               <a:rPr lang="en-US" dirty="0" err="1" smtClean="0"/>
@@ -37403,7 +36359,6 @@
               <a:rPr lang="en-US" dirty="0" smtClean="0"/>
               <a:t>, samples) ;</a:t>
             </a:r>
-            <a:endParaRPr lang="en-US" dirty="0" smtClean="0"/>
           </a:p>
           <a:p>
             <a:pPr>
@@ -37415,23 +36370,11 @@
             </a:r>
             <a:r>
               <a:rPr lang="en-US" dirty="0" smtClean="0"/>
-              <a:t>) :</a:t>
-            </a:r>
-            <a:r>
-              <a:rPr lang="en-US" dirty="0" smtClean="0"/>
-              <a:t>units =</a:t>
-            </a:r>
-            <a:r>
-              <a:rPr lang="en-US" dirty="0" smtClean="0"/>
-              <a:t> ”J </a:t>
+              <a:t>) :units = ”J </a:t>
             </a:r>
             <a:r>
               <a:rPr lang="en-US" dirty="0" err="1" smtClean="0"/>
-              <a:t>psi/</a:t>
-            </a:r>
-            <a:r>
-              <a:rPr lang="en-US" dirty="0" err="1" smtClean="0"/>
-              <a:t>s</a:t>
+              <a:t>psi/s</a:t>
             </a:r>
             <a:r>
               <a:rPr lang="en-US" dirty="0" smtClean="0"/>
@@ -37444,11 +36387,7 @@
             </a:pPr>
             <a:r>
               <a:rPr lang="en-US" dirty="0" smtClean="0"/>
-              <a:t>        double</a:t>
-            </a:r>
-            <a:r>
-              <a:rPr lang="en-US" dirty="0" smtClean="0"/>
-              <a:t> </a:t>
+              <a:t>        double </a:t>
             </a:r>
             <a:r>
               <a:rPr lang="en-US" dirty="0" err="1" smtClean="0"/>
@@ -37466,7 +36405,6 @@
               <a:rPr lang="en-US" dirty="0" smtClean="0"/>
               <a:t>, samples) ;</a:t>
             </a:r>
-            <a:endParaRPr lang="en-US" dirty="0" smtClean="0"/>
           </a:p>
           <a:p>
             <a:pPr>
@@ -37474,35 +36412,19 @@
             </a:pPr>
             <a:r>
               <a:rPr lang="en-US" dirty="0" err="1" smtClean="0"/>
-              <a:t>ion__radial_E_perp_flux(avg):</a:t>
+              <a:t>ion__radial_E_perp_flux(avg):units</a:t>
+            </a:r>
+            <a:r>
+              <a:rPr lang="en-US" dirty="0" smtClean="0"/>
+              <a:t> = ”J </a:t>
             </a:r>
             <a:r>
               <a:rPr lang="en-US" dirty="0" err="1" smtClean="0"/>
-              <a:t>units</a:t>
+              <a:t>psi/s</a:t>
             </a:r>
             <a:r>
               <a:rPr lang="en-US" dirty="0" smtClean="0"/>
-              <a:t> =</a:t>
-            </a:r>
-            <a:r>
-              <a:rPr lang="en-US" dirty="0" smtClean="0"/>
-              <a:t> ”J </a:t>
-            </a:r>
-            <a:r>
-              <a:rPr lang="en-US" dirty="0" err="1" smtClean="0"/>
-              <a:t>psi/</a:t>
-            </a:r>
-            <a:r>
-              <a:rPr lang="en-US" dirty="0" err="1" smtClean="0"/>
-              <a:t>s</a:t>
-            </a:r>
-            <a:r>
-              <a:rPr lang="en-US" dirty="0" smtClean="0"/>
-              <a:t>" </a:t>
-            </a:r>
-            <a:r>
-              <a:rPr lang="en-US" dirty="0" smtClean="0"/>
-              <a:t>;       </a:t>
+              <a:t>" ;       </a:t>
             </a:r>
           </a:p>
         </p:txBody>
@@ -37556,19 +36478,11 @@
           <a:p>
             <a:r>
               <a:rPr lang="en-US" dirty="0" smtClean="0"/>
-              <a:t>Bp2ncdxgc </a:t>
-            </a:r>
-            <a:r>
-              <a:rPr lang="en-US" dirty="0" smtClean="0"/>
-              <a:t> </a:t>
+              <a:t>Bp2ncdxgc  </a:t>
             </a:r>
             <a:r>
               <a:rPr lang="en-US" dirty="0" err="1" smtClean="0"/>
-              <a:t>fluxdiag.</a:t>
-            </a:r>
-            <a:r>
-              <a:rPr lang="en-US" dirty="0" err="1" smtClean="0"/>
-              <a:t>bp</a:t>
+              <a:t>fluxdiag.bp</a:t>
             </a:r>
             <a:endParaRPr lang="en-US" dirty="0"/>
           </a:p>
@@ -37616,7 +36530,6 @@
               <a:rPr lang="en-US" sz="1600" dirty="0" smtClean="0"/>
               <a:t>dimensions:</a:t>
             </a:r>
-            <a:endParaRPr lang="en-US" sz="1600" dirty="0" smtClean="0"/>
           </a:p>
           <a:p>
             <a:pPr>
@@ -37632,11 +36545,7 @@
             </a:r>
             <a:r>
               <a:rPr lang="en-US" sz="1600" dirty="0" smtClean="0"/>
-              <a:t> </a:t>
-            </a:r>
-            <a:r>
-              <a:rPr lang="en-US" sz="1600" dirty="0" smtClean="0"/>
-              <a:t>= UNLIMITED ; // (12 currently)</a:t>
+              <a:t> = UNLIMITED ; // (12 currently)</a:t>
             </a:r>
           </a:p>
           <a:p>
@@ -37647,7 +36556,6 @@
               <a:rPr lang="en-US" sz="1600" dirty="0" smtClean="0"/>
               <a:t>        psi_0 = 50 ;</a:t>
             </a:r>
-            <a:endParaRPr lang="en-US" sz="1600" dirty="0" smtClean="0"/>
           </a:p>
           <a:p>
             <a:pPr>
@@ -37655,15 +36563,7 @@
             </a:pPr>
             <a:r>
               <a:rPr lang="en-US" sz="1600" dirty="0" smtClean="0"/>
-              <a:t>        ion__radial_flux</a:t>
-            </a:r>
-            <a:r>
-              <a:rPr lang="en-US" sz="1600" dirty="0" smtClean="0"/>
-              <a:t>(avg)_0= </a:t>
-            </a:r>
-            <a:r>
-              <a:rPr lang="en-US" sz="1600" dirty="0" smtClean="0"/>
-              <a:t>50 ; </a:t>
+              <a:t>        ion__radial_flux(avg)_0= 50 ; </a:t>
             </a:r>
           </a:p>
           <a:p>
@@ -37717,19 +36617,53 @@
             </a:pPr>
             <a:r>
               <a:rPr lang="en-US" sz="1600" dirty="0" smtClean="0"/>
-              <a:t>        double</a:t>
+              <a:t>        double </a:t>
+            </a:r>
+            <a:r>
+              <a:rPr lang="en-US" sz="1600" dirty="0" err="1" smtClean="0"/>
+              <a:t>ion__radial_flux(avg)(timesteps</a:t>
             </a:r>
             <a:r>
               <a:rPr lang="en-US" sz="1600" dirty="0" smtClean="0"/>
-              <a:t> </a:t>
-            </a:r>
+              <a:t>, ion__density(avg)_0) ;</a:t>
+            </a:r>
+          </a:p>
+          <a:p>
+            <a:pPr>
+              <a:buNone/>
+            </a:pPr>
             <a:r>
               <a:rPr lang="en-US" sz="1600" dirty="0" err="1" smtClean="0"/>
-              <a:t>ion__radial_flux(avg)</a:t>
+              <a:t>ion__radial_flux(avg</a:t>
+            </a:r>
+            <a:r>
+              <a:rPr lang="en-US" sz="1600" dirty="0" smtClean="0"/>
+              <a:t>) :units = ” </a:t>
             </a:r>
             <a:r>
               <a:rPr lang="en-US" sz="1600" dirty="0" err="1" smtClean="0"/>
-              <a:t>(</a:t>
+              <a:t>psi/s</a:t>
+            </a:r>
+            <a:r>
+              <a:rPr lang="en-US" sz="1600" dirty="0" smtClean="0"/>
+              <a:t>" ;</a:t>
+            </a:r>
+          </a:p>
+          <a:p>
+            <a:pPr>
+              <a:buNone/>
+            </a:pPr>
+            <a:r>
+              <a:rPr lang="en-US" sz="1600" dirty="0" smtClean="0"/>
+              <a:t>        double </a:t>
+            </a:r>
+            <a:r>
+              <a:rPr lang="en-US" sz="1600" dirty="0" err="1" smtClean="0"/>
+              <a:t>ion__radial_E_para_flux(avg</a:t>
+            </a:r>
+            <a:r>
+              <a:rPr lang="en-US" sz="1600" dirty="0" smtClean="0"/>
+              <a:t>) (</a:t>
             </a:r>
             <a:r>
               <a:rPr lang="en-US" sz="1600" dirty="0" err="1" smtClean="0"/>
@@ -37737,41 +36671,20 @@
             </a:r>
             <a:r>
               <a:rPr lang="en-US" sz="1600" dirty="0" smtClean="0"/>
-              <a:t>, </a:t>
+              <a:t>, ion__toroidal_flow(avg)_0) ;</a:t>
+            </a:r>
+          </a:p>
+          <a:p>
+            <a:pPr>
+              <a:buNone/>
+            </a:pPr>
+            <a:r>
+              <a:rPr lang="en-US" sz="1600" dirty="0" err="1" smtClean="0"/>
+              <a:t>ion__radial_E_para_flux(avg</a:t>
             </a:r>
             <a:r>
               <a:rPr lang="en-US" sz="1600" dirty="0" smtClean="0"/>
-              <a:t>ion__density(avg)_0</a:t>
-            </a:r>
-            <a:r>
-              <a:rPr lang="en-US" sz="1600" dirty="0" smtClean="0"/>
-              <a:t>) ;</a:t>
-            </a:r>
-            <a:endParaRPr lang="en-US" sz="1600" dirty="0" smtClean="0"/>
-          </a:p>
-          <a:p>
-            <a:pPr>
-              <a:buNone/>
-            </a:pPr>
-            <a:r>
-              <a:rPr lang="en-US" sz="1600" dirty="0" err="1" smtClean="0"/>
-              <a:t>ion__radial_flux(avg</a:t>
-            </a:r>
-            <a:r>
-              <a:rPr lang="en-US" sz="1600" dirty="0" smtClean="0"/>
-              <a:t>)</a:t>
-            </a:r>
-            <a:r>
-              <a:rPr lang="en-US" sz="1600" dirty="0" smtClean="0"/>
-              <a:t> :</a:t>
-            </a:r>
-            <a:r>
-              <a:rPr lang="en-US" sz="1600" dirty="0" smtClean="0"/>
-              <a:t>units =</a:t>
-            </a:r>
-            <a:r>
-              <a:rPr lang="en-US" sz="1600" dirty="0" smtClean="0"/>
-              <a:t> ” </a:t>
+              <a:t>) :units = ” J </a:t>
             </a:r>
             <a:r>
               <a:rPr lang="en-US" sz="1600" dirty="0" err="1" smtClean="0"/>
@@ -37779,36 +36692,24 @@
             </a:r>
             <a:r>
               <a:rPr lang="en-US" sz="1600" dirty="0" smtClean="0"/>
-              <a:t>" </a:t>
-            </a:r>
+              <a:t>" ;</a:t>
+            </a:r>
+          </a:p>
+          <a:p>
+            <a:pPr>
+              <a:buNone/>
+            </a:pPr>
             <a:r>
               <a:rPr lang="en-US" sz="1600" dirty="0" smtClean="0"/>
-              <a:t>;</a:t>
-            </a:r>
-          </a:p>
-          <a:p>
-            <a:pPr>
-              <a:buNone/>
-            </a:pPr>
+              <a:t>        double </a:t>
+            </a:r>
+            <a:r>
+              <a:rPr lang="en-US" sz="1600" dirty="0" err="1" smtClean="0"/>
+              <a:t>ion__radial_E_perp_flux(avg</a:t>
+            </a:r>
             <a:r>
               <a:rPr lang="en-US" sz="1600" dirty="0" smtClean="0"/>
-              <a:t>        double</a:t>
-            </a:r>
-            <a:r>
-              <a:rPr lang="en-US" sz="1600" dirty="0" smtClean="0"/>
-              <a:t> </a:t>
-            </a:r>
-            <a:r>
-              <a:rPr lang="en-US" sz="1600" dirty="0" err="1" smtClean="0"/>
-              <a:t>ion__radial_E_para_flux(avg</a:t>
-            </a:r>
-            <a:r>
-              <a:rPr lang="en-US" sz="1600" dirty="0" smtClean="0"/>
-              <a:t>) </a:t>
-            </a:r>
-            <a:r>
-              <a:rPr lang="en-US" sz="1600" dirty="0" smtClean="0"/>
-              <a:t>(</a:t>
+              <a:t>) (</a:t>
             </a:r>
             <a:r>
               <a:rPr lang="en-US" sz="1600" dirty="0" err="1" smtClean="0"/>
@@ -37816,37 +36717,20 @@
             </a:r>
             <a:r>
               <a:rPr lang="en-US" sz="1600" dirty="0" smtClean="0"/>
-              <a:t>, </a:t>
+              <a:t>, ion__radial_E_perp_flux(avg)_0) ;</a:t>
+            </a:r>
+          </a:p>
+          <a:p>
+            <a:pPr>
+              <a:buNone/>
+            </a:pPr>
+            <a:r>
+              <a:rPr lang="en-US" sz="1600" dirty="0" err="1" smtClean="0"/>
+              <a:t>ion__radial_E_perp_flux(avg</a:t>
             </a:r>
             <a:r>
               <a:rPr lang="en-US" sz="1600" dirty="0" smtClean="0"/>
-              <a:t>ion__toroidal_flow(avg)_0</a:t>
-            </a:r>
-            <a:r>
-              <a:rPr lang="en-US" sz="1600" dirty="0" smtClean="0"/>
-              <a:t>) ;</a:t>
-            </a:r>
-            <a:endParaRPr lang="en-US" sz="1600" dirty="0" smtClean="0"/>
-          </a:p>
-          <a:p>
-            <a:pPr>
-              <a:buNone/>
-            </a:pPr>
-            <a:r>
-              <a:rPr lang="en-US" sz="1600" dirty="0" err="1" smtClean="0"/>
-              <a:t>ion__radial_E_para_flux(avg</a:t>
-            </a:r>
-            <a:r>
-              <a:rPr lang="en-US" sz="1600" dirty="0" smtClean="0"/>
-              <a:t>) :</a:t>
-            </a:r>
-            <a:r>
-              <a:rPr lang="en-US" sz="1600" dirty="0" smtClean="0"/>
-              <a:t>units =</a:t>
-            </a:r>
-            <a:r>
-              <a:rPr lang="en-US" sz="1600" dirty="0" smtClean="0"/>
-              <a:t> ” J </a:t>
+              <a:t>) :units = ” J </a:t>
             </a:r>
             <a:r>
               <a:rPr lang="en-US" sz="1600" dirty="0" err="1" smtClean="0"/>
@@ -37854,92 +36738,8 @@
             </a:r>
             <a:r>
               <a:rPr lang="en-US" sz="1600" dirty="0" smtClean="0"/>
-              <a:t>" </a:t>
-            </a:r>
-            <a:r>
-              <a:rPr lang="en-US" sz="1600" dirty="0" smtClean="0"/>
-              <a:t>;</a:t>
-            </a:r>
-          </a:p>
-          <a:p>
-            <a:pPr>
-              <a:buNone/>
-            </a:pPr>
-            <a:r>
-              <a:rPr lang="en-US" sz="1600" dirty="0" smtClean="0"/>
-              <a:t>        double</a:t>
-            </a:r>
-            <a:r>
-              <a:rPr lang="en-US" sz="1600" dirty="0" smtClean="0"/>
-              <a:t> </a:t>
-            </a:r>
-            <a:r>
-              <a:rPr lang="en-US" sz="1600" dirty="0" err="1" smtClean="0"/>
-              <a:t>ion__radial_E_perp_flux(avg</a:t>
-            </a:r>
-            <a:r>
-              <a:rPr lang="en-US" sz="1600" dirty="0" smtClean="0"/>
-              <a:t>) </a:t>
-            </a:r>
-            <a:r>
-              <a:rPr lang="en-US" sz="1600" dirty="0" smtClean="0"/>
-              <a:t>(</a:t>
-            </a:r>
-            <a:r>
-              <a:rPr lang="en-US" sz="1600" dirty="0" err="1" smtClean="0"/>
-              <a:t>timesteps</a:t>
-            </a:r>
-            <a:r>
-              <a:rPr lang="en-US" sz="1600" dirty="0" smtClean="0"/>
-              <a:t>,</a:t>
-            </a:r>
-            <a:r>
-              <a:rPr lang="en-US" sz="1600" dirty="0" smtClean="0"/>
-              <a:t> ion__radial_E_perp_flux(avg)_</a:t>
-            </a:r>
-            <a:r>
-              <a:rPr lang="en-US" sz="1600" dirty="0" smtClean="0"/>
-              <a:t>0</a:t>
-            </a:r>
-            <a:r>
-              <a:rPr lang="en-US" sz="1600" dirty="0" smtClean="0"/>
-              <a:t>) ;</a:t>
-            </a:r>
-            <a:endParaRPr lang="en-US" sz="1600" dirty="0" smtClean="0"/>
-          </a:p>
-          <a:p>
-            <a:pPr>
-              <a:buNone/>
-            </a:pPr>
-            <a:r>
-              <a:rPr lang="en-US" sz="1600" dirty="0" err="1" smtClean="0"/>
-              <a:t>ion__radial_E_perp_flux</a:t>
-            </a:r>
-            <a:r>
-              <a:rPr lang="en-US" sz="1600" dirty="0" err="1" smtClean="0"/>
-              <a:t>(</a:t>
-            </a:r>
-            <a:r>
-              <a:rPr lang="en-US" sz="1600" dirty="0" err="1" smtClean="0"/>
-              <a:t>avg</a:t>
-            </a:r>
-            <a:r>
-              <a:rPr lang="en-US" sz="1600" dirty="0" smtClean="0"/>
-              <a:t>) :units = ” J </a:t>
-            </a:r>
-            <a:r>
-              <a:rPr lang="en-US" sz="1600" dirty="0" err="1" smtClean="0"/>
-              <a:t>psi/s</a:t>
-            </a:r>
-            <a:r>
-              <a:rPr lang="en-US" sz="1600" dirty="0" smtClean="0"/>
-              <a:t>" </a:t>
-            </a:r>
-            <a:r>
-              <a:rPr lang="en-US" sz="1600" dirty="0" smtClean="0"/>
-              <a:t>;</a:t>
-            </a:r>
-            <a:endParaRPr lang="en-US" sz="1600" dirty="0" smtClean="0"/>
+              <a:t>" ;</a:t>
+            </a:r>
           </a:p>
         </p:txBody>
       </p:sp>
